--- a/EmpathicCode.pptx
+++ b/EmpathicCode.pptx
@@ -51,38 +51,38 @@
     <p:sldId id="308" r:id="rId45"/>
     <p:sldId id="273" r:id="rId46"/>
     <p:sldId id="351" r:id="rId47"/>
-    <p:sldId id="352" r:id="rId48"/>
-    <p:sldId id="349" r:id="rId49"/>
-    <p:sldId id="353" r:id="rId50"/>
-    <p:sldId id="354" r:id="rId51"/>
-    <p:sldId id="350" r:id="rId52"/>
-    <p:sldId id="295" r:id="rId53"/>
-    <p:sldId id="321" r:id="rId54"/>
-    <p:sldId id="309" r:id="rId55"/>
-    <p:sldId id="322" r:id="rId56"/>
-    <p:sldId id="310" r:id="rId57"/>
-    <p:sldId id="344" r:id="rId58"/>
-    <p:sldId id="345" r:id="rId59"/>
-    <p:sldId id="323" r:id="rId60"/>
-    <p:sldId id="311" r:id="rId61"/>
-    <p:sldId id="312" r:id="rId62"/>
-    <p:sldId id="313" r:id="rId63"/>
-    <p:sldId id="314" r:id="rId64"/>
-    <p:sldId id="315" r:id="rId65"/>
-    <p:sldId id="316" r:id="rId66"/>
-    <p:sldId id="317" r:id="rId67"/>
-    <p:sldId id="318" r:id="rId68"/>
-    <p:sldId id="324" r:id="rId69"/>
-    <p:sldId id="328" r:id="rId70"/>
-    <p:sldId id="319" r:id="rId71"/>
-    <p:sldId id="325" r:id="rId72"/>
-    <p:sldId id="320" r:id="rId73"/>
-    <p:sldId id="326" r:id="rId74"/>
-    <p:sldId id="346" r:id="rId75"/>
-    <p:sldId id="348" r:id="rId76"/>
-    <p:sldId id="347" r:id="rId77"/>
-    <p:sldId id="355" r:id="rId78"/>
-    <p:sldId id="339" r:id="rId79"/>
+    <p:sldId id="353" r:id="rId48"/>
+    <p:sldId id="354" r:id="rId49"/>
+    <p:sldId id="356" r:id="rId50"/>
+    <p:sldId id="357" r:id="rId51"/>
+    <p:sldId id="295" r:id="rId52"/>
+    <p:sldId id="321" r:id="rId53"/>
+    <p:sldId id="309" r:id="rId54"/>
+    <p:sldId id="322" r:id="rId55"/>
+    <p:sldId id="310" r:id="rId56"/>
+    <p:sldId id="344" r:id="rId57"/>
+    <p:sldId id="345" r:id="rId58"/>
+    <p:sldId id="323" r:id="rId59"/>
+    <p:sldId id="311" r:id="rId60"/>
+    <p:sldId id="312" r:id="rId61"/>
+    <p:sldId id="313" r:id="rId62"/>
+    <p:sldId id="314" r:id="rId63"/>
+    <p:sldId id="315" r:id="rId64"/>
+    <p:sldId id="316" r:id="rId65"/>
+    <p:sldId id="317" r:id="rId66"/>
+    <p:sldId id="318" r:id="rId67"/>
+    <p:sldId id="324" r:id="rId68"/>
+    <p:sldId id="328" r:id="rId69"/>
+    <p:sldId id="319" r:id="rId70"/>
+    <p:sldId id="325" r:id="rId71"/>
+    <p:sldId id="320" r:id="rId72"/>
+    <p:sldId id="326" r:id="rId73"/>
+    <p:sldId id="346" r:id="rId74"/>
+    <p:sldId id="348" r:id="rId75"/>
+    <p:sldId id="347" r:id="rId76"/>
+    <p:sldId id="355" r:id="rId77"/>
+    <p:sldId id="339" r:id="rId78"/>
+    <p:sldId id="358" r:id="rId79"/>
     <p:sldId id="340" r:id="rId80"/>
     <p:sldId id="306" r:id="rId81"/>
     <p:sldId id="338" r:id="rId82"/>
@@ -485,7 +485,7 @@
             <a:fld id="{1BA50D42-C9CD-4801-B293-61D1F53EC57E}" type="datetimeFigureOut">
               <a:rPr lang="de-DE" smtClean="0"/>
               <a:pPr/>
-              <a:t>03.05.2012</a:t>
+              <a:t>04.05.2012</a:t>
             </a:fld>
             <a:endParaRPr lang="de-DE"/>
           </a:p>
@@ -689,7 +689,7 @@
             <a:fld id="{1BA50D42-C9CD-4801-B293-61D1F53EC57E}" type="datetimeFigureOut">
               <a:rPr lang="de-DE" smtClean="0"/>
               <a:pPr/>
-              <a:t>03.05.2012</a:t>
+              <a:t>04.05.2012</a:t>
             </a:fld>
             <a:endParaRPr lang="de-DE"/>
           </a:p>
@@ -901,7 +901,7 @@
             <a:fld id="{49009F1C-25D2-4D02-B5E1-1CF1D044B88A}" type="datetime1">
               <a:rPr lang="de-DE" smtClean="0"/>
               <a:pPr/>
-              <a:t>03.05.2012</a:t>
+              <a:t>04.05.2012</a:t>
             </a:fld>
             <a:endParaRPr lang="de-DE"/>
           </a:p>
@@ -969,7 +969,7 @@
     </p:spTree>
     <p:extLst>
       <p:ext uri="{BB962C8B-B14F-4D97-AF65-F5344CB8AC3E}">
-        <p14:creationId xmlns:p14="http://schemas.microsoft.com/office/powerpoint/2010/main" xmlns="" val="3524703957"/>
+        <p14:creationId xmlns:p14="http://schemas.microsoft.com/office/powerpoint/2010/main" val="3524703957"/>
       </p:ext>
     </p:extLst>
   </p:cSld>
@@ -1176,7 +1176,7 @@
             <a:fld id="{8E508044-0D94-401F-9C78-3F61CF8331A4}" type="datetime1">
               <a:rPr lang="de-DE" smtClean="0"/>
               <a:pPr/>
-              <a:t>03.05.2012</a:t>
+              <a:t>04.05.2012</a:t>
             </a:fld>
             <a:endParaRPr lang="de-DE"/>
           </a:p>
@@ -1244,7 +1244,7 @@
     </p:spTree>
     <p:extLst>
       <p:ext uri="{BB962C8B-B14F-4D97-AF65-F5344CB8AC3E}">
-        <p14:creationId xmlns:p14="http://schemas.microsoft.com/office/powerpoint/2010/main" xmlns="" val="1567856710"/>
+        <p14:creationId xmlns:p14="http://schemas.microsoft.com/office/powerpoint/2010/main" val="1567856710"/>
       </p:ext>
     </p:extLst>
   </p:cSld>
@@ -1512,7 +1512,7 @@
             <a:fld id="{1BA50D42-C9CD-4801-B293-61D1F53EC57E}" type="datetimeFigureOut">
               <a:rPr lang="de-DE" smtClean="0"/>
               <a:pPr/>
-              <a:t>03.05.2012</a:t>
+              <a:t>04.05.2012</a:t>
             </a:fld>
             <a:endParaRPr lang="de-DE"/>
           </a:p>
@@ -1827,7 +1827,7 @@
             <a:fld id="{1BA50D42-C9CD-4801-B293-61D1F53EC57E}" type="datetimeFigureOut">
               <a:rPr lang="de-DE" smtClean="0"/>
               <a:pPr/>
-              <a:t>03.05.2012</a:t>
+              <a:t>04.05.2012</a:t>
             </a:fld>
             <a:endParaRPr lang="de-DE"/>
           </a:p>
@@ -2282,7 +2282,7 @@
             <a:fld id="{1BA50D42-C9CD-4801-B293-61D1F53EC57E}" type="datetimeFigureOut">
               <a:rPr lang="de-DE" smtClean="0"/>
               <a:pPr/>
-              <a:t>03.05.2012</a:t>
+              <a:t>04.05.2012</a:t>
             </a:fld>
             <a:endParaRPr lang="de-DE"/>
           </a:p>
@@ -2421,7 +2421,7 @@
             <a:fld id="{1BA50D42-C9CD-4801-B293-61D1F53EC57E}" type="datetimeFigureOut">
               <a:rPr lang="de-DE" smtClean="0"/>
               <a:pPr/>
-              <a:t>03.05.2012</a:t>
+              <a:t>04.05.2012</a:t>
             </a:fld>
             <a:endParaRPr lang="de-DE"/>
           </a:p>
@@ -2537,7 +2537,7 @@
             <a:fld id="{1BA50D42-C9CD-4801-B293-61D1F53EC57E}" type="datetimeFigureOut">
               <a:rPr lang="de-DE" smtClean="0"/>
               <a:pPr/>
-              <a:t>03.05.2012</a:t>
+              <a:t>04.05.2012</a:t>
             </a:fld>
             <a:endParaRPr lang="de-DE"/>
           </a:p>
@@ -2841,7 +2841,7 @@
             <a:fld id="{1BA50D42-C9CD-4801-B293-61D1F53EC57E}" type="datetimeFigureOut">
               <a:rPr lang="de-DE" smtClean="0"/>
               <a:pPr/>
-              <a:t>03.05.2012</a:t>
+              <a:t>04.05.2012</a:t>
             </a:fld>
             <a:endParaRPr lang="de-DE"/>
           </a:p>
@@ -3121,7 +3121,7 @@
             <a:fld id="{1BA50D42-C9CD-4801-B293-61D1F53EC57E}" type="datetimeFigureOut">
               <a:rPr lang="de-DE" smtClean="0"/>
               <a:pPr/>
-              <a:t>03.05.2012</a:t>
+              <a:t>04.05.2012</a:t>
             </a:fld>
             <a:endParaRPr lang="de-DE"/>
           </a:p>
@@ -8648,7 +8648,7 @@
           <a:blip r:embed="rId6" cstate="print">
             <a:extLst>
               <a:ext uri="{BEBA8EAE-BF5A-486C-A8C5-ECC9F3942E4B}">
-                <a14:imgProps xmlns="" xmlns:a14="http://schemas.microsoft.com/office/drawing/2010/main">
+                <a14:imgProps xmlns:a14="http://schemas.microsoft.com/office/drawing/2010/main">
                   <a14:imgLayer r:embed="rId7">
                     <a14:imgEffect>
                       <a14:backgroundRemoval t="0" b="100000" l="11914" r="86719"/>
@@ -8657,7 +8657,7 @@
                 </a14:imgProps>
               </a:ext>
               <a:ext uri="{28A0092B-C50C-407E-A947-70E740481C1C}">
-                <a14:useLocalDpi xmlns="" xmlns:a14="http://schemas.microsoft.com/office/drawing/2010/main" val="0"/>
+                <a14:useLocalDpi xmlns:a14="http://schemas.microsoft.com/office/drawing/2010/main" val="0"/>
               </a:ext>
             </a:extLst>
           </a:blip>
@@ -8677,7 +8677,7 @@
           <a:noFill/>
           <a:extLst>
             <a:ext uri="{909E8E84-426E-40DD-AFC4-6F175D3DCCD1}">
-              <a14:hiddenFill xmlns="" xmlns:a14="http://schemas.microsoft.com/office/drawing/2010/main">
+              <a14:hiddenFill xmlns:a14="http://schemas.microsoft.com/office/drawing/2010/main">
                 <a:solidFill>
                   <a:srgbClr val="FFFFFF"/>
                 </a:solidFill>
@@ -8735,7 +8735,7 @@
           <a:blip r:embed="rId8" cstate="print">
             <a:extLst>
               <a:ext uri="{28A0092B-C50C-407E-A947-70E740481C1C}">
-                <a14:useLocalDpi xmlns="" xmlns:a14="http://schemas.microsoft.com/office/drawing/2010/main" val="0"/>
+                <a14:useLocalDpi xmlns:a14="http://schemas.microsoft.com/office/drawing/2010/main" val="0"/>
               </a:ext>
             </a:extLst>
           </a:blip>
@@ -8755,7 +8755,7 @@
           <a:noFill/>
           <a:extLst>
             <a:ext uri="{909E8E84-426E-40DD-AFC4-6F175D3DCCD1}">
-              <a14:hiddenFill xmlns="" xmlns:a14="http://schemas.microsoft.com/office/drawing/2010/main">
+              <a14:hiddenFill xmlns:a14="http://schemas.microsoft.com/office/drawing/2010/main">
                 <a:solidFill>
                   <a:srgbClr val="FFFFFF"/>
                 </a:solidFill>
@@ -8767,7 +8767,7 @@
     </p:spTree>
     <p:extLst>
       <p:ext uri="{BB962C8B-B14F-4D97-AF65-F5344CB8AC3E}">
-        <p14:creationId xmlns="" xmlns:p14="http://schemas.microsoft.com/office/powerpoint/2010/main" val="3041060604"/>
+        <p14:creationId xmlns:p14="http://schemas.microsoft.com/office/powerpoint/2010/main" val="3041060604"/>
       </p:ext>
     </p:extLst>
   </p:cSld>
@@ -18317,14 +18317,7 @@
                 <a:latin typeface="Roboto" pitchFamily="2" charset="0"/>
                 <a:ea typeface="Roboto" pitchFamily="2" charset="0"/>
               </a:rPr>
-              <a:t>Patterns </a:t>
-            </a:r>
-            <a:r>
-              <a:rPr lang="en-US" sz="2000" dirty="0" smtClean="0">
-                <a:latin typeface="Roboto" pitchFamily="2" charset="0"/>
-                <a:ea typeface="Roboto" pitchFamily="2" charset="0"/>
-              </a:rPr>
-              <a:t>aren’t solutions</a:t>
+              <a:t>Patterns aren’t solutions</a:t>
             </a:r>
             <a:endParaRPr lang="de-DE" sz="2000" dirty="0">
               <a:latin typeface="Roboto" pitchFamily="2" charset="0"/>
@@ -20069,6 +20062,13 @@
   <p:clrMapOvr>
     <a:masterClrMapping/>
   </p:clrMapOvr>
+  <p:timing>
+    <p:tnLst>
+      <p:par>
+        <p:cTn id="1" dur="indefinite" restart="never" nodeType="tmRoot"/>
+      </p:par>
+    </p:tnLst>
+  </p:timing>
 </p:sld>
 </file>
 
@@ -20099,12 +20099,958 @@
             <p:ph type="title"/>
           </p:nvPr>
         </p:nvSpPr>
-        <p:spPr/>
-        <p:txBody>
-          <a:bodyPr/>
-          <a:lstStyle/>
-          <a:p>
-            <a:endParaRPr lang="en-US" dirty="0"/>
+        <p:spPr>
+          <a:xfrm>
+            <a:off x="0" y="0"/>
+            <a:ext cx="9144000" cy="6858000"/>
+          </a:xfrm>
+          <a:solidFill>
+            <a:schemeClr val="tx1">
+              <a:lumMod val="85000"/>
+              <a:lumOff val="15000"/>
+            </a:schemeClr>
+          </a:solidFill>
+        </p:spPr>
+        <p:txBody>
+          <a:bodyPr>
+            <a:normAutofit/>
+          </a:bodyPr>
+          <a:lstStyle/>
+          <a:p>
+            <a:pPr algn="l"/>
+            <a:r>
+              <a:rPr lang="en-US" sz="2000" b="1" dirty="0" smtClean="0">
+                <a:latin typeface="Consolas" pitchFamily="49" charset="0"/>
+                <a:ea typeface="Roboto" pitchFamily="2" charset="0"/>
+                <a:cs typeface="Consolas" pitchFamily="49" charset="0"/>
+              </a:rPr>
+              <a:t>private</a:t>
+            </a:r>
+            <a:r>
+              <a:rPr lang="en-US" sz="2000" b="1" dirty="0" smtClean="0">
+                <a:solidFill>
+                  <a:schemeClr val="bg1"/>
+                </a:solidFill>
+                <a:latin typeface="Consolas" pitchFamily="49" charset="0"/>
+                <a:ea typeface="Roboto" pitchFamily="2" charset="0"/>
+                <a:cs typeface="Consolas" pitchFamily="49" charset="0"/>
+              </a:rPr>
+              <a:t> </a:t>
+            </a:r>
+            <a:r>
+              <a:rPr lang="en-US" sz="2000" b="1" dirty="0" smtClean="0">
+                <a:latin typeface="Consolas" pitchFamily="49" charset="0"/>
+                <a:ea typeface="Roboto" pitchFamily="2" charset="0"/>
+                <a:cs typeface="Consolas" pitchFamily="49" charset="0"/>
+              </a:rPr>
+              <a:t>static</a:t>
+            </a:r>
+            <a:r>
+              <a:rPr lang="en-US" sz="2000" b="1" dirty="0" smtClean="0">
+                <a:solidFill>
+                  <a:schemeClr val="bg1"/>
+                </a:solidFill>
+                <a:latin typeface="Consolas" pitchFamily="49" charset="0"/>
+                <a:ea typeface="Roboto" pitchFamily="2" charset="0"/>
+                <a:cs typeface="Consolas" pitchFamily="49" charset="0"/>
+              </a:rPr>
+              <a:t> </a:t>
+            </a:r>
+            <a:r>
+              <a:rPr lang="en-US" sz="2000" b="1" dirty="0" err="1" smtClean="0">
+                <a:latin typeface="Consolas" pitchFamily="49" charset="0"/>
+                <a:ea typeface="Roboto" pitchFamily="2" charset="0"/>
+                <a:cs typeface="Consolas" pitchFamily="49" charset="0"/>
+              </a:rPr>
+              <a:t>TimeSpan</a:t>
+            </a:r>
+            <a:r>
+              <a:rPr lang="en-US" sz="2000" b="1" dirty="0" smtClean="0">
+                <a:solidFill>
+                  <a:schemeClr val="bg1"/>
+                </a:solidFill>
+                <a:latin typeface="Consolas" pitchFamily="49" charset="0"/>
+                <a:ea typeface="Roboto" pitchFamily="2" charset="0"/>
+                <a:cs typeface="Consolas" pitchFamily="49" charset="0"/>
+              </a:rPr>
+              <a:t> Transform(</a:t>
+            </a:r>
+            <a:r>
+              <a:rPr lang="en-US" sz="2000" b="1" dirty="0" smtClean="0">
+                <a:latin typeface="Consolas" pitchFamily="49" charset="0"/>
+                <a:ea typeface="Roboto" pitchFamily="2" charset="0"/>
+                <a:cs typeface="Consolas" pitchFamily="49" charset="0"/>
+              </a:rPr>
+              <a:t>this</a:t>
+            </a:r>
+            <a:r>
+              <a:rPr lang="en-US" sz="2000" b="1" dirty="0" smtClean="0">
+                <a:solidFill>
+                  <a:schemeClr val="bg1"/>
+                </a:solidFill>
+                <a:latin typeface="Consolas" pitchFamily="49" charset="0"/>
+                <a:ea typeface="Roboto" pitchFamily="2" charset="0"/>
+                <a:cs typeface="Consolas" pitchFamily="49" charset="0"/>
+              </a:rPr>
+              <a:t> </a:t>
+            </a:r>
+            <a:r>
+              <a:rPr lang="en-US" sz="2000" b="1" dirty="0" err="1" smtClean="0">
+                <a:latin typeface="Consolas" pitchFamily="49" charset="0"/>
+                <a:ea typeface="Roboto" pitchFamily="2" charset="0"/>
+                <a:cs typeface="Consolas" pitchFamily="49" charset="0"/>
+              </a:rPr>
+              <a:t>IEnumerable</a:t>
+            </a:r>
+            <a:r>
+              <a:rPr lang="en-US" sz="2000" b="1" dirty="0" smtClean="0">
+                <a:solidFill>
+                  <a:schemeClr val="bg1"/>
+                </a:solidFill>
+                <a:latin typeface="Consolas" pitchFamily="49" charset="0"/>
+                <a:ea typeface="Roboto" pitchFamily="2" charset="0"/>
+                <a:cs typeface="Consolas" pitchFamily="49" charset="0"/>
+              </a:rPr>
+              <a:t>&lt;</a:t>
+            </a:r>
+            <a:r>
+              <a:rPr lang="en-US" sz="2000" b="1" dirty="0" smtClean="0">
+                <a:latin typeface="Consolas" pitchFamily="49" charset="0"/>
+                <a:ea typeface="Roboto" pitchFamily="2" charset="0"/>
+                <a:cs typeface="Consolas" pitchFamily="49" charset="0"/>
+              </a:rPr>
+              <a:t>int</a:t>
+            </a:r>
+            <a:r>
+              <a:rPr lang="en-US" sz="2000" b="1" dirty="0" smtClean="0">
+                <a:solidFill>
+                  <a:schemeClr val="bg1"/>
+                </a:solidFill>
+                <a:latin typeface="Consolas" pitchFamily="49" charset="0"/>
+                <a:ea typeface="Roboto" pitchFamily="2" charset="0"/>
+                <a:cs typeface="Consolas" pitchFamily="49" charset="0"/>
+              </a:rPr>
+              <a:t>&gt; digits)</a:t>
+            </a:r>
+            <a:br>
+              <a:rPr lang="en-US" sz="2000" b="1" dirty="0" smtClean="0">
+                <a:solidFill>
+                  <a:schemeClr val="bg1"/>
+                </a:solidFill>
+                <a:latin typeface="Consolas" pitchFamily="49" charset="0"/>
+                <a:ea typeface="Roboto" pitchFamily="2" charset="0"/>
+                <a:cs typeface="Consolas" pitchFamily="49" charset="0"/>
+              </a:rPr>
+            </a:br>
+            <a:r>
+              <a:rPr lang="en-US" sz="2000" b="1" dirty="0" smtClean="0">
+                <a:solidFill>
+                  <a:schemeClr val="bg1"/>
+                </a:solidFill>
+                <a:latin typeface="Consolas" pitchFamily="49" charset="0"/>
+                <a:ea typeface="Roboto" pitchFamily="2" charset="0"/>
+                <a:cs typeface="Consolas" pitchFamily="49" charset="0"/>
+              </a:rPr>
+              <a:t>{</a:t>
+            </a:r>
+            <a:br>
+              <a:rPr lang="en-US" sz="2000" b="1" dirty="0" smtClean="0">
+                <a:solidFill>
+                  <a:schemeClr val="bg1"/>
+                </a:solidFill>
+                <a:latin typeface="Consolas" pitchFamily="49" charset="0"/>
+                <a:ea typeface="Roboto" pitchFamily="2" charset="0"/>
+                <a:cs typeface="Consolas" pitchFamily="49" charset="0"/>
+              </a:rPr>
+            </a:br>
+            <a:r>
+              <a:rPr lang="en-US" sz="2000" b="1" dirty="0" smtClean="0">
+                <a:solidFill>
+                  <a:schemeClr val="bg1"/>
+                </a:solidFill>
+                <a:latin typeface="Consolas" pitchFamily="49" charset="0"/>
+                <a:ea typeface="Roboto" pitchFamily="2" charset="0"/>
+                <a:cs typeface="Consolas" pitchFamily="49" charset="0"/>
+              </a:rPr>
+              <a:t>	</a:t>
+            </a:r>
+            <a:r>
+              <a:rPr lang="en-US" sz="2000" b="1" dirty="0" smtClean="0">
+                <a:latin typeface="Consolas" pitchFamily="49" charset="0"/>
+                <a:ea typeface="Roboto" pitchFamily="2" charset="0"/>
+                <a:cs typeface="Consolas" pitchFamily="49" charset="0"/>
+              </a:rPr>
+              <a:t>int</a:t>
+            </a:r>
+            <a:r>
+              <a:rPr lang="en-US" sz="2000" b="1" dirty="0" smtClean="0">
+                <a:solidFill>
+                  <a:schemeClr val="bg1"/>
+                </a:solidFill>
+                <a:latin typeface="Consolas" pitchFamily="49" charset="0"/>
+                <a:ea typeface="Roboto" pitchFamily="2" charset="0"/>
+                <a:cs typeface="Consolas" pitchFamily="49" charset="0"/>
+              </a:rPr>
+              <a:t> result = 0;</a:t>
+            </a:r>
+            <a:br>
+              <a:rPr lang="en-US" sz="2000" b="1" dirty="0" smtClean="0">
+                <a:solidFill>
+                  <a:schemeClr val="bg1"/>
+                </a:solidFill>
+                <a:latin typeface="Consolas" pitchFamily="49" charset="0"/>
+                <a:ea typeface="Roboto" pitchFamily="2" charset="0"/>
+                <a:cs typeface="Consolas" pitchFamily="49" charset="0"/>
+              </a:rPr>
+            </a:br>
+            <a:r>
+              <a:rPr lang="en-US" sz="2000" b="1" dirty="0" smtClean="0">
+                <a:solidFill>
+                  <a:schemeClr val="bg1"/>
+                </a:solidFill>
+                <a:latin typeface="Consolas" pitchFamily="49" charset="0"/>
+                <a:ea typeface="Roboto" pitchFamily="2" charset="0"/>
+                <a:cs typeface="Consolas" pitchFamily="49" charset="0"/>
+              </a:rPr>
+              <a:t>	</a:t>
+            </a:r>
+            <a:r>
+              <a:rPr lang="en-US" sz="2000" b="1" dirty="0" err="1" smtClean="0">
+                <a:latin typeface="Consolas" pitchFamily="49" charset="0"/>
+                <a:ea typeface="Roboto" pitchFamily="2" charset="0"/>
+                <a:cs typeface="Consolas" pitchFamily="49" charset="0"/>
+              </a:rPr>
+              <a:t>var</a:t>
+            </a:r>
+            <a:r>
+              <a:rPr lang="en-US" sz="2000" b="1" dirty="0" smtClean="0">
+                <a:solidFill>
+                  <a:schemeClr val="bg1"/>
+                </a:solidFill>
+                <a:latin typeface="Consolas" pitchFamily="49" charset="0"/>
+                <a:ea typeface="Roboto" pitchFamily="2" charset="0"/>
+                <a:cs typeface="Consolas" pitchFamily="49" charset="0"/>
+              </a:rPr>
+              <a:t> r = </a:t>
+            </a:r>
+            <a:r>
+              <a:rPr lang="en-US" sz="2000" b="1" dirty="0" err="1" smtClean="0">
+                <a:solidFill>
+                  <a:schemeClr val="bg1"/>
+                </a:solidFill>
+                <a:latin typeface="Consolas" pitchFamily="49" charset="0"/>
+                <a:ea typeface="Roboto" pitchFamily="2" charset="0"/>
+                <a:cs typeface="Consolas" pitchFamily="49" charset="0"/>
+              </a:rPr>
+              <a:t>digits.ToList</a:t>
+            </a:r>
+            <a:r>
+              <a:rPr lang="en-US" sz="2000" b="1" dirty="0" smtClean="0">
+                <a:solidFill>
+                  <a:schemeClr val="bg1"/>
+                </a:solidFill>
+                <a:latin typeface="Consolas" pitchFamily="49" charset="0"/>
+                <a:ea typeface="Roboto" pitchFamily="2" charset="0"/>
+                <a:cs typeface="Consolas" pitchFamily="49" charset="0"/>
+              </a:rPr>
+              <a:t>();</a:t>
+            </a:r>
+            <a:br>
+              <a:rPr lang="en-US" sz="2000" b="1" dirty="0" smtClean="0">
+                <a:solidFill>
+                  <a:schemeClr val="bg1"/>
+                </a:solidFill>
+                <a:latin typeface="Consolas" pitchFamily="49" charset="0"/>
+                <a:ea typeface="Roboto" pitchFamily="2" charset="0"/>
+                <a:cs typeface="Consolas" pitchFamily="49" charset="0"/>
+              </a:rPr>
+            </a:br>
+            <a:r>
+              <a:rPr lang="en-US" sz="2000" b="1" dirty="0" smtClean="0">
+                <a:solidFill>
+                  <a:schemeClr val="bg1"/>
+                </a:solidFill>
+                <a:latin typeface="Consolas" pitchFamily="49" charset="0"/>
+                <a:ea typeface="Roboto" pitchFamily="2" charset="0"/>
+                <a:cs typeface="Consolas" pitchFamily="49" charset="0"/>
+              </a:rPr>
+              <a:t>	</a:t>
+            </a:r>
+            <a:r>
+              <a:rPr lang="en-US" sz="2000" b="1" dirty="0" smtClean="0">
+                <a:solidFill>
+                  <a:srgbClr val="FF00FF"/>
+                </a:solidFill>
+                <a:latin typeface="Consolas" pitchFamily="49" charset="0"/>
+                <a:ea typeface="Roboto" pitchFamily="2" charset="0"/>
+                <a:cs typeface="Consolas" pitchFamily="49" charset="0"/>
+              </a:rPr>
+              <a:t>for</a:t>
+            </a:r>
+            <a:r>
+              <a:rPr lang="en-US" sz="2000" b="1" dirty="0" smtClean="0">
+                <a:solidFill>
+                  <a:schemeClr val="bg1"/>
+                </a:solidFill>
+                <a:latin typeface="Consolas" pitchFamily="49" charset="0"/>
+                <a:ea typeface="Roboto" pitchFamily="2" charset="0"/>
+                <a:cs typeface="Consolas" pitchFamily="49" charset="0"/>
+              </a:rPr>
+              <a:t> (</a:t>
+            </a:r>
+            <a:r>
+              <a:rPr lang="en-US" sz="2000" b="1" dirty="0" smtClean="0">
+                <a:latin typeface="Consolas" pitchFamily="49" charset="0"/>
+                <a:ea typeface="Roboto" pitchFamily="2" charset="0"/>
+                <a:cs typeface="Consolas" pitchFamily="49" charset="0"/>
+              </a:rPr>
+              <a:t>int</a:t>
+            </a:r>
+            <a:r>
+              <a:rPr lang="en-US" sz="2000" b="1" dirty="0" smtClean="0">
+                <a:solidFill>
+                  <a:schemeClr val="bg1"/>
+                </a:solidFill>
+                <a:latin typeface="Consolas" pitchFamily="49" charset="0"/>
+                <a:ea typeface="Roboto" pitchFamily="2" charset="0"/>
+                <a:cs typeface="Consolas" pitchFamily="49" charset="0"/>
+              </a:rPr>
+              <a:t> j = </a:t>
+            </a:r>
+            <a:r>
+              <a:rPr lang="en-US" sz="2000" b="1" dirty="0" smtClean="0">
+                <a:solidFill>
+                  <a:srgbClr val="00DB00"/>
+                </a:solidFill>
+                <a:latin typeface="Consolas" pitchFamily="49" charset="0"/>
+                <a:ea typeface="Roboto" pitchFamily="2" charset="0"/>
+                <a:cs typeface="Consolas" pitchFamily="49" charset="0"/>
+              </a:rPr>
+              <a:t>0</a:t>
+            </a:r>
+            <a:r>
+              <a:rPr lang="en-US" sz="2000" b="1" dirty="0" smtClean="0">
+                <a:solidFill>
+                  <a:schemeClr val="bg1"/>
+                </a:solidFill>
+                <a:latin typeface="Consolas" pitchFamily="49" charset="0"/>
+                <a:ea typeface="Roboto" pitchFamily="2" charset="0"/>
+                <a:cs typeface="Consolas" pitchFamily="49" charset="0"/>
+              </a:rPr>
+              <a:t>; j &lt; </a:t>
+            </a:r>
+            <a:r>
+              <a:rPr lang="en-US" sz="2000" b="1" dirty="0" err="1" smtClean="0">
+                <a:solidFill>
+                  <a:schemeClr val="bg1"/>
+                </a:solidFill>
+                <a:latin typeface="Consolas" pitchFamily="49" charset="0"/>
+                <a:ea typeface="Roboto" pitchFamily="2" charset="0"/>
+                <a:cs typeface="Consolas" pitchFamily="49" charset="0"/>
+              </a:rPr>
+              <a:t>r.Count</a:t>
+            </a:r>
+            <a:r>
+              <a:rPr lang="en-US" sz="2000" b="1" dirty="0" smtClean="0">
+                <a:solidFill>
+                  <a:schemeClr val="bg1"/>
+                </a:solidFill>
+                <a:latin typeface="Consolas" pitchFamily="49" charset="0"/>
+                <a:ea typeface="Roboto" pitchFamily="2" charset="0"/>
+                <a:cs typeface="Consolas" pitchFamily="49" charset="0"/>
+              </a:rPr>
+              <a:t>; j++)</a:t>
+            </a:r>
+            <a:br>
+              <a:rPr lang="en-US" sz="2000" b="1" dirty="0" smtClean="0">
+                <a:solidFill>
+                  <a:schemeClr val="bg1"/>
+                </a:solidFill>
+                <a:latin typeface="Consolas" pitchFamily="49" charset="0"/>
+                <a:ea typeface="Roboto" pitchFamily="2" charset="0"/>
+                <a:cs typeface="Consolas" pitchFamily="49" charset="0"/>
+              </a:rPr>
+            </a:br>
+            <a:r>
+              <a:rPr lang="en-US" sz="2000" b="1" dirty="0" smtClean="0">
+                <a:solidFill>
+                  <a:schemeClr val="bg1"/>
+                </a:solidFill>
+                <a:latin typeface="Consolas" pitchFamily="49" charset="0"/>
+                <a:ea typeface="Roboto" pitchFamily="2" charset="0"/>
+                <a:cs typeface="Consolas" pitchFamily="49" charset="0"/>
+              </a:rPr>
+              <a:t>	{</a:t>
+            </a:r>
+            <a:br>
+              <a:rPr lang="en-US" sz="2000" b="1" dirty="0" smtClean="0">
+                <a:solidFill>
+                  <a:schemeClr val="bg1"/>
+                </a:solidFill>
+                <a:latin typeface="Consolas" pitchFamily="49" charset="0"/>
+                <a:ea typeface="Roboto" pitchFamily="2" charset="0"/>
+                <a:cs typeface="Consolas" pitchFamily="49" charset="0"/>
+              </a:rPr>
+            </a:br>
+            <a:r>
+              <a:rPr lang="en-US" sz="2000" b="1" dirty="0" smtClean="0">
+                <a:solidFill>
+                  <a:schemeClr val="bg1"/>
+                </a:solidFill>
+                <a:latin typeface="Consolas" pitchFamily="49" charset="0"/>
+                <a:ea typeface="Roboto" pitchFamily="2" charset="0"/>
+                <a:cs typeface="Consolas" pitchFamily="49" charset="0"/>
+              </a:rPr>
+              <a:t>		</a:t>
+            </a:r>
+            <a:r>
+              <a:rPr lang="en-US" sz="2000" b="1" dirty="0" smtClean="0">
+                <a:latin typeface="Consolas" pitchFamily="49" charset="0"/>
+                <a:ea typeface="Roboto" pitchFamily="2" charset="0"/>
+                <a:cs typeface="Consolas" pitchFamily="49" charset="0"/>
+              </a:rPr>
+              <a:t>int</a:t>
+            </a:r>
+            <a:r>
+              <a:rPr lang="en-US" sz="2000" b="1" dirty="0" smtClean="0">
+                <a:solidFill>
+                  <a:schemeClr val="bg1"/>
+                </a:solidFill>
+                <a:latin typeface="Consolas" pitchFamily="49" charset="0"/>
+                <a:ea typeface="Roboto" pitchFamily="2" charset="0"/>
+                <a:cs typeface="Consolas" pitchFamily="49" charset="0"/>
+              </a:rPr>
+              <a:t> i = (</a:t>
+            </a:r>
+            <a:r>
+              <a:rPr lang="en-US" sz="2000" b="1" dirty="0" smtClean="0">
+                <a:latin typeface="Consolas" pitchFamily="49" charset="0"/>
+                <a:ea typeface="Roboto" pitchFamily="2" charset="0"/>
+                <a:cs typeface="Consolas" pitchFamily="49" charset="0"/>
+              </a:rPr>
+              <a:t>int</a:t>
+            </a:r>
+            <a:r>
+              <a:rPr lang="en-US" sz="2000" b="1" dirty="0" smtClean="0">
+                <a:solidFill>
+                  <a:schemeClr val="bg1"/>
+                </a:solidFill>
+                <a:latin typeface="Consolas" pitchFamily="49" charset="0"/>
+                <a:ea typeface="Roboto" pitchFamily="2" charset="0"/>
+                <a:cs typeface="Consolas" pitchFamily="49" charset="0"/>
+              </a:rPr>
+              <a:t>)</a:t>
+            </a:r>
+            <a:r>
+              <a:rPr lang="en-US" sz="2000" b="1" dirty="0" err="1" smtClean="0">
+                <a:solidFill>
+                  <a:srgbClr val="FF00FF"/>
+                </a:solidFill>
+                <a:latin typeface="Consolas" pitchFamily="49" charset="0"/>
+                <a:ea typeface="Roboto" pitchFamily="2" charset="0"/>
+                <a:cs typeface="Consolas" pitchFamily="49" charset="0"/>
+              </a:rPr>
+              <a:t>Math</a:t>
+            </a:r>
+            <a:r>
+              <a:rPr lang="en-US" sz="2000" b="1" dirty="0" err="1" smtClean="0">
+                <a:solidFill>
+                  <a:schemeClr val="bg1"/>
+                </a:solidFill>
+                <a:latin typeface="Consolas" pitchFamily="49" charset="0"/>
+                <a:ea typeface="Roboto" pitchFamily="2" charset="0"/>
+                <a:cs typeface="Consolas" pitchFamily="49" charset="0"/>
+              </a:rPr>
+              <a:t>.Pow</a:t>
+            </a:r>
+            <a:r>
+              <a:rPr lang="en-US" sz="2000" b="1" dirty="0" smtClean="0">
+                <a:solidFill>
+                  <a:schemeClr val="bg1"/>
+                </a:solidFill>
+                <a:latin typeface="Consolas" pitchFamily="49" charset="0"/>
+                <a:ea typeface="Roboto" pitchFamily="2" charset="0"/>
+                <a:cs typeface="Consolas" pitchFamily="49" charset="0"/>
+              </a:rPr>
+              <a:t>(</a:t>
+            </a:r>
+            <a:r>
+              <a:rPr lang="en-US" sz="2000" b="1" dirty="0" smtClean="0">
+                <a:solidFill>
+                  <a:srgbClr val="00DB00"/>
+                </a:solidFill>
+                <a:latin typeface="Consolas" pitchFamily="49" charset="0"/>
+                <a:ea typeface="Roboto" pitchFamily="2" charset="0"/>
+                <a:cs typeface="Consolas" pitchFamily="49" charset="0"/>
+              </a:rPr>
+              <a:t>60</a:t>
+            </a:r>
+            <a:r>
+              <a:rPr lang="en-US" sz="2000" b="1" dirty="0" smtClean="0">
+                <a:solidFill>
+                  <a:schemeClr val="bg1"/>
+                </a:solidFill>
+                <a:latin typeface="Consolas" pitchFamily="49" charset="0"/>
+                <a:ea typeface="Roboto" pitchFamily="2" charset="0"/>
+                <a:cs typeface="Consolas" pitchFamily="49" charset="0"/>
+              </a:rPr>
+              <a:t>, j / </a:t>
+            </a:r>
+            <a:r>
+              <a:rPr lang="en-US" sz="2000" b="1" dirty="0" smtClean="0">
+                <a:solidFill>
+                  <a:srgbClr val="00DB00"/>
+                </a:solidFill>
+                <a:latin typeface="Consolas" pitchFamily="49" charset="0"/>
+                <a:ea typeface="Roboto" pitchFamily="2" charset="0"/>
+                <a:cs typeface="Consolas" pitchFamily="49" charset="0"/>
+              </a:rPr>
+              <a:t>2</a:t>
+            </a:r>
+            <a:r>
+              <a:rPr lang="en-US" sz="2000" b="1" dirty="0" smtClean="0">
+                <a:solidFill>
+                  <a:schemeClr val="bg1"/>
+                </a:solidFill>
+                <a:latin typeface="Consolas" pitchFamily="49" charset="0"/>
+                <a:ea typeface="Roboto" pitchFamily="2" charset="0"/>
+                <a:cs typeface="Consolas" pitchFamily="49" charset="0"/>
+              </a:rPr>
+              <a:t>);</a:t>
+            </a:r>
+            <a:br>
+              <a:rPr lang="en-US" sz="2000" b="1" dirty="0" smtClean="0">
+                <a:solidFill>
+                  <a:schemeClr val="bg1"/>
+                </a:solidFill>
+                <a:latin typeface="Consolas" pitchFamily="49" charset="0"/>
+                <a:ea typeface="Roboto" pitchFamily="2" charset="0"/>
+                <a:cs typeface="Consolas" pitchFamily="49" charset="0"/>
+              </a:rPr>
+            </a:br>
+            <a:r>
+              <a:rPr lang="en-US" sz="2000" b="1" dirty="0" smtClean="0">
+                <a:solidFill>
+                  <a:schemeClr val="bg1"/>
+                </a:solidFill>
+                <a:latin typeface="Consolas" pitchFamily="49" charset="0"/>
+                <a:ea typeface="Roboto" pitchFamily="2" charset="0"/>
+                <a:cs typeface="Consolas" pitchFamily="49" charset="0"/>
+              </a:rPr>
+              <a:t>		</a:t>
+            </a:r>
+            <a:r>
+              <a:rPr lang="en-US" sz="2000" b="1" dirty="0" smtClean="0">
+                <a:latin typeface="Consolas" pitchFamily="49" charset="0"/>
+                <a:ea typeface="Roboto" pitchFamily="2" charset="0"/>
+                <a:cs typeface="Consolas" pitchFamily="49" charset="0"/>
+              </a:rPr>
+              <a:t>int</a:t>
+            </a:r>
+            <a:r>
+              <a:rPr lang="en-US" sz="2000" b="1" dirty="0" smtClean="0">
+                <a:solidFill>
+                  <a:schemeClr val="bg1"/>
+                </a:solidFill>
+                <a:latin typeface="Consolas" pitchFamily="49" charset="0"/>
+                <a:ea typeface="Roboto" pitchFamily="2" charset="0"/>
+                <a:cs typeface="Consolas" pitchFamily="49" charset="0"/>
+              </a:rPr>
+              <a:t> </a:t>
+            </a:r>
+            <a:r>
+              <a:rPr lang="en-US" sz="2000" b="1" dirty="0" err="1" smtClean="0">
+                <a:solidFill>
+                  <a:schemeClr val="bg1"/>
+                </a:solidFill>
+                <a:latin typeface="Consolas" pitchFamily="49" charset="0"/>
+                <a:ea typeface="Roboto" pitchFamily="2" charset="0"/>
+                <a:cs typeface="Consolas" pitchFamily="49" charset="0"/>
+              </a:rPr>
+              <a:t>rTimesI</a:t>
+            </a:r>
+            <a:r>
+              <a:rPr lang="en-US" sz="2000" b="1" dirty="0" smtClean="0">
+                <a:solidFill>
+                  <a:schemeClr val="bg1"/>
+                </a:solidFill>
+                <a:latin typeface="Consolas" pitchFamily="49" charset="0"/>
+                <a:ea typeface="Roboto" pitchFamily="2" charset="0"/>
+                <a:cs typeface="Consolas" pitchFamily="49" charset="0"/>
+              </a:rPr>
+              <a:t> = r[</a:t>
+            </a:r>
+            <a:r>
+              <a:rPr lang="en-US" sz="2000" b="1" dirty="0" err="1" smtClean="0">
+                <a:solidFill>
+                  <a:schemeClr val="bg1"/>
+                </a:solidFill>
+                <a:latin typeface="Consolas" pitchFamily="49" charset="0"/>
+                <a:ea typeface="Roboto" pitchFamily="2" charset="0"/>
+                <a:cs typeface="Consolas" pitchFamily="49" charset="0"/>
+              </a:rPr>
+              <a:t>r.Count</a:t>
+            </a:r>
+            <a:r>
+              <a:rPr lang="en-US" sz="2000" b="1" dirty="0" smtClean="0">
+                <a:solidFill>
+                  <a:schemeClr val="bg1"/>
+                </a:solidFill>
+                <a:latin typeface="Consolas" pitchFamily="49" charset="0"/>
+                <a:ea typeface="Roboto" pitchFamily="2" charset="0"/>
+                <a:cs typeface="Consolas" pitchFamily="49" charset="0"/>
+              </a:rPr>
+              <a:t> - j - </a:t>
+            </a:r>
+            <a:r>
+              <a:rPr lang="en-US" sz="2000" b="1" dirty="0" smtClean="0">
+                <a:solidFill>
+                  <a:srgbClr val="00DB00"/>
+                </a:solidFill>
+                <a:latin typeface="Consolas" pitchFamily="49" charset="0"/>
+                <a:ea typeface="Roboto" pitchFamily="2" charset="0"/>
+                <a:cs typeface="Consolas" pitchFamily="49" charset="0"/>
+              </a:rPr>
+              <a:t>1</a:t>
+            </a:r>
+            <a:r>
+              <a:rPr lang="en-US" sz="2000" b="1" dirty="0" smtClean="0">
+                <a:solidFill>
+                  <a:schemeClr val="bg1"/>
+                </a:solidFill>
+                <a:latin typeface="Consolas" pitchFamily="49" charset="0"/>
+                <a:ea typeface="Roboto" pitchFamily="2" charset="0"/>
+                <a:cs typeface="Consolas" pitchFamily="49" charset="0"/>
+              </a:rPr>
+              <a:t>] * i;</a:t>
+            </a:r>
+            <a:br>
+              <a:rPr lang="en-US" sz="2000" b="1" dirty="0" smtClean="0">
+                <a:solidFill>
+                  <a:schemeClr val="bg1"/>
+                </a:solidFill>
+                <a:latin typeface="Consolas" pitchFamily="49" charset="0"/>
+                <a:ea typeface="Roboto" pitchFamily="2" charset="0"/>
+                <a:cs typeface="Consolas" pitchFamily="49" charset="0"/>
+              </a:rPr>
+            </a:br>
+            <a:r>
+              <a:rPr lang="en-US" sz="2000" b="1" dirty="0" smtClean="0">
+                <a:solidFill>
+                  <a:schemeClr val="bg1"/>
+                </a:solidFill>
+                <a:latin typeface="Consolas" pitchFamily="49" charset="0"/>
+                <a:ea typeface="Roboto" pitchFamily="2" charset="0"/>
+                <a:cs typeface="Consolas" pitchFamily="49" charset="0"/>
+              </a:rPr>
+              <a:t/>
+            </a:r>
+            <a:br>
+              <a:rPr lang="en-US" sz="2000" b="1" dirty="0" smtClean="0">
+                <a:solidFill>
+                  <a:schemeClr val="bg1"/>
+                </a:solidFill>
+                <a:latin typeface="Consolas" pitchFamily="49" charset="0"/>
+                <a:ea typeface="Roboto" pitchFamily="2" charset="0"/>
+                <a:cs typeface="Consolas" pitchFamily="49" charset="0"/>
+              </a:rPr>
+            </a:br>
+            <a:r>
+              <a:rPr lang="en-US" sz="2000" b="1" dirty="0" smtClean="0">
+                <a:solidFill>
+                  <a:schemeClr val="bg1"/>
+                </a:solidFill>
+                <a:latin typeface="Consolas" pitchFamily="49" charset="0"/>
+                <a:ea typeface="Roboto" pitchFamily="2" charset="0"/>
+                <a:cs typeface="Consolas" pitchFamily="49" charset="0"/>
+              </a:rPr>
+              <a:t>		result += (j </a:t>
+            </a:r>
+            <a:r>
+              <a:rPr lang="en-US" sz="2000" b="1" dirty="0" smtClean="0">
+                <a:solidFill>
+                  <a:srgbClr val="FF00FF"/>
+                </a:solidFill>
+                <a:latin typeface="Consolas" pitchFamily="49" charset="0"/>
+                <a:ea typeface="Roboto" pitchFamily="2" charset="0"/>
+                <a:cs typeface="Consolas" pitchFamily="49" charset="0"/>
+              </a:rPr>
+              <a:t>%</a:t>
+            </a:r>
+            <a:r>
+              <a:rPr lang="en-US" sz="2000" b="1" dirty="0" smtClean="0">
+                <a:solidFill>
+                  <a:schemeClr val="bg1"/>
+                </a:solidFill>
+                <a:latin typeface="Consolas" pitchFamily="49" charset="0"/>
+                <a:ea typeface="Roboto" pitchFamily="2" charset="0"/>
+                <a:cs typeface="Consolas" pitchFamily="49" charset="0"/>
+              </a:rPr>
+              <a:t> </a:t>
+            </a:r>
+            <a:r>
+              <a:rPr lang="en-US" sz="2000" b="1" dirty="0" smtClean="0">
+                <a:solidFill>
+                  <a:srgbClr val="00DB00"/>
+                </a:solidFill>
+                <a:latin typeface="Consolas" pitchFamily="49" charset="0"/>
+                <a:ea typeface="Roboto" pitchFamily="2" charset="0"/>
+                <a:cs typeface="Consolas" pitchFamily="49" charset="0"/>
+              </a:rPr>
+              <a:t>2</a:t>
+            </a:r>
+            <a:r>
+              <a:rPr lang="en-US" sz="2000" b="1" dirty="0" smtClean="0">
+                <a:solidFill>
+                  <a:schemeClr val="bg1"/>
+                </a:solidFill>
+                <a:latin typeface="Consolas" pitchFamily="49" charset="0"/>
+                <a:ea typeface="Roboto" pitchFamily="2" charset="0"/>
+                <a:cs typeface="Consolas" pitchFamily="49" charset="0"/>
+              </a:rPr>
+              <a:t> == </a:t>
+            </a:r>
+            <a:r>
+              <a:rPr lang="en-US" sz="2000" b="1" dirty="0" smtClean="0">
+                <a:solidFill>
+                  <a:srgbClr val="00DB00"/>
+                </a:solidFill>
+                <a:latin typeface="Consolas" pitchFamily="49" charset="0"/>
+                <a:ea typeface="Roboto" pitchFamily="2" charset="0"/>
+                <a:cs typeface="Consolas" pitchFamily="49" charset="0"/>
+              </a:rPr>
+              <a:t>1</a:t>
+            </a:r>
+            <a:r>
+              <a:rPr lang="en-US" sz="2000" b="1" dirty="0" smtClean="0">
+                <a:solidFill>
+                  <a:schemeClr val="bg1"/>
+                </a:solidFill>
+                <a:latin typeface="Consolas" pitchFamily="49" charset="0"/>
+                <a:ea typeface="Roboto" pitchFamily="2" charset="0"/>
+                <a:cs typeface="Consolas" pitchFamily="49" charset="0"/>
+              </a:rPr>
+              <a:t>)</a:t>
+            </a:r>
+            <a:br>
+              <a:rPr lang="en-US" sz="2000" b="1" dirty="0" smtClean="0">
+                <a:solidFill>
+                  <a:schemeClr val="bg1"/>
+                </a:solidFill>
+                <a:latin typeface="Consolas" pitchFamily="49" charset="0"/>
+                <a:ea typeface="Roboto" pitchFamily="2" charset="0"/>
+                <a:cs typeface="Consolas" pitchFamily="49" charset="0"/>
+              </a:rPr>
+            </a:br>
+            <a:r>
+              <a:rPr lang="en-US" sz="2000" b="1" dirty="0" smtClean="0">
+                <a:solidFill>
+                  <a:schemeClr val="bg1"/>
+                </a:solidFill>
+                <a:latin typeface="Consolas" pitchFamily="49" charset="0"/>
+                <a:ea typeface="Roboto" pitchFamily="2" charset="0"/>
+                <a:cs typeface="Consolas" pitchFamily="49" charset="0"/>
+              </a:rPr>
+              <a:t>					  ? </a:t>
+            </a:r>
+            <a:r>
+              <a:rPr lang="en-US" sz="2000" b="1" dirty="0" err="1" smtClean="0">
+                <a:solidFill>
+                  <a:schemeClr val="bg1"/>
+                </a:solidFill>
+                <a:latin typeface="Consolas" pitchFamily="49" charset="0"/>
+                <a:ea typeface="Roboto" pitchFamily="2" charset="0"/>
+                <a:cs typeface="Consolas" pitchFamily="49" charset="0"/>
+              </a:rPr>
+              <a:t>rTimesI</a:t>
+            </a:r>
+            <a:r>
+              <a:rPr lang="en-US" sz="2000" b="1" dirty="0" smtClean="0">
+                <a:solidFill>
+                  <a:schemeClr val="bg1"/>
+                </a:solidFill>
+                <a:latin typeface="Consolas" pitchFamily="49" charset="0"/>
+                <a:ea typeface="Roboto" pitchFamily="2" charset="0"/>
+                <a:cs typeface="Consolas" pitchFamily="49" charset="0"/>
+              </a:rPr>
+              <a:t> * </a:t>
+            </a:r>
+            <a:r>
+              <a:rPr lang="en-US" sz="2000" b="1" dirty="0" smtClean="0">
+                <a:solidFill>
+                  <a:srgbClr val="00DB00"/>
+                </a:solidFill>
+                <a:latin typeface="Consolas" pitchFamily="49" charset="0"/>
+                <a:ea typeface="Roboto" pitchFamily="2" charset="0"/>
+                <a:cs typeface="Consolas" pitchFamily="49" charset="0"/>
+              </a:rPr>
+              <a:t>10</a:t>
+            </a:r>
+            <a:r>
+              <a:rPr lang="en-US" sz="2000" b="1" dirty="0" smtClean="0">
+                <a:solidFill>
+                  <a:schemeClr val="bg1"/>
+                </a:solidFill>
+                <a:latin typeface="Consolas" pitchFamily="49" charset="0"/>
+                <a:ea typeface="Roboto" pitchFamily="2" charset="0"/>
+                <a:cs typeface="Consolas" pitchFamily="49" charset="0"/>
+              </a:rPr>
+              <a:t/>
+            </a:r>
+            <a:br>
+              <a:rPr lang="en-US" sz="2000" b="1" dirty="0" smtClean="0">
+                <a:solidFill>
+                  <a:schemeClr val="bg1"/>
+                </a:solidFill>
+                <a:latin typeface="Consolas" pitchFamily="49" charset="0"/>
+                <a:ea typeface="Roboto" pitchFamily="2" charset="0"/>
+                <a:cs typeface="Consolas" pitchFamily="49" charset="0"/>
+              </a:rPr>
+            </a:br>
+            <a:r>
+              <a:rPr lang="en-US" sz="2000" b="1" dirty="0" smtClean="0">
+                <a:solidFill>
+                  <a:schemeClr val="bg1"/>
+                </a:solidFill>
+                <a:latin typeface="Consolas" pitchFamily="49" charset="0"/>
+                <a:ea typeface="Roboto" pitchFamily="2" charset="0"/>
+                <a:cs typeface="Consolas" pitchFamily="49" charset="0"/>
+              </a:rPr>
+              <a:t>					  : </a:t>
+            </a:r>
+            <a:r>
+              <a:rPr lang="en-US" sz="2000" b="1" dirty="0" err="1" smtClean="0">
+                <a:solidFill>
+                  <a:schemeClr val="bg1"/>
+                </a:solidFill>
+                <a:latin typeface="Consolas" pitchFamily="49" charset="0"/>
+                <a:ea typeface="Roboto" pitchFamily="2" charset="0"/>
+                <a:cs typeface="Consolas" pitchFamily="49" charset="0"/>
+              </a:rPr>
+              <a:t>rTimesI</a:t>
+            </a:r>
+            <a:r>
+              <a:rPr lang="en-US" sz="2000" b="1" dirty="0" smtClean="0">
+                <a:solidFill>
+                  <a:schemeClr val="bg1"/>
+                </a:solidFill>
+                <a:latin typeface="Consolas" pitchFamily="49" charset="0"/>
+                <a:ea typeface="Roboto" pitchFamily="2" charset="0"/>
+                <a:cs typeface="Consolas" pitchFamily="49" charset="0"/>
+              </a:rPr>
+              <a:t>;</a:t>
+            </a:r>
+            <a:br>
+              <a:rPr lang="en-US" sz="2000" b="1" dirty="0" smtClean="0">
+                <a:solidFill>
+                  <a:schemeClr val="bg1"/>
+                </a:solidFill>
+                <a:latin typeface="Consolas" pitchFamily="49" charset="0"/>
+                <a:ea typeface="Roboto" pitchFamily="2" charset="0"/>
+                <a:cs typeface="Consolas" pitchFamily="49" charset="0"/>
+              </a:rPr>
+            </a:br>
+            <a:r>
+              <a:rPr lang="en-US" sz="2000" b="1" dirty="0" smtClean="0">
+                <a:solidFill>
+                  <a:schemeClr val="bg1"/>
+                </a:solidFill>
+                <a:latin typeface="Consolas" pitchFamily="49" charset="0"/>
+                <a:ea typeface="Roboto" pitchFamily="2" charset="0"/>
+                <a:cs typeface="Consolas" pitchFamily="49" charset="0"/>
+              </a:rPr>
+              <a:t>	}</a:t>
+            </a:r>
+            <a:br>
+              <a:rPr lang="en-US" sz="2000" b="1" dirty="0" smtClean="0">
+                <a:solidFill>
+                  <a:schemeClr val="bg1"/>
+                </a:solidFill>
+                <a:latin typeface="Consolas" pitchFamily="49" charset="0"/>
+                <a:ea typeface="Roboto" pitchFamily="2" charset="0"/>
+                <a:cs typeface="Consolas" pitchFamily="49" charset="0"/>
+              </a:rPr>
+            </a:br>
+            <a:r>
+              <a:rPr lang="en-US" sz="2000" b="1" dirty="0" smtClean="0">
+                <a:solidFill>
+                  <a:schemeClr val="bg1"/>
+                </a:solidFill>
+                <a:latin typeface="Consolas" pitchFamily="49" charset="0"/>
+                <a:ea typeface="Roboto" pitchFamily="2" charset="0"/>
+                <a:cs typeface="Consolas" pitchFamily="49" charset="0"/>
+              </a:rPr>
+              <a:t>	return </a:t>
+            </a:r>
+            <a:r>
+              <a:rPr lang="en-US" sz="2000" b="1" dirty="0" err="1" smtClean="0">
+                <a:latin typeface="Consolas" pitchFamily="49" charset="0"/>
+                <a:ea typeface="Roboto" pitchFamily="2" charset="0"/>
+                <a:cs typeface="Consolas" pitchFamily="49" charset="0"/>
+              </a:rPr>
+              <a:t>TimeSpan</a:t>
+            </a:r>
+            <a:r>
+              <a:rPr lang="en-US" sz="2000" b="1" dirty="0" err="1" smtClean="0">
+                <a:solidFill>
+                  <a:schemeClr val="bg1"/>
+                </a:solidFill>
+                <a:latin typeface="Consolas" pitchFamily="49" charset="0"/>
+                <a:ea typeface="Roboto" pitchFamily="2" charset="0"/>
+                <a:cs typeface="Consolas" pitchFamily="49" charset="0"/>
+              </a:rPr>
+              <a:t>.FromSeconds</a:t>
+            </a:r>
+            <a:r>
+              <a:rPr lang="en-US" sz="2000" b="1" dirty="0" smtClean="0">
+                <a:solidFill>
+                  <a:schemeClr val="bg1"/>
+                </a:solidFill>
+                <a:latin typeface="Consolas" pitchFamily="49" charset="0"/>
+                <a:ea typeface="Roboto" pitchFamily="2" charset="0"/>
+                <a:cs typeface="Consolas" pitchFamily="49" charset="0"/>
+              </a:rPr>
+              <a:t>(result);</a:t>
+            </a:r>
+            <a:br>
+              <a:rPr lang="en-US" sz="2000" b="1" dirty="0" smtClean="0">
+                <a:solidFill>
+                  <a:schemeClr val="bg1"/>
+                </a:solidFill>
+                <a:latin typeface="Consolas" pitchFamily="49" charset="0"/>
+                <a:ea typeface="Roboto" pitchFamily="2" charset="0"/>
+                <a:cs typeface="Consolas" pitchFamily="49" charset="0"/>
+              </a:rPr>
+            </a:br>
+            <a:r>
+              <a:rPr lang="en-US" sz="2000" b="1" dirty="0" smtClean="0">
+                <a:solidFill>
+                  <a:schemeClr val="bg1"/>
+                </a:solidFill>
+                <a:latin typeface="Consolas" pitchFamily="49" charset="0"/>
+                <a:ea typeface="Roboto" pitchFamily="2" charset="0"/>
+                <a:cs typeface="Consolas" pitchFamily="49" charset="0"/>
+              </a:rPr>
+              <a:t>}</a:t>
+            </a:r>
+            <a:br>
+              <a:rPr lang="en-US" sz="2000" b="1" dirty="0" smtClean="0">
+                <a:solidFill>
+                  <a:schemeClr val="bg1"/>
+                </a:solidFill>
+                <a:latin typeface="Consolas" pitchFamily="49" charset="0"/>
+                <a:ea typeface="Roboto" pitchFamily="2" charset="0"/>
+                <a:cs typeface="Consolas" pitchFamily="49" charset="0"/>
+              </a:rPr>
+            </a:br>
+            <a:endParaRPr lang="en-US" sz="2000" b="1" dirty="0">
+              <a:solidFill>
+                <a:schemeClr val="bg1"/>
+              </a:solidFill>
+              <a:latin typeface="Consolas" pitchFamily="49" charset="0"/>
+              <a:ea typeface="Roboto" pitchFamily="2" charset="0"/>
+              <a:cs typeface="Consolas" pitchFamily="49" charset="0"/>
+            </a:endParaRPr>
           </a:p>
         </p:txBody>
       </p:sp>
@@ -20113,6 +21059,13 @@
   <p:clrMapOvr>
     <a:masterClrMapping/>
   </p:clrMapOvr>
+  <p:timing>
+    <p:tnLst>
+      <p:par>
+        <p:cTn id="1" dur="indefinite" restart="never" nodeType="tmRoot"/>
+      </p:par>
+    </p:tnLst>
+  </p:timing>
 </p:sld>
 </file>
 
@@ -20135,7 +21088,7 @@
       </p:grpSpPr>
       <p:sp>
         <p:nvSpPr>
-          <p:cNvPr id="3" name="Titel 2"/>
+          <p:cNvPr id="2" name="Titel 1"/>
           <p:cNvSpPr>
             <a:spLocks noGrp="1"/>
           </p:cNvSpPr>
@@ -20143,66 +21096,649 @@
             <p:ph type="title"/>
           </p:nvPr>
         </p:nvSpPr>
-        <p:spPr/>
-        <p:txBody>
-          <a:bodyPr/>
-          <a:lstStyle/>
-          <a:p>
-            <a:r>
-              <a:rPr lang="en-US" dirty="0" err="1" smtClean="0"/>
-              <a:t>Natürliche</a:t>
-            </a:r>
-            <a:endParaRPr lang="en-US" dirty="0"/>
-          </a:p>
-        </p:txBody>
-      </p:sp>
-      <p:sp>
-        <p:nvSpPr>
-          <p:cNvPr id="4" name="Textplatzhalter 3"/>
-          <p:cNvSpPr>
-            <a:spLocks noGrp="1"/>
-          </p:cNvSpPr>
-          <p:nvPr>
-            <p:ph type="body" sz="quarter" idx="10"/>
-          </p:nvPr>
-        </p:nvSpPr>
-        <p:spPr/>
-        <p:txBody>
-          <a:bodyPr/>
-          <a:lstStyle/>
-          <a:p>
-            <a:r>
-              <a:rPr lang="en-US" dirty="0" err="1" smtClean="0"/>
-              <a:t>Gesprochene</a:t>
-            </a:r>
-            <a:r>
-              <a:rPr lang="en-US" dirty="0" smtClean="0"/>
-              <a:t>, </a:t>
-            </a:r>
-            <a:endParaRPr lang="en-US" dirty="0"/>
-          </a:p>
-        </p:txBody>
-      </p:sp>
-      <p:sp>
-        <p:nvSpPr>
-          <p:cNvPr id="5" name="Textplatzhalter 4"/>
-          <p:cNvSpPr>
-            <a:spLocks noGrp="1"/>
-          </p:cNvSpPr>
-          <p:nvPr>
-            <p:ph type="body" sz="quarter" idx="11"/>
-          </p:nvPr>
-        </p:nvSpPr>
-        <p:spPr/>
-        <p:txBody>
-          <a:bodyPr/>
-          <a:lstStyle/>
-          <a:p>
-            <a:r>
-              <a:rPr lang="en-US" dirty="0" err="1" smtClean="0"/>
-              <a:t>Sprache</a:t>
-            </a:r>
-            <a:endParaRPr lang="en-US" dirty="0"/>
+        <p:spPr>
+          <a:xfrm>
+            <a:off x="0" y="0"/>
+            <a:ext cx="9144000" cy="6858000"/>
+          </a:xfrm>
+          <a:solidFill>
+            <a:schemeClr val="tx1">
+              <a:lumMod val="85000"/>
+              <a:lumOff val="15000"/>
+            </a:schemeClr>
+          </a:solidFill>
+        </p:spPr>
+        <p:txBody>
+          <a:bodyPr>
+            <a:normAutofit/>
+          </a:bodyPr>
+          <a:lstStyle/>
+          <a:p>
+            <a:pPr algn="l"/>
+            <a:r>
+              <a:rPr lang="en-US" sz="2000" b="1" dirty="0" smtClean="0">
+                <a:latin typeface="Consolas" pitchFamily="49" charset="0"/>
+                <a:ea typeface="Roboto" pitchFamily="2" charset="0"/>
+                <a:cs typeface="Consolas" pitchFamily="49" charset="0"/>
+              </a:rPr>
+              <a:t>private static </a:t>
+            </a:r>
+            <a:r>
+              <a:rPr lang="en-US" sz="2000" b="1" dirty="0" err="1" smtClean="0">
+                <a:latin typeface="Consolas" pitchFamily="49" charset="0"/>
+                <a:ea typeface="Roboto" pitchFamily="2" charset="0"/>
+                <a:cs typeface="Consolas" pitchFamily="49" charset="0"/>
+              </a:rPr>
+              <a:t>TimeSpan</a:t>
+            </a:r>
+            <a:r>
+              <a:rPr lang="en-US" sz="2000" b="1" dirty="0" smtClean="0">
+                <a:latin typeface="Consolas" pitchFamily="49" charset="0"/>
+                <a:ea typeface="Roboto" pitchFamily="2" charset="0"/>
+                <a:cs typeface="Consolas" pitchFamily="49" charset="0"/>
+              </a:rPr>
+              <a:t> </a:t>
+            </a:r>
+            <a:r>
+              <a:rPr lang="en-US" sz="2000" b="1" dirty="0" smtClean="0">
+                <a:solidFill>
+                  <a:schemeClr val="bg1"/>
+                </a:solidFill>
+                <a:latin typeface="Consolas" pitchFamily="49" charset="0"/>
+                <a:ea typeface="Roboto" pitchFamily="2" charset="0"/>
+                <a:cs typeface="Consolas" pitchFamily="49" charset="0"/>
+              </a:rPr>
+              <a:t>Transform(</a:t>
+            </a:r>
+            <a:r>
+              <a:rPr lang="en-US" sz="2000" b="1" dirty="0" smtClean="0">
+                <a:latin typeface="Consolas" pitchFamily="49" charset="0"/>
+                <a:ea typeface="Roboto" pitchFamily="2" charset="0"/>
+                <a:cs typeface="Consolas" pitchFamily="49" charset="0"/>
+              </a:rPr>
+              <a:t>this</a:t>
+            </a:r>
+            <a:r>
+              <a:rPr lang="en-US" sz="2000" b="1" dirty="0" smtClean="0">
+                <a:solidFill>
+                  <a:schemeClr val="bg1"/>
+                </a:solidFill>
+                <a:latin typeface="Consolas" pitchFamily="49" charset="0"/>
+                <a:ea typeface="Roboto" pitchFamily="2" charset="0"/>
+                <a:cs typeface="Consolas" pitchFamily="49" charset="0"/>
+              </a:rPr>
+              <a:t> </a:t>
+            </a:r>
+            <a:r>
+              <a:rPr lang="en-US" sz="2000" b="1" dirty="0" err="1" smtClean="0">
+                <a:latin typeface="Consolas" pitchFamily="49" charset="0"/>
+                <a:ea typeface="Roboto" pitchFamily="2" charset="0"/>
+                <a:cs typeface="Consolas" pitchFamily="49" charset="0"/>
+              </a:rPr>
+              <a:t>IEnumerable</a:t>
+            </a:r>
+            <a:r>
+              <a:rPr lang="en-US" sz="2000" b="1" dirty="0" smtClean="0">
+                <a:solidFill>
+                  <a:schemeClr val="bg1"/>
+                </a:solidFill>
+                <a:latin typeface="Consolas" pitchFamily="49" charset="0"/>
+                <a:ea typeface="Roboto" pitchFamily="2" charset="0"/>
+                <a:cs typeface="Consolas" pitchFamily="49" charset="0"/>
+              </a:rPr>
+              <a:t>&lt;</a:t>
+            </a:r>
+            <a:r>
+              <a:rPr lang="en-US" sz="2000" b="1" dirty="0" smtClean="0">
+                <a:latin typeface="Consolas" pitchFamily="49" charset="0"/>
+                <a:ea typeface="Roboto" pitchFamily="2" charset="0"/>
+                <a:cs typeface="Consolas" pitchFamily="49" charset="0"/>
+              </a:rPr>
+              <a:t>int</a:t>
+            </a:r>
+            <a:r>
+              <a:rPr lang="en-US" sz="2000" b="1" dirty="0" smtClean="0">
+                <a:solidFill>
+                  <a:schemeClr val="bg1"/>
+                </a:solidFill>
+                <a:latin typeface="Consolas" pitchFamily="49" charset="0"/>
+                <a:ea typeface="Roboto" pitchFamily="2" charset="0"/>
+                <a:cs typeface="Consolas" pitchFamily="49" charset="0"/>
+              </a:rPr>
+              <a:t>&gt; digits) </a:t>
+            </a:r>
+            <a:br>
+              <a:rPr lang="en-US" sz="2000" b="1" dirty="0" smtClean="0">
+                <a:solidFill>
+                  <a:schemeClr val="bg1"/>
+                </a:solidFill>
+                <a:latin typeface="Consolas" pitchFamily="49" charset="0"/>
+                <a:ea typeface="Roboto" pitchFamily="2" charset="0"/>
+                <a:cs typeface="Consolas" pitchFamily="49" charset="0"/>
+              </a:rPr>
+            </a:br>
+            <a:r>
+              <a:rPr lang="en-US" sz="2000" b="1" dirty="0" smtClean="0">
+                <a:solidFill>
+                  <a:schemeClr val="bg1"/>
+                </a:solidFill>
+                <a:latin typeface="Consolas" pitchFamily="49" charset="0"/>
+                <a:ea typeface="Roboto" pitchFamily="2" charset="0"/>
+                <a:cs typeface="Consolas" pitchFamily="49" charset="0"/>
+              </a:rPr>
+              <a:t>{</a:t>
+            </a:r>
+            <a:br>
+              <a:rPr lang="en-US" sz="2000" b="1" dirty="0" smtClean="0">
+                <a:solidFill>
+                  <a:schemeClr val="bg1"/>
+                </a:solidFill>
+                <a:latin typeface="Consolas" pitchFamily="49" charset="0"/>
+                <a:ea typeface="Roboto" pitchFamily="2" charset="0"/>
+                <a:cs typeface="Consolas" pitchFamily="49" charset="0"/>
+              </a:rPr>
+            </a:br>
+            <a:r>
+              <a:rPr lang="en-US" sz="2000" b="1" dirty="0" smtClean="0">
+                <a:solidFill>
+                  <a:schemeClr val="bg1"/>
+                </a:solidFill>
+                <a:latin typeface="Consolas" pitchFamily="49" charset="0"/>
+                <a:ea typeface="Roboto" pitchFamily="2" charset="0"/>
+                <a:cs typeface="Consolas" pitchFamily="49" charset="0"/>
+              </a:rPr>
+              <a:t>	</a:t>
+            </a:r>
+            <a:r>
+              <a:rPr lang="en-US" sz="2000" b="1" dirty="0" err="1" smtClean="0">
+                <a:latin typeface="Consolas" pitchFamily="49" charset="0"/>
+                <a:ea typeface="Roboto" pitchFamily="2" charset="0"/>
+                <a:cs typeface="Consolas" pitchFamily="49" charset="0"/>
+              </a:rPr>
+              <a:t>var</a:t>
+            </a:r>
+            <a:r>
+              <a:rPr lang="en-US" sz="2000" b="1" dirty="0" smtClean="0">
+                <a:solidFill>
+                  <a:schemeClr val="bg1"/>
+                </a:solidFill>
+                <a:latin typeface="Consolas" pitchFamily="49" charset="0"/>
+                <a:ea typeface="Roboto" pitchFamily="2" charset="0"/>
+                <a:cs typeface="Consolas" pitchFamily="49" charset="0"/>
+              </a:rPr>
+              <a:t> </a:t>
+            </a:r>
+            <a:r>
+              <a:rPr lang="en-US" sz="2000" b="1" dirty="0" err="1" smtClean="0">
+                <a:solidFill>
+                  <a:schemeClr val="bg1">
+                    <a:lumMod val="75000"/>
+                  </a:schemeClr>
+                </a:solidFill>
+                <a:latin typeface="Consolas" pitchFamily="49" charset="0"/>
+                <a:ea typeface="Roboto" pitchFamily="2" charset="0"/>
+                <a:cs typeface="Consolas" pitchFamily="49" charset="0"/>
+              </a:rPr>
+              <a:t>secondsPerUnit</a:t>
+            </a:r>
+            <a:r>
+              <a:rPr lang="en-US" sz="2000" b="1" dirty="0" smtClean="0">
+                <a:solidFill>
+                  <a:schemeClr val="bg1">
+                    <a:lumMod val="75000"/>
+                  </a:schemeClr>
+                </a:solidFill>
+                <a:latin typeface="Consolas" pitchFamily="49" charset="0"/>
+                <a:ea typeface="Roboto" pitchFamily="2" charset="0"/>
+                <a:cs typeface="Consolas" pitchFamily="49" charset="0"/>
+              </a:rPr>
+              <a:t> = </a:t>
+            </a:r>
+            <a:r>
+              <a:rPr lang="en-US" sz="2000" b="1" dirty="0" smtClean="0">
+                <a:latin typeface="Consolas" pitchFamily="49" charset="0"/>
+                <a:ea typeface="Roboto" pitchFamily="2" charset="0"/>
+                <a:cs typeface="Consolas" pitchFamily="49" charset="0"/>
+              </a:rPr>
+              <a:t>new</a:t>
+            </a:r>
+            <a:r>
+              <a:rPr lang="en-US" sz="2000" b="1" dirty="0" smtClean="0">
+                <a:solidFill>
+                  <a:schemeClr val="bg1">
+                    <a:lumMod val="75000"/>
+                  </a:schemeClr>
+                </a:solidFill>
+                <a:latin typeface="Consolas" pitchFamily="49" charset="0"/>
+                <a:ea typeface="Roboto" pitchFamily="2" charset="0"/>
+                <a:cs typeface="Consolas" pitchFamily="49" charset="0"/>
+              </a:rPr>
+              <a:t> [] { </a:t>
+            </a:r>
+            <a:r>
+              <a:rPr lang="en-US" sz="2000" b="1" dirty="0" smtClean="0">
+                <a:solidFill>
+                  <a:srgbClr val="00FF00"/>
+                </a:solidFill>
+                <a:latin typeface="Consolas" pitchFamily="49" charset="0"/>
+                <a:ea typeface="Roboto" pitchFamily="2" charset="0"/>
+                <a:cs typeface="Consolas" pitchFamily="49" charset="0"/>
+              </a:rPr>
+              <a:t>1</a:t>
+            </a:r>
+            <a:r>
+              <a:rPr lang="en-US" sz="2000" b="1" dirty="0" smtClean="0">
+                <a:solidFill>
+                  <a:schemeClr val="bg1"/>
+                </a:solidFill>
+                <a:latin typeface="Consolas" pitchFamily="49" charset="0"/>
+                <a:ea typeface="Roboto" pitchFamily="2" charset="0"/>
+                <a:cs typeface="Consolas" pitchFamily="49" charset="0"/>
+              </a:rPr>
+              <a:t>,</a:t>
+            </a:r>
+            <a:r>
+              <a:rPr lang="en-US" sz="2000" b="1" dirty="0" smtClean="0">
+                <a:solidFill>
+                  <a:srgbClr val="00FF00"/>
+                </a:solidFill>
+                <a:latin typeface="Consolas" pitchFamily="49" charset="0"/>
+                <a:ea typeface="Roboto" pitchFamily="2" charset="0"/>
+                <a:cs typeface="Consolas" pitchFamily="49" charset="0"/>
+              </a:rPr>
+              <a:t>10</a:t>
+            </a:r>
+            <a:r>
+              <a:rPr lang="en-US" sz="2000" b="1" dirty="0" smtClean="0">
+                <a:solidFill>
+                  <a:schemeClr val="bg1"/>
+                </a:solidFill>
+                <a:latin typeface="Consolas" pitchFamily="49" charset="0"/>
+                <a:ea typeface="Roboto" pitchFamily="2" charset="0"/>
+                <a:cs typeface="Consolas" pitchFamily="49" charset="0"/>
+              </a:rPr>
+              <a:t>,</a:t>
+            </a:r>
+            <a:r>
+              <a:rPr lang="en-US" sz="2000" b="1" dirty="0" smtClean="0">
+                <a:solidFill>
+                  <a:srgbClr val="00FF00"/>
+                </a:solidFill>
+                <a:latin typeface="Consolas" pitchFamily="49" charset="0"/>
+                <a:ea typeface="Roboto" pitchFamily="2" charset="0"/>
+                <a:cs typeface="Consolas" pitchFamily="49" charset="0"/>
+              </a:rPr>
+              <a:t>60</a:t>
+            </a:r>
+            <a:r>
+              <a:rPr lang="en-US" sz="2000" b="1" dirty="0" smtClean="0">
+                <a:solidFill>
+                  <a:schemeClr val="bg1"/>
+                </a:solidFill>
+                <a:latin typeface="Consolas" pitchFamily="49" charset="0"/>
+                <a:ea typeface="Roboto" pitchFamily="2" charset="0"/>
+                <a:cs typeface="Consolas" pitchFamily="49" charset="0"/>
+              </a:rPr>
+              <a:t>,</a:t>
+            </a:r>
+            <a:r>
+              <a:rPr lang="en-US" sz="2000" b="1" dirty="0" smtClean="0">
+                <a:solidFill>
+                  <a:srgbClr val="00FF00"/>
+                </a:solidFill>
+                <a:latin typeface="Consolas" pitchFamily="49" charset="0"/>
+                <a:ea typeface="Roboto" pitchFamily="2" charset="0"/>
+                <a:cs typeface="Consolas" pitchFamily="49" charset="0"/>
+              </a:rPr>
+              <a:t>600</a:t>
+            </a:r>
+            <a:r>
+              <a:rPr lang="en-US" sz="2000" b="1" dirty="0" smtClean="0">
+                <a:solidFill>
+                  <a:schemeClr val="bg1"/>
+                </a:solidFill>
+                <a:latin typeface="Consolas" pitchFamily="49" charset="0"/>
+                <a:ea typeface="Roboto" pitchFamily="2" charset="0"/>
+                <a:cs typeface="Consolas" pitchFamily="49" charset="0"/>
+              </a:rPr>
+              <a:t>,</a:t>
+            </a:r>
+            <a:r>
+              <a:rPr lang="en-US" sz="2000" b="1" dirty="0" smtClean="0">
+                <a:solidFill>
+                  <a:srgbClr val="00FF00"/>
+                </a:solidFill>
+                <a:latin typeface="Consolas" pitchFamily="49" charset="0"/>
+                <a:ea typeface="Roboto" pitchFamily="2" charset="0"/>
+                <a:cs typeface="Consolas" pitchFamily="49" charset="0"/>
+              </a:rPr>
+              <a:t>3600</a:t>
+            </a:r>
+            <a:r>
+              <a:rPr lang="en-US" sz="2000" b="1" dirty="0" smtClean="0">
+                <a:solidFill>
+                  <a:schemeClr val="bg1"/>
+                </a:solidFill>
+                <a:latin typeface="Consolas" pitchFamily="49" charset="0"/>
+                <a:ea typeface="Roboto" pitchFamily="2" charset="0"/>
+                <a:cs typeface="Consolas" pitchFamily="49" charset="0"/>
+              </a:rPr>
+              <a:t>,</a:t>
+            </a:r>
+            <a:r>
+              <a:rPr lang="en-US" sz="2000" b="1" dirty="0" smtClean="0">
+                <a:solidFill>
+                  <a:srgbClr val="00FF00"/>
+                </a:solidFill>
+                <a:latin typeface="Consolas" pitchFamily="49" charset="0"/>
+                <a:ea typeface="Roboto" pitchFamily="2" charset="0"/>
+                <a:cs typeface="Consolas" pitchFamily="49" charset="0"/>
+              </a:rPr>
+              <a:t>36000</a:t>
+            </a:r>
+            <a:r>
+              <a:rPr lang="en-US" sz="2000" b="1" dirty="0" smtClean="0">
+                <a:solidFill>
+                  <a:schemeClr val="bg1"/>
+                </a:solidFill>
+                <a:latin typeface="Consolas" pitchFamily="49" charset="0"/>
+                <a:ea typeface="Roboto" pitchFamily="2" charset="0"/>
+                <a:cs typeface="Consolas" pitchFamily="49" charset="0"/>
+              </a:rPr>
+              <a:t> };</a:t>
+            </a:r>
+            <a:br>
+              <a:rPr lang="en-US" sz="2000" b="1" dirty="0" smtClean="0">
+                <a:solidFill>
+                  <a:schemeClr val="bg1"/>
+                </a:solidFill>
+                <a:latin typeface="Consolas" pitchFamily="49" charset="0"/>
+                <a:ea typeface="Roboto" pitchFamily="2" charset="0"/>
+                <a:cs typeface="Consolas" pitchFamily="49" charset="0"/>
+              </a:rPr>
+            </a:br>
+            <a:r>
+              <a:rPr lang="en-US" sz="2000" b="1" dirty="0" smtClean="0">
+                <a:solidFill>
+                  <a:schemeClr val="bg1"/>
+                </a:solidFill>
+                <a:latin typeface="Consolas" pitchFamily="49" charset="0"/>
+                <a:ea typeface="Roboto" pitchFamily="2" charset="0"/>
+                <a:cs typeface="Consolas" pitchFamily="49" charset="0"/>
+              </a:rPr>
+              <a:t>	</a:t>
+            </a:r>
+            <a:br>
+              <a:rPr lang="en-US" sz="2000" b="1" dirty="0" smtClean="0">
+                <a:solidFill>
+                  <a:schemeClr val="bg1"/>
+                </a:solidFill>
+                <a:latin typeface="Consolas" pitchFamily="49" charset="0"/>
+                <a:ea typeface="Roboto" pitchFamily="2" charset="0"/>
+                <a:cs typeface="Consolas" pitchFamily="49" charset="0"/>
+              </a:rPr>
+            </a:br>
+            <a:r>
+              <a:rPr lang="en-US" sz="2000" b="1" dirty="0" smtClean="0">
+                <a:solidFill>
+                  <a:schemeClr val="bg1"/>
+                </a:solidFill>
+                <a:latin typeface="Consolas" pitchFamily="49" charset="0"/>
+                <a:ea typeface="Roboto" pitchFamily="2" charset="0"/>
+                <a:cs typeface="Consolas" pitchFamily="49" charset="0"/>
+              </a:rPr>
+              <a:t>	</a:t>
+            </a:r>
+            <a:r>
+              <a:rPr lang="en-US" sz="2000" b="1" dirty="0" smtClean="0">
+                <a:latin typeface="Consolas" pitchFamily="49" charset="0"/>
+                <a:ea typeface="Roboto" pitchFamily="2" charset="0"/>
+                <a:cs typeface="Consolas" pitchFamily="49" charset="0"/>
+              </a:rPr>
+              <a:t>return</a:t>
+            </a:r>
+            <a:r>
+              <a:rPr lang="en-US" sz="2000" b="1" dirty="0" smtClean="0">
+                <a:solidFill>
+                  <a:schemeClr val="bg1"/>
+                </a:solidFill>
+                <a:latin typeface="Consolas" pitchFamily="49" charset="0"/>
+                <a:ea typeface="Roboto" pitchFamily="2" charset="0"/>
+                <a:cs typeface="Consolas" pitchFamily="49" charset="0"/>
+              </a:rPr>
+              <a:t> </a:t>
+            </a:r>
+            <a:r>
+              <a:rPr lang="en-US" sz="2000" b="1" dirty="0" smtClean="0">
+                <a:solidFill>
+                  <a:schemeClr val="bg1">
+                    <a:lumMod val="75000"/>
+                  </a:schemeClr>
+                </a:solidFill>
+                <a:latin typeface="Consolas" pitchFamily="49" charset="0"/>
+                <a:ea typeface="Roboto" pitchFamily="2" charset="0"/>
+                <a:cs typeface="Consolas" pitchFamily="49" charset="0"/>
+              </a:rPr>
+              <a:t>digits</a:t>
+            </a:r>
+            <a:br>
+              <a:rPr lang="en-US" sz="2000" b="1" dirty="0" smtClean="0">
+                <a:solidFill>
+                  <a:schemeClr val="bg1">
+                    <a:lumMod val="75000"/>
+                  </a:schemeClr>
+                </a:solidFill>
+                <a:latin typeface="Consolas" pitchFamily="49" charset="0"/>
+                <a:ea typeface="Roboto" pitchFamily="2" charset="0"/>
+                <a:cs typeface="Consolas" pitchFamily="49" charset="0"/>
+              </a:rPr>
+            </a:br>
+            <a:r>
+              <a:rPr lang="en-US" sz="2000" b="1" dirty="0" smtClean="0">
+                <a:solidFill>
+                  <a:schemeClr val="bg1">
+                    <a:lumMod val="75000"/>
+                  </a:schemeClr>
+                </a:solidFill>
+                <a:latin typeface="Consolas" pitchFamily="49" charset="0"/>
+                <a:ea typeface="Roboto" pitchFamily="2" charset="0"/>
+                <a:cs typeface="Consolas" pitchFamily="49" charset="0"/>
+              </a:rPr>
+              <a:t>	  .Reverse()</a:t>
+            </a:r>
+            <a:r>
+              <a:rPr lang="en-US" sz="2000" b="1" dirty="0" smtClean="0">
+                <a:solidFill>
+                  <a:schemeClr val="bg1"/>
+                </a:solidFill>
+                <a:latin typeface="Consolas" pitchFamily="49" charset="0"/>
+                <a:ea typeface="Roboto" pitchFamily="2" charset="0"/>
+                <a:cs typeface="Consolas" pitchFamily="49" charset="0"/>
+              </a:rPr>
+              <a:t/>
+            </a:r>
+            <a:br>
+              <a:rPr lang="en-US" sz="2000" b="1" dirty="0" smtClean="0">
+                <a:solidFill>
+                  <a:schemeClr val="bg1"/>
+                </a:solidFill>
+                <a:latin typeface="Consolas" pitchFamily="49" charset="0"/>
+                <a:ea typeface="Roboto" pitchFamily="2" charset="0"/>
+                <a:cs typeface="Consolas" pitchFamily="49" charset="0"/>
+              </a:rPr>
+            </a:br>
+            <a:r>
+              <a:rPr lang="en-US" sz="2000" b="1" dirty="0" smtClean="0">
+                <a:solidFill>
+                  <a:schemeClr val="bg1"/>
+                </a:solidFill>
+                <a:latin typeface="Consolas" pitchFamily="49" charset="0"/>
+                <a:ea typeface="Roboto" pitchFamily="2" charset="0"/>
+                <a:cs typeface="Consolas" pitchFamily="49" charset="0"/>
+              </a:rPr>
+              <a:t>	  .</a:t>
+            </a:r>
+            <a:r>
+              <a:rPr lang="en-US" sz="3200" b="1" dirty="0" smtClean="0">
+                <a:solidFill>
+                  <a:srgbClr val="FF00FF"/>
+                </a:solidFill>
+                <a:latin typeface="Consolas" pitchFamily="49" charset="0"/>
+                <a:ea typeface="Roboto" pitchFamily="2" charset="0"/>
+                <a:cs typeface="Consolas" pitchFamily="49" charset="0"/>
+              </a:rPr>
+              <a:t>Zip</a:t>
+            </a:r>
+            <a:r>
+              <a:rPr lang="en-US" sz="2000" b="1" dirty="0" smtClean="0">
+                <a:solidFill>
+                  <a:schemeClr val="bg1">
+                    <a:lumMod val="75000"/>
+                  </a:schemeClr>
+                </a:solidFill>
+                <a:latin typeface="Consolas" pitchFamily="49" charset="0"/>
+                <a:ea typeface="Roboto" pitchFamily="2" charset="0"/>
+                <a:cs typeface="Consolas" pitchFamily="49" charset="0"/>
+              </a:rPr>
+              <a:t>(</a:t>
+            </a:r>
+            <a:r>
+              <a:rPr lang="en-US" sz="2000" b="1" dirty="0" err="1" smtClean="0">
+                <a:solidFill>
+                  <a:schemeClr val="bg1">
+                    <a:lumMod val="75000"/>
+                  </a:schemeClr>
+                </a:solidFill>
+                <a:latin typeface="Consolas" pitchFamily="49" charset="0"/>
+                <a:ea typeface="Roboto" pitchFamily="2" charset="0"/>
+                <a:cs typeface="Consolas" pitchFamily="49" charset="0"/>
+              </a:rPr>
+              <a:t>secondsPerUnit</a:t>
+            </a:r>
+            <a:r>
+              <a:rPr lang="en-US" sz="2000" b="1" dirty="0" smtClean="0">
+                <a:solidFill>
+                  <a:schemeClr val="bg1">
+                    <a:lumMod val="75000"/>
+                  </a:schemeClr>
+                </a:solidFill>
+                <a:latin typeface="Consolas" pitchFamily="49" charset="0"/>
+                <a:ea typeface="Roboto" pitchFamily="2" charset="0"/>
+                <a:cs typeface="Consolas" pitchFamily="49" charset="0"/>
+              </a:rPr>
+              <a:t>, (digit, unit) =&gt; digit * unit)</a:t>
+            </a:r>
+            <a:br>
+              <a:rPr lang="en-US" sz="2000" b="1" dirty="0" smtClean="0">
+                <a:solidFill>
+                  <a:schemeClr val="bg1">
+                    <a:lumMod val="75000"/>
+                  </a:schemeClr>
+                </a:solidFill>
+                <a:latin typeface="Consolas" pitchFamily="49" charset="0"/>
+                <a:ea typeface="Roboto" pitchFamily="2" charset="0"/>
+                <a:cs typeface="Consolas" pitchFamily="49" charset="0"/>
+              </a:rPr>
+            </a:br>
+            <a:r>
+              <a:rPr lang="en-US" sz="2000" b="1" dirty="0" smtClean="0">
+                <a:solidFill>
+                  <a:schemeClr val="bg1"/>
+                </a:solidFill>
+                <a:latin typeface="Consolas" pitchFamily="49" charset="0"/>
+                <a:ea typeface="Roboto" pitchFamily="2" charset="0"/>
+                <a:cs typeface="Consolas" pitchFamily="49" charset="0"/>
+              </a:rPr>
+              <a:t>	  </a:t>
+            </a:r>
+            <a:r>
+              <a:rPr lang="en-US" sz="2000" b="1" dirty="0" smtClean="0">
+                <a:solidFill>
+                  <a:schemeClr val="bg1">
+                    <a:lumMod val="75000"/>
+                  </a:schemeClr>
+                </a:solidFill>
+                <a:latin typeface="Consolas" pitchFamily="49" charset="0"/>
+                <a:ea typeface="Roboto" pitchFamily="2" charset="0"/>
+                <a:cs typeface="Consolas" pitchFamily="49" charset="0"/>
+              </a:rPr>
+              <a:t>.Sum()</a:t>
+            </a:r>
+            <a:br>
+              <a:rPr lang="en-US" sz="2000" b="1" dirty="0" smtClean="0">
+                <a:solidFill>
+                  <a:schemeClr val="bg1">
+                    <a:lumMod val="75000"/>
+                  </a:schemeClr>
+                </a:solidFill>
+                <a:latin typeface="Consolas" pitchFamily="49" charset="0"/>
+                <a:ea typeface="Roboto" pitchFamily="2" charset="0"/>
+                <a:cs typeface="Consolas" pitchFamily="49" charset="0"/>
+              </a:rPr>
+            </a:br>
+            <a:r>
+              <a:rPr lang="en-US" sz="2000" b="1" dirty="0" smtClean="0">
+                <a:solidFill>
+                  <a:schemeClr val="bg1">
+                    <a:lumMod val="75000"/>
+                  </a:schemeClr>
+                </a:solidFill>
+                <a:latin typeface="Consolas" pitchFamily="49" charset="0"/>
+                <a:ea typeface="Roboto" pitchFamily="2" charset="0"/>
+                <a:cs typeface="Consolas" pitchFamily="49" charset="0"/>
+              </a:rPr>
+              <a:t>	  .Seconds(); </a:t>
+            </a:r>
+            <a:r>
+              <a:rPr lang="en-US" sz="2000" b="1" dirty="0" smtClean="0">
+                <a:solidFill>
+                  <a:schemeClr val="bg1"/>
+                </a:solidFill>
+                <a:latin typeface="Consolas" pitchFamily="49" charset="0"/>
+                <a:ea typeface="Roboto" pitchFamily="2" charset="0"/>
+                <a:cs typeface="Consolas" pitchFamily="49" charset="0"/>
+              </a:rPr>
+              <a:t/>
+            </a:r>
+            <a:br>
+              <a:rPr lang="en-US" sz="2000" b="1" dirty="0" smtClean="0">
+                <a:solidFill>
+                  <a:schemeClr val="bg1"/>
+                </a:solidFill>
+                <a:latin typeface="Consolas" pitchFamily="49" charset="0"/>
+                <a:ea typeface="Roboto" pitchFamily="2" charset="0"/>
+                <a:cs typeface="Consolas" pitchFamily="49" charset="0"/>
+              </a:rPr>
+            </a:br>
+            <a:r>
+              <a:rPr lang="en-US" sz="2000" b="1" dirty="0" smtClean="0">
+                <a:solidFill>
+                  <a:schemeClr val="bg1"/>
+                </a:solidFill>
+                <a:latin typeface="Consolas" pitchFamily="49" charset="0"/>
+                <a:ea typeface="Roboto" pitchFamily="2" charset="0"/>
+                <a:cs typeface="Consolas" pitchFamily="49" charset="0"/>
+              </a:rPr>
+              <a:t>}</a:t>
+            </a:r>
+            <a:br>
+              <a:rPr lang="en-US" sz="2000" b="1" dirty="0" smtClean="0">
+                <a:solidFill>
+                  <a:schemeClr val="bg1"/>
+                </a:solidFill>
+                <a:latin typeface="Consolas" pitchFamily="49" charset="0"/>
+                <a:ea typeface="Roboto" pitchFamily="2" charset="0"/>
+                <a:cs typeface="Consolas" pitchFamily="49" charset="0"/>
+              </a:rPr>
+            </a:br>
+            <a:endParaRPr lang="en-US" sz="2000" b="1" dirty="0">
+              <a:solidFill>
+                <a:schemeClr val="bg1"/>
+              </a:solidFill>
+              <a:latin typeface="Consolas" pitchFamily="49" charset="0"/>
+              <a:ea typeface="Roboto" pitchFamily="2" charset="0"/>
+              <a:cs typeface="Consolas" pitchFamily="49" charset="0"/>
+            </a:endParaRPr>
           </a:p>
         </p:txBody>
       </p:sp>
@@ -20240,7 +21776,7 @@
       </p:grpSpPr>
       <p:sp>
         <p:nvSpPr>
-          <p:cNvPr id="2" name="Titel 1"/>
+          <p:cNvPr id="3" name="Titel 2"/>
           <p:cNvSpPr>
             <a:spLocks noGrp="1"/>
           </p:cNvSpPr>
@@ -20248,973 +21784,75 @@
             <p:ph type="title"/>
           </p:nvPr>
         </p:nvSpPr>
-        <p:spPr>
-          <a:xfrm>
-            <a:off x="0" y="0"/>
-            <a:ext cx="9144000" cy="6858000"/>
-          </a:xfrm>
-          <a:solidFill>
-            <a:schemeClr val="tx1">
-              <a:lumMod val="85000"/>
-              <a:lumOff val="15000"/>
-            </a:schemeClr>
-          </a:solidFill>
-        </p:spPr>
-        <p:txBody>
-          <a:bodyPr>
-            <a:normAutofit/>
-          </a:bodyPr>
-          <a:lstStyle/>
-          <a:p>
-            <a:pPr algn="l"/>
-            <a:r>
-              <a:rPr lang="en-US" sz="2000" b="1" dirty="0" smtClean="0">
-                <a:latin typeface="Consolas" pitchFamily="49" charset="0"/>
-                <a:ea typeface="Roboto" pitchFamily="2" charset="0"/>
-                <a:cs typeface="Consolas" pitchFamily="49" charset="0"/>
-              </a:rPr>
-              <a:t>private</a:t>
-            </a:r>
-            <a:r>
-              <a:rPr lang="en-US" sz="2000" b="1" dirty="0" smtClean="0">
-                <a:solidFill>
-                  <a:schemeClr val="bg1"/>
-                </a:solidFill>
-                <a:latin typeface="Consolas" pitchFamily="49" charset="0"/>
-                <a:ea typeface="Roboto" pitchFamily="2" charset="0"/>
-                <a:cs typeface="Consolas" pitchFamily="49" charset="0"/>
-              </a:rPr>
-              <a:t> </a:t>
-            </a:r>
-            <a:r>
-              <a:rPr lang="en-US" sz="2000" b="1" dirty="0" smtClean="0">
-                <a:latin typeface="Consolas" pitchFamily="49" charset="0"/>
-                <a:ea typeface="Roboto" pitchFamily="2" charset="0"/>
-                <a:cs typeface="Consolas" pitchFamily="49" charset="0"/>
-              </a:rPr>
-              <a:t>static</a:t>
-            </a:r>
-            <a:r>
-              <a:rPr lang="en-US" sz="2000" b="1" dirty="0" smtClean="0">
-                <a:solidFill>
-                  <a:schemeClr val="bg1"/>
-                </a:solidFill>
-                <a:latin typeface="Consolas" pitchFamily="49" charset="0"/>
-                <a:ea typeface="Roboto" pitchFamily="2" charset="0"/>
-                <a:cs typeface="Consolas" pitchFamily="49" charset="0"/>
-              </a:rPr>
-              <a:t> </a:t>
-            </a:r>
-            <a:r>
-              <a:rPr lang="en-US" sz="2000" b="1" dirty="0" err="1" smtClean="0">
-                <a:latin typeface="Consolas" pitchFamily="49" charset="0"/>
-                <a:ea typeface="Roboto" pitchFamily="2" charset="0"/>
-                <a:cs typeface="Consolas" pitchFamily="49" charset="0"/>
-              </a:rPr>
-              <a:t>TimeSpan</a:t>
-            </a:r>
-            <a:r>
-              <a:rPr lang="en-US" sz="2000" b="1" dirty="0" smtClean="0">
-                <a:solidFill>
-                  <a:schemeClr val="bg1"/>
-                </a:solidFill>
-                <a:latin typeface="Consolas" pitchFamily="49" charset="0"/>
-                <a:ea typeface="Roboto" pitchFamily="2" charset="0"/>
-                <a:cs typeface="Consolas" pitchFamily="49" charset="0"/>
-              </a:rPr>
-              <a:t> </a:t>
-            </a:r>
-            <a:r>
-              <a:rPr lang="en-US" sz="2000" b="1" dirty="0" smtClean="0">
-                <a:solidFill>
-                  <a:schemeClr val="bg1"/>
-                </a:solidFill>
-                <a:latin typeface="Consolas" pitchFamily="49" charset="0"/>
-                <a:ea typeface="Roboto" pitchFamily="2" charset="0"/>
-                <a:cs typeface="Consolas" pitchFamily="49" charset="0"/>
-              </a:rPr>
-              <a:t>Transform(</a:t>
-            </a:r>
-            <a:r>
-              <a:rPr lang="en-US" sz="2000" b="1" dirty="0" smtClean="0">
-                <a:latin typeface="Consolas" pitchFamily="49" charset="0"/>
-                <a:ea typeface="Roboto" pitchFamily="2" charset="0"/>
-                <a:cs typeface="Consolas" pitchFamily="49" charset="0"/>
-              </a:rPr>
-              <a:t>this</a:t>
-            </a:r>
-            <a:r>
-              <a:rPr lang="en-US" sz="2000" b="1" dirty="0" smtClean="0">
-                <a:solidFill>
-                  <a:schemeClr val="bg1"/>
-                </a:solidFill>
-                <a:latin typeface="Consolas" pitchFamily="49" charset="0"/>
-                <a:ea typeface="Roboto" pitchFamily="2" charset="0"/>
-                <a:cs typeface="Consolas" pitchFamily="49" charset="0"/>
-              </a:rPr>
-              <a:t> </a:t>
-            </a:r>
-            <a:r>
-              <a:rPr lang="en-US" sz="2000" b="1" dirty="0" err="1" smtClean="0">
-                <a:latin typeface="Consolas" pitchFamily="49" charset="0"/>
-                <a:ea typeface="Roboto" pitchFamily="2" charset="0"/>
-                <a:cs typeface="Consolas" pitchFamily="49" charset="0"/>
-              </a:rPr>
-              <a:t>IEnumerable</a:t>
-            </a:r>
-            <a:r>
-              <a:rPr lang="en-US" sz="2000" b="1" dirty="0" smtClean="0">
-                <a:solidFill>
-                  <a:schemeClr val="bg1"/>
-                </a:solidFill>
-                <a:latin typeface="Consolas" pitchFamily="49" charset="0"/>
-                <a:ea typeface="Roboto" pitchFamily="2" charset="0"/>
-                <a:cs typeface="Consolas" pitchFamily="49" charset="0"/>
-              </a:rPr>
-              <a:t>&lt;</a:t>
-            </a:r>
-            <a:r>
-              <a:rPr lang="en-US" sz="2000" b="1" dirty="0" smtClean="0">
-                <a:latin typeface="Consolas" pitchFamily="49" charset="0"/>
-                <a:ea typeface="Roboto" pitchFamily="2" charset="0"/>
-                <a:cs typeface="Consolas" pitchFamily="49" charset="0"/>
-              </a:rPr>
-              <a:t>int</a:t>
-            </a:r>
-            <a:r>
-              <a:rPr lang="en-US" sz="2000" b="1" dirty="0" smtClean="0">
-                <a:solidFill>
-                  <a:schemeClr val="bg1"/>
-                </a:solidFill>
-                <a:latin typeface="Consolas" pitchFamily="49" charset="0"/>
-                <a:ea typeface="Roboto" pitchFamily="2" charset="0"/>
-                <a:cs typeface="Consolas" pitchFamily="49" charset="0"/>
-              </a:rPr>
-              <a:t>&gt; digits)</a:t>
-            </a:r>
-            <a:br>
-              <a:rPr lang="en-US" sz="2000" b="1" dirty="0" smtClean="0">
-                <a:solidFill>
-                  <a:schemeClr val="bg1"/>
-                </a:solidFill>
-                <a:latin typeface="Consolas" pitchFamily="49" charset="0"/>
-                <a:ea typeface="Roboto" pitchFamily="2" charset="0"/>
-                <a:cs typeface="Consolas" pitchFamily="49" charset="0"/>
-              </a:rPr>
-            </a:br>
-            <a:r>
-              <a:rPr lang="en-US" sz="2000" b="1" dirty="0" smtClean="0">
-                <a:solidFill>
-                  <a:schemeClr val="bg1"/>
-                </a:solidFill>
-                <a:latin typeface="Consolas" pitchFamily="49" charset="0"/>
-                <a:ea typeface="Roboto" pitchFamily="2" charset="0"/>
-                <a:cs typeface="Consolas" pitchFamily="49" charset="0"/>
-              </a:rPr>
-              <a:t>{</a:t>
-            </a:r>
-            <a:br>
-              <a:rPr lang="en-US" sz="2000" b="1" dirty="0" smtClean="0">
-                <a:solidFill>
-                  <a:schemeClr val="bg1"/>
-                </a:solidFill>
-                <a:latin typeface="Consolas" pitchFamily="49" charset="0"/>
-                <a:ea typeface="Roboto" pitchFamily="2" charset="0"/>
-                <a:cs typeface="Consolas" pitchFamily="49" charset="0"/>
-              </a:rPr>
-            </a:br>
-            <a:r>
-              <a:rPr lang="en-US" sz="2000" b="1" dirty="0" smtClean="0">
-                <a:solidFill>
-                  <a:schemeClr val="bg1"/>
-                </a:solidFill>
-                <a:latin typeface="Consolas" pitchFamily="49" charset="0"/>
-                <a:ea typeface="Roboto" pitchFamily="2" charset="0"/>
-                <a:cs typeface="Consolas" pitchFamily="49" charset="0"/>
-              </a:rPr>
-              <a:t>	</a:t>
-            </a:r>
-            <a:r>
-              <a:rPr lang="en-US" sz="2000" b="1" dirty="0" smtClean="0">
-                <a:latin typeface="Consolas" pitchFamily="49" charset="0"/>
-                <a:ea typeface="Roboto" pitchFamily="2" charset="0"/>
-                <a:cs typeface="Consolas" pitchFamily="49" charset="0"/>
-              </a:rPr>
-              <a:t>int</a:t>
-            </a:r>
-            <a:r>
-              <a:rPr lang="en-US" sz="2000" b="1" dirty="0" smtClean="0">
-                <a:solidFill>
-                  <a:schemeClr val="bg1"/>
-                </a:solidFill>
-                <a:latin typeface="Consolas" pitchFamily="49" charset="0"/>
-                <a:ea typeface="Roboto" pitchFamily="2" charset="0"/>
-                <a:cs typeface="Consolas" pitchFamily="49" charset="0"/>
-              </a:rPr>
-              <a:t> result = 0;</a:t>
-            </a:r>
-            <a:br>
-              <a:rPr lang="en-US" sz="2000" b="1" dirty="0" smtClean="0">
-                <a:solidFill>
-                  <a:schemeClr val="bg1"/>
-                </a:solidFill>
-                <a:latin typeface="Consolas" pitchFamily="49" charset="0"/>
-                <a:ea typeface="Roboto" pitchFamily="2" charset="0"/>
-                <a:cs typeface="Consolas" pitchFamily="49" charset="0"/>
-              </a:rPr>
-            </a:br>
-            <a:r>
-              <a:rPr lang="en-US" sz="2000" b="1" dirty="0" smtClean="0">
-                <a:solidFill>
-                  <a:schemeClr val="bg1"/>
-                </a:solidFill>
-                <a:latin typeface="Consolas" pitchFamily="49" charset="0"/>
-                <a:ea typeface="Roboto" pitchFamily="2" charset="0"/>
-                <a:cs typeface="Consolas" pitchFamily="49" charset="0"/>
-              </a:rPr>
-              <a:t>	</a:t>
-            </a:r>
-            <a:r>
-              <a:rPr lang="en-US" sz="2000" b="1" dirty="0" err="1" smtClean="0">
-                <a:latin typeface="Consolas" pitchFamily="49" charset="0"/>
-                <a:ea typeface="Roboto" pitchFamily="2" charset="0"/>
-                <a:cs typeface="Consolas" pitchFamily="49" charset="0"/>
-              </a:rPr>
-              <a:t>var</a:t>
-            </a:r>
-            <a:r>
-              <a:rPr lang="en-US" sz="2000" b="1" dirty="0" smtClean="0">
-                <a:solidFill>
-                  <a:schemeClr val="bg1"/>
-                </a:solidFill>
-                <a:latin typeface="Consolas" pitchFamily="49" charset="0"/>
-                <a:ea typeface="Roboto" pitchFamily="2" charset="0"/>
-                <a:cs typeface="Consolas" pitchFamily="49" charset="0"/>
-              </a:rPr>
-              <a:t> r = </a:t>
-            </a:r>
-            <a:r>
-              <a:rPr lang="en-US" sz="2000" b="1" dirty="0" err="1" smtClean="0">
-                <a:solidFill>
-                  <a:schemeClr val="bg1"/>
-                </a:solidFill>
-                <a:latin typeface="Consolas" pitchFamily="49" charset="0"/>
-                <a:ea typeface="Roboto" pitchFamily="2" charset="0"/>
-                <a:cs typeface="Consolas" pitchFamily="49" charset="0"/>
-              </a:rPr>
-              <a:t>digits.ToList</a:t>
-            </a:r>
-            <a:r>
-              <a:rPr lang="en-US" sz="2000" b="1" dirty="0" smtClean="0">
-                <a:solidFill>
-                  <a:schemeClr val="bg1"/>
-                </a:solidFill>
-                <a:latin typeface="Consolas" pitchFamily="49" charset="0"/>
-                <a:ea typeface="Roboto" pitchFamily="2" charset="0"/>
-                <a:cs typeface="Consolas" pitchFamily="49" charset="0"/>
-              </a:rPr>
-              <a:t>();</a:t>
-            </a:r>
-            <a:br>
-              <a:rPr lang="en-US" sz="2000" b="1" dirty="0" smtClean="0">
-                <a:solidFill>
-                  <a:schemeClr val="bg1"/>
-                </a:solidFill>
-                <a:latin typeface="Consolas" pitchFamily="49" charset="0"/>
-                <a:ea typeface="Roboto" pitchFamily="2" charset="0"/>
-                <a:cs typeface="Consolas" pitchFamily="49" charset="0"/>
-              </a:rPr>
-            </a:br>
-            <a:r>
-              <a:rPr lang="en-US" sz="2000" b="1" dirty="0" smtClean="0">
-                <a:solidFill>
-                  <a:schemeClr val="bg1"/>
-                </a:solidFill>
-                <a:latin typeface="Consolas" pitchFamily="49" charset="0"/>
-                <a:ea typeface="Roboto" pitchFamily="2" charset="0"/>
-                <a:cs typeface="Consolas" pitchFamily="49" charset="0"/>
-              </a:rPr>
-              <a:t>	</a:t>
-            </a:r>
-            <a:r>
-              <a:rPr lang="en-US" sz="2000" b="1" dirty="0" smtClean="0">
-                <a:solidFill>
-                  <a:srgbClr val="FF00FF"/>
-                </a:solidFill>
-                <a:latin typeface="Consolas" pitchFamily="49" charset="0"/>
-                <a:ea typeface="Roboto" pitchFamily="2" charset="0"/>
-                <a:cs typeface="Consolas" pitchFamily="49" charset="0"/>
-              </a:rPr>
-              <a:t>for</a:t>
-            </a:r>
-            <a:r>
-              <a:rPr lang="en-US" sz="2000" b="1" dirty="0" smtClean="0">
-                <a:solidFill>
-                  <a:schemeClr val="bg1"/>
-                </a:solidFill>
-                <a:latin typeface="Consolas" pitchFamily="49" charset="0"/>
-                <a:ea typeface="Roboto" pitchFamily="2" charset="0"/>
-                <a:cs typeface="Consolas" pitchFamily="49" charset="0"/>
-              </a:rPr>
-              <a:t> (</a:t>
-            </a:r>
-            <a:r>
-              <a:rPr lang="en-US" sz="2000" b="1" dirty="0" smtClean="0">
-                <a:latin typeface="Consolas" pitchFamily="49" charset="0"/>
-                <a:ea typeface="Roboto" pitchFamily="2" charset="0"/>
-                <a:cs typeface="Consolas" pitchFamily="49" charset="0"/>
-              </a:rPr>
-              <a:t>int</a:t>
-            </a:r>
-            <a:r>
-              <a:rPr lang="en-US" sz="2000" b="1" dirty="0" smtClean="0">
-                <a:solidFill>
-                  <a:schemeClr val="bg1"/>
-                </a:solidFill>
-                <a:latin typeface="Consolas" pitchFamily="49" charset="0"/>
-                <a:ea typeface="Roboto" pitchFamily="2" charset="0"/>
-                <a:cs typeface="Consolas" pitchFamily="49" charset="0"/>
-              </a:rPr>
-              <a:t> j = </a:t>
-            </a:r>
-            <a:r>
-              <a:rPr lang="en-US" sz="2000" b="1" dirty="0" smtClean="0">
-                <a:solidFill>
-                  <a:srgbClr val="00DB00"/>
-                </a:solidFill>
-                <a:latin typeface="Consolas" pitchFamily="49" charset="0"/>
-                <a:ea typeface="Roboto" pitchFamily="2" charset="0"/>
-                <a:cs typeface="Consolas" pitchFamily="49" charset="0"/>
-              </a:rPr>
-              <a:t>0</a:t>
-            </a:r>
-            <a:r>
-              <a:rPr lang="en-US" sz="2000" b="1" dirty="0" smtClean="0">
-                <a:solidFill>
-                  <a:schemeClr val="bg1"/>
-                </a:solidFill>
-                <a:latin typeface="Consolas" pitchFamily="49" charset="0"/>
-                <a:ea typeface="Roboto" pitchFamily="2" charset="0"/>
-                <a:cs typeface="Consolas" pitchFamily="49" charset="0"/>
-              </a:rPr>
-              <a:t>; j &lt; </a:t>
-            </a:r>
-            <a:r>
-              <a:rPr lang="en-US" sz="2000" b="1" dirty="0" err="1" smtClean="0">
-                <a:solidFill>
-                  <a:schemeClr val="bg1"/>
-                </a:solidFill>
-                <a:latin typeface="Consolas" pitchFamily="49" charset="0"/>
-                <a:ea typeface="Roboto" pitchFamily="2" charset="0"/>
-                <a:cs typeface="Consolas" pitchFamily="49" charset="0"/>
-              </a:rPr>
-              <a:t>r.Count</a:t>
-            </a:r>
-            <a:r>
-              <a:rPr lang="en-US" sz="2000" b="1" dirty="0" smtClean="0">
-                <a:solidFill>
-                  <a:schemeClr val="bg1"/>
-                </a:solidFill>
-                <a:latin typeface="Consolas" pitchFamily="49" charset="0"/>
-                <a:ea typeface="Roboto" pitchFamily="2" charset="0"/>
-                <a:cs typeface="Consolas" pitchFamily="49" charset="0"/>
-              </a:rPr>
-              <a:t>; j++)</a:t>
-            </a:r>
-            <a:br>
-              <a:rPr lang="en-US" sz="2000" b="1" dirty="0" smtClean="0">
-                <a:solidFill>
-                  <a:schemeClr val="bg1"/>
-                </a:solidFill>
-                <a:latin typeface="Consolas" pitchFamily="49" charset="0"/>
-                <a:ea typeface="Roboto" pitchFamily="2" charset="0"/>
-                <a:cs typeface="Consolas" pitchFamily="49" charset="0"/>
-              </a:rPr>
-            </a:br>
-            <a:r>
-              <a:rPr lang="en-US" sz="2000" b="1" dirty="0" smtClean="0">
-                <a:solidFill>
-                  <a:schemeClr val="bg1"/>
-                </a:solidFill>
-                <a:latin typeface="Consolas" pitchFamily="49" charset="0"/>
-                <a:ea typeface="Roboto" pitchFamily="2" charset="0"/>
-                <a:cs typeface="Consolas" pitchFamily="49" charset="0"/>
-              </a:rPr>
-              <a:t>	{</a:t>
-            </a:r>
-            <a:br>
-              <a:rPr lang="en-US" sz="2000" b="1" dirty="0" smtClean="0">
-                <a:solidFill>
-                  <a:schemeClr val="bg1"/>
-                </a:solidFill>
-                <a:latin typeface="Consolas" pitchFamily="49" charset="0"/>
-                <a:ea typeface="Roboto" pitchFamily="2" charset="0"/>
-                <a:cs typeface="Consolas" pitchFamily="49" charset="0"/>
-              </a:rPr>
-            </a:br>
-            <a:r>
-              <a:rPr lang="en-US" sz="2000" b="1" dirty="0" smtClean="0">
-                <a:solidFill>
-                  <a:schemeClr val="bg1"/>
-                </a:solidFill>
-                <a:latin typeface="Consolas" pitchFamily="49" charset="0"/>
-                <a:ea typeface="Roboto" pitchFamily="2" charset="0"/>
-                <a:cs typeface="Consolas" pitchFamily="49" charset="0"/>
-              </a:rPr>
-              <a:t>		</a:t>
-            </a:r>
-            <a:r>
-              <a:rPr lang="en-US" sz="2000" b="1" dirty="0" smtClean="0">
-                <a:latin typeface="Consolas" pitchFamily="49" charset="0"/>
-                <a:ea typeface="Roboto" pitchFamily="2" charset="0"/>
-                <a:cs typeface="Consolas" pitchFamily="49" charset="0"/>
-              </a:rPr>
-              <a:t>int</a:t>
-            </a:r>
-            <a:r>
-              <a:rPr lang="en-US" sz="2000" b="1" dirty="0" smtClean="0">
-                <a:solidFill>
-                  <a:schemeClr val="bg1"/>
-                </a:solidFill>
-                <a:latin typeface="Consolas" pitchFamily="49" charset="0"/>
-                <a:ea typeface="Roboto" pitchFamily="2" charset="0"/>
-                <a:cs typeface="Consolas" pitchFamily="49" charset="0"/>
-              </a:rPr>
-              <a:t> i = (</a:t>
-            </a:r>
-            <a:r>
-              <a:rPr lang="en-US" sz="2000" b="1" dirty="0" smtClean="0">
-                <a:latin typeface="Consolas" pitchFamily="49" charset="0"/>
-                <a:ea typeface="Roboto" pitchFamily="2" charset="0"/>
-                <a:cs typeface="Consolas" pitchFamily="49" charset="0"/>
-              </a:rPr>
-              <a:t>int</a:t>
-            </a:r>
-            <a:r>
-              <a:rPr lang="en-US" sz="2000" b="1" dirty="0" smtClean="0">
-                <a:solidFill>
-                  <a:schemeClr val="bg1"/>
-                </a:solidFill>
-                <a:latin typeface="Consolas" pitchFamily="49" charset="0"/>
-                <a:ea typeface="Roboto" pitchFamily="2" charset="0"/>
-                <a:cs typeface="Consolas" pitchFamily="49" charset="0"/>
-              </a:rPr>
-              <a:t>)</a:t>
-            </a:r>
-            <a:r>
-              <a:rPr lang="en-US" sz="2000" b="1" dirty="0" err="1" smtClean="0">
-                <a:solidFill>
-                  <a:srgbClr val="FF00FF"/>
-                </a:solidFill>
-                <a:latin typeface="Consolas" pitchFamily="49" charset="0"/>
-                <a:ea typeface="Roboto" pitchFamily="2" charset="0"/>
-                <a:cs typeface="Consolas" pitchFamily="49" charset="0"/>
-              </a:rPr>
-              <a:t>Math</a:t>
-            </a:r>
-            <a:r>
-              <a:rPr lang="en-US" sz="2000" b="1" dirty="0" err="1" smtClean="0">
-                <a:solidFill>
-                  <a:schemeClr val="bg1"/>
-                </a:solidFill>
-                <a:latin typeface="Consolas" pitchFamily="49" charset="0"/>
-                <a:ea typeface="Roboto" pitchFamily="2" charset="0"/>
-                <a:cs typeface="Consolas" pitchFamily="49" charset="0"/>
-              </a:rPr>
-              <a:t>.Pow</a:t>
-            </a:r>
-            <a:r>
-              <a:rPr lang="en-US" sz="2000" b="1" dirty="0" smtClean="0">
-                <a:solidFill>
-                  <a:schemeClr val="bg1"/>
-                </a:solidFill>
-                <a:latin typeface="Consolas" pitchFamily="49" charset="0"/>
-                <a:ea typeface="Roboto" pitchFamily="2" charset="0"/>
-                <a:cs typeface="Consolas" pitchFamily="49" charset="0"/>
-              </a:rPr>
-              <a:t>(</a:t>
-            </a:r>
-            <a:r>
-              <a:rPr lang="en-US" sz="2000" b="1" dirty="0" smtClean="0">
-                <a:solidFill>
-                  <a:srgbClr val="00DB00"/>
-                </a:solidFill>
-                <a:latin typeface="Consolas" pitchFamily="49" charset="0"/>
-                <a:ea typeface="Roboto" pitchFamily="2" charset="0"/>
-                <a:cs typeface="Consolas" pitchFamily="49" charset="0"/>
-              </a:rPr>
-              <a:t>60</a:t>
-            </a:r>
-            <a:r>
-              <a:rPr lang="en-US" sz="2000" b="1" dirty="0" smtClean="0">
-                <a:solidFill>
-                  <a:schemeClr val="bg1"/>
-                </a:solidFill>
-                <a:latin typeface="Consolas" pitchFamily="49" charset="0"/>
-                <a:ea typeface="Roboto" pitchFamily="2" charset="0"/>
-                <a:cs typeface="Consolas" pitchFamily="49" charset="0"/>
-              </a:rPr>
-              <a:t>, j / </a:t>
-            </a:r>
-            <a:r>
-              <a:rPr lang="en-US" sz="2000" b="1" dirty="0" smtClean="0">
-                <a:solidFill>
-                  <a:srgbClr val="00DB00"/>
-                </a:solidFill>
-                <a:latin typeface="Consolas" pitchFamily="49" charset="0"/>
-                <a:ea typeface="Roboto" pitchFamily="2" charset="0"/>
-                <a:cs typeface="Consolas" pitchFamily="49" charset="0"/>
-              </a:rPr>
-              <a:t>2</a:t>
-            </a:r>
-            <a:r>
-              <a:rPr lang="en-US" sz="2000" b="1" dirty="0" smtClean="0">
-                <a:solidFill>
-                  <a:schemeClr val="bg1"/>
-                </a:solidFill>
-                <a:latin typeface="Consolas" pitchFamily="49" charset="0"/>
-                <a:ea typeface="Roboto" pitchFamily="2" charset="0"/>
-                <a:cs typeface="Consolas" pitchFamily="49" charset="0"/>
-              </a:rPr>
-              <a:t>);</a:t>
-            </a:r>
-            <a:br>
-              <a:rPr lang="en-US" sz="2000" b="1" dirty="0" smtClean="0">
-                <a:solidFill>
-                  <a:schemeClr val="bg1"/>
-                </a:solidFill>
-                <a:latin typeface="Consolas" pitchFamily="49" charset="0"/>
-                <a:ea typeface="Roboto" pitchFamily="2" charset="0"/>
-                <a:cs typeface="Consolas" pitchFamily="49" charset="0"/>
-              </a:rPr>
-            </a:br>
-            <a:r>
-              <a:rPr lang="en-US" sz="2000" b="1" dirty="0" smtClean="0">
-                <a:solidFill>
-                  <a:schemeClr val="bg1"/>
-                </a:solidFill>
-                <a:latin typeface="Consolas" pitchFamily="49" charset="0"/>
-                <a:ea typeface="Roboto" pitchFamily="2" charset="0"/>
-                <a:cs typeface="Consolas" pitchFamily="49" charset="0"/>
-              </a:rPr>
-              <a:t>		</a:t>
-            </a:r>
-            <a:r>
-              <a:rPr lang="en-US" sz="2000" b="1" dirty="0" smtClean="0">
-                <a:latin typeface="Consolas" pitchFamily="49" charset="0"/>
-                <a:ea typeface="Roboto" pitchFamily="2" charset="0"/>
-                <a:cs typeface="Consolas" pitchFamily="49" charset="0"/>
-              </a:rPr>
-              <a:t>int</a:t>
-            </a:r>
-            <a:r>
-              <a:rPr lang="en-US" sz="2000" b="1" dirty="0" smtClean="0">
-                <a:solidFill>
-                  <a:schemeClr val="bg1"/>
-                </a:solidFill>
-                <a:latin typeface="Consolas" pitchFamily="49" charset="0"/>
-                <a:ea typeface="Roboto" pitchFamily="2" charset="0"/>
-                <a:cs typeface="Consolas" pitchFamily="49" charset="0"/>
-              </a:rPr>
-              <a:t> </a:t>
-            </a:r>
-            <a:r>
-              <a:rPr lang="en-US" sz="2000" b="1" dirty="0" err="1" smtClean="0">
-                <a:solidFill>
-                  <a:schemeClr val="bg1"/>
-                </a:solidFill>
-                <a:latin typeface="Consolas" pitchFamily="49" charset="0"/>
-                <a:ea typeface="Roboto" pitchFamily="2" charset="0"/>
-                <a:cs typeface="Consolas" pitchFamily="49" charset="0"/>
-              </a:rPr>
-              <a:t>rTimesI</a:t>
-            </a:r>
-            <a:r>
-              <a:rPr lang="en-US" sz="2000" b="1" dirty="0" smtClean="0">
-                <a:solidFill>
-                  <a:schemeClr val="bg1"/>
-                </a:solidFill>
-                <a:latin typeface="Consolas" pitchFamily="49" charset="0"/>
-                <a:ea typeface="Roboto" pitchFamily="2" charset="0"/>
-                <a:cs typeface="Consolas" pitchFamily="49" charset="0"/>
-              </a:rPr>
-              <a:t> = r[</a:t>
-            </a:r>
-            <a:r>
-              <a:rPr lang="en-US" sz="2000" b="1" dirty="0" err="1" smtClean="0">
-                <a:solidFill>
-                  <a:schemeClr val="bg1"/>
-                </a:solidFill>
-                <a:latin typeface="Consolas" pitchFamily="49" charset="0"/>
-                <a:ea typeface="Roboto" pitchFamily="2" charset="0"/>
-                <a:cs typeface="Consolas" pitchFamily="49" charset="0"/>
-              </a:rPr>
-              <a:t>r.Count</a:t>
-            </a:r>
-            <a:r>
-              <a:rPr lang="en-US" sz="2000" b="1" dirty="0" smtClean="0">
-                <a:solidFill>
-                  <a:schemeClr val="bg1"/>
-                </a:solidFill>
-                <a:latin typeface="Consolas" pitchFamily="49" charset="0"/>
-                <a:ea typeface="Roboto" pitchFamily="2" charset="0"/>
-                <a:cs typeface="Consolas" pitchFamily="49" charset="0"/>
-              </a:rPr>
-              <a:t> - j - </a:t>
-            </a:r>
-            <a:r>
-              <a:rPr lang="en-US" sz="2000" b="1" dirty="0" smtClean="0">
-                <a:solidFill>
-                  <a:srgbClr val="00DB00"/>
-                </a:solidFill>
-                <a:latin typeface="Consolas" pitchFamily="49" charset="0"/>
-                <a:ea typeface="Roboto" pitchFamily="2" charset="0"/>
-                <a:cs typeface="Consolas" pitchFamily="49" charset="0"/>
-              </a:rPr>
-              <a:t>1</a:t>
-            </a:r>
-            <a:r>
-              <a:rPr lang="en-US" sz="2000" b="1" dirty="0" smtClean="0">
-                <a:solidFill>
-                  <a:schemeClr val="bg1"/>
-                </a:solidFill>
-                <a:latin typeface="Consolas" pitchFamily="49" charset="0"/>
-                <a:ea typeface="Roboto" pitchFamily="2" charset="0"/>
-                <a:cs typeface="Consolas" pitchFamily="49" charset="0"/>
-              </a:rPr>
-              <a:t>] * i;</a:t>
-            </a:r>
-            <a:br>
-              <a:rPr lang="en-US" sz="2000" b="1" dirty="0" smtClean="0">
-                <a:solidFill>
-                  <a:schemeClr val="bg1"/>
-                </a:solidFill>
-                <a:latin typeface="Consolas" pitchFamily="49" charset="0"/>
-                <a:ea typeface="Roboto" pitchFamily="2" charset="0"/>
-                <a:cs typeface="Consolas" pitchFamily="49" charset="0"/>
-              </a:rPr>
-            </a:br>
-            <a:r>
-              <a:rPr lang="en-US" sz="2000" b="1" dirty="0" smtClean="0">
-                <a:solidFill>
-                  <a:schemeClr val="bg1"/>
-                </a:solidFill>
-                <a:latin typeface="Consolas" pitchFamily="49" charset="0"/>
-                <a:ea typeface="Roboto" pitchFamily="2" charset="0"/>
-                <a:cs typeface="Consolas" pitchFamily="49" charset="0"/>
-              </a:rPr>
-              <a:t/>
-            </a:r>
-            <a:br>
-              <a:rPr lang="en-US" sz="2000" b="1" dirty="0" smtClean="0">
-                <a:solidFill>
-                  <a:schemeClr val="bg1"/>
-                </a:solidFill>
-                <a:latin typeface="Consolas" pitchFamily="49" charset="0"/>
-                <a:ea typeface="Roboto" pitchFamily="2" charset="0"/>
-                <a:cs typeface="Consolas" pitchFamily="49" charset="0"/>
-              </a:rPr>
-            </a:br>
-            <a:r>
-              <a:rPr lang="en-US" sz="2000" b="1" dirty="0" smtClean="0">
-                <a:solidFill>
-                  <a:schemeClr val="bg1"/>
-                </a:solidFill>
-                <a:latin typeface="Consolas" pitchFamily="49" charset="0"/>
-                <a:ea typeface="Roboto" pitchFamily="2" charset="0"/>
-                <a:cs typeface="Consolas" pitchFamily="49" charset="0"/>
-              </a:rPr>
-              <a:t>		result += (j </a:t>
-            </a:r>
-            <a:r>
-              <a:rPr lang="en-US" sz="2000" b="1" dirty="0" smtClean="0">
-                <a:solidFill>
-                  <a:srgbClr val="FF00FF"/>
-                </a:solidFill>
-                <a:latin typeface="Consolas" pitchFamily="49" charset="0"/>
-                <a:ea typeface="Roboto" pitchFamily="2" charset="0"/>
-                <a:cs typeface="Consolas" pitchFamily="49" charset="0"/>
-              </a:rPr>
-              <a:t>%</a:t>
-            </a:r>
-            <a:r>
-              <a:rPr lang="en-US" sz="2000" b="1" dirty="0" smtClean="0">
-                <a:solidFill>
-                  <a:schemeClr val="bg1"/>
-                </a:solidFill>
-                <a:latin typeface="Consolas" pitchFamily="49" charset="0"/>
-                <a:ea typeface="Roboto" pitchFamily="2" charset="0"/>
-                <a:cs typeface="Consolas" pitchFamily="49" charset="0"/>
-              </a:rPr>
-              <a:t> </a:t>
-            </a:r>
-            <a:r>
-              <a:rPr lang="en-US" sz="2000" b="1" dirty="0" smtClean="0">
-                <a:solidFill>
-                  <a:srgbClr val="00DB00"/>
-                </a:solidFill>
-                <a:latin typeface="Consolas" pitchFamily="49" charset="0"/>
-                <a:ea typeface="Roboto" pitchFamily="2" charset="0"/>
-                <a:cs typeface="Consolas" pitchFamily="49" charset="0"/>
-              </a:rPr>
-              <a:t>2</a:t>
-            </a:r>
-            <a:r>
-              <a:rPr lang="en-US" sz="2000" b="1" dirty="0" smtClean="0">
-                <a:solidFill>
-                  <a:schemeClr val="bg1"/>
-                </a:solidFill>
-                <a:latin typeface="Consolas" pitchFamily="49" charset="0"/>
-                <a:ea typeface="Roboto" pitchFamily="2" charset="0"/>
-                <a:cs typeface="Consolas" pitchFamily="49" charset="0"/>
-              </a:rPr>
-              <a:t> == </a:t>
-            </a:r>
-            <a:r>
-              <a:rPr lang="en-US" sz="2000" b="1" dirty="0" smtClean="0">
-                <a:solidFill>
-                  <a:srgbClr val="00DB00"/>
-                </a:solidFill>
-                <a:latin typeface="Consolas" pitchFamily="49" charset="0"/>
-                <a:ea typeface="Roboto" pitchFamily="2" charset="0"/>
-                <a:cs typeface="Consolas" pitchFamily="49" charset="0"/>
-              </a:rPr>
-              <a:t>1</a:t>
-            </a:r>
-            <a:r>
-              <a:rPr lang="en-US" sz="2000" b="1" dirty="0" smtClean="0">
-                <a:solidFill>
-                  <a:schemeClr val="bg1"/>
-                </a:solidFill>
-                <a:latin typeface="Consolas" pitchFamily="49" charset="0"/>
-                <a:ea typeface="Roboto" pitchFamily="2" charset="0"/>
-                <a:cs typeface="Consolas" pitchFamily="49" charset="0"/>
-              </a:rPr>
-              <a:t>)</a:t>
-            </a:r>
-            <a:br>
-              <a:rPr lang="en-US" sz="2000" b="1" dirty="0" smtClean="0">
-                <a:solidFill>
-                  <a:schemeClr val="bg1"/>
-                </a:solidFill>
-                <a:latin typeface="Consolas" pitchFamily="49" charset="0"/>
-                <a:ea typeface="Roboto" pitchFamily="2" charset="0"/>
-                <a:cs typeface="Consolas" pitchFamily="49" charset="0"/>
-              </a:rPr>
-            </a:br>
-            <a:r>
-              <a:rPr lang="en-US" sz="2000" b="1" dirty="0" smtClean="0">
-                <a:solidFill>
-                  <a:schemeClr val="bg1"/>
-                </a:solidFill>
-                <a:latin typeface="Consolas" pitchFamily="49" charset="0"/>
-                <a:ea typeface="Roboto" pitchFamily="2" charset="0"/>
-                <a:cs typeface="Consolas" pitchFamily="49" charset="0"/>
-              </a:rPr>
-              <a:t>					  ? </a:t>
-            </a:r>
-            <a:r>
-              <a:rPr lang="en-US" sz="2000" b="1" dirty="0" err="1" smtClean="0">
-                <a:solidFill>
-                  <a:schemeClr val="bg1"/>
-                </a:solidFill>
-                <a:latin typeface="Consolas" pitchFamily="49" charset="0"/>
-                <a:ea typeface="Roboto" pitchFamily="2" charset="0"/>
-                <a:cs typeface="Consolas" pitchFamily="49" charset="0"/>
-              </a:rPr>
-              <a:t>rTimesI</a:t>
-            </a:r>
-            <a:r>
-              <a:rPr lang="en-US" sz="2000" b="1" dirty="0" smtClean="0">
-                <a:solidFill>
-                  <a:schemeClr val="bg1"/>
-                </a:solidFill>
-                <a:latin typeface="Consolas" pitchFamily="49" charset="0"/>
-                <a:ea typeface="Roboto" pitchFamily="2" charset="0"/>
-                <a:cs typeface="Consolas" pitchFamily="49" charset="0"/>
-              </a:rPr>
-              <a:t> * </a:t>
-            </a:r>
-            <a:r>
-              <a:rPr lang="en-US" sz="2000" b="1" dirty="0" smtClean="0">
-                <a:solidFill>
-                  <a:srgbClr val="00DB00"/>
-                </a:solidFill>
-                <a:latin typeface="Consolas" pitchFamily="49" charset="0"/>
-                <a:ea typeface="Roboto" pitchFamily="2" charset="0"/>
-                <a:cs typeface="Consolas" pitchFamily="49" charset="0"/>
-              </a:rPr>
-              <a:t>10</a:t>
-            </a:r>
-            <a:r>
-              <a:rPr lang="en-US" sz="2000" b="1" dirty="0" smtClean="0">
-                <a:solidFill>
-                  <a:schemeClr val="bg1"/>
-                </a:solidFill>
-                <a:latin typeface="Consolas" pitchFamily="49" charset="0"/>
-                <a:ea typeface="Roboto" pitchFamily="2" charset="0"/>
-                <a:cs typeface="Consolas" pitchFamily="49" charset="0"/>
-              </a:rPr>
-              <a:t/>
-            </a:r>
-            <a:br>
-              <a:rPr lang="en-US" sz="2000" b="1" dirty="0" smtClean="0">
-                <a:solidFill>
-                  <a:schemeClr val="bg1"/>
-                </a:solidFill>
-                <a:latin typeface="Consolas" pitchFamily="49" charset="0"/>
-                <a:ea typeface="Roboto" pitchFamily="2" charset="0"/>
-                <a:cs typeface="Consolas" pitchFamily="49" charset="0"/>
-              </a:rPr>
-            </a:br>
-            <a:r>
-              <a:rPr lang="en-US" sz="2000" b="1" dirty="0" smtClean="0">
-                <a:solidFill>
-                  <a:schemeClr val="bg1"/>
-                </a:solidFill>
-                <a:latin typeface="Consolas" pitchFamily="49" charset="0"/>
-                <a:ea typeface="Roboto" pitchFamily="2" charset="0"/>
-                <a:cs typeface="Consolas" pitchFamily="49" charset="0"/>
-              </a:rPr>
-              <a:t>					  : </a:t>
-            </a:r>
-            <a:r>
-              <a:rPr lang="en-US" sz="2000" b="1" dirty="0" err="1" smtClean="0">
-                <a:solidFill>
-                  <a:schemeClr val="bg1"/>
-                </a:solidFill>
-                <a:latin typeface="Consolas" pitchFamily="49" charset="0"/>
-                <a:ea typeface="Roboto" pitchFamily="2" charset="0"/>
-                <a:cs typeface="Consolas" pitchFamily="49" charset="0"/>
-              </a:rPr>
-              <a:t>rTimesI</a:t>
-            </a:r>
-            <a:r>
-              <a:rPr lang="en-US" sz="2000" b="1" dirty="0" smtClean="0">
-                <a:solidFill>
-                  <a:schemeClr val="bg1"/>
-                </a:solidFill>
-                <a:latin typeface="Consolas" pitchFamily="49" charset="0"/>
-                <a:ea typeface="Roboto" pitchFamily="2" charset="0"/>
-                <a:cs typeface="Consolas" pitchFamily="49" charset="0"/>
-              </a:rPr>
-              <a:t>;</a:t>
-            </a:r>
-            <a:br>
-              <a:rPr lang="en-US" sz="2000" b="1" dirty="0" smtClean="0">
-                <a:solidFill>
-                  <a:schemeClr val="bg1"/>
-                </a:solidFill>
-                <a:latin typeface="Consolas" pitchFamily="49" charset="0"/>
-                <a:ea typeface="Roboto" pitchFamily="2" charset="0"/>
-                <a:cs typeface="Consolas" pitchFamily="49" charset="0"/>
-              </a:rPr>
-            </a:br>
-            <a:r>
-              <a:rPr lang="en-US" sz="2000" b="1" dirty="0" smtClean="0">
-                <a:solidFill>
-                  <a:schemeClr val="bg1"/>
-                </a:solidFill>
-                <a:latin typeface="Consolas" pitchFamily="49" charset="0"/>
-                <a:ea typeface="Roboto" pitchFamily="2" charset="0"/>
-                <a:cs typeface="Consolas" pitchFamily="49" charset="0"/>
-              </a:rPr>
-              <a:t>	}</a:t>
-            </a:r>
-            <a:br>
-              <a:rPr lang="en-US" sz="2000" b="1" dirty="0" smtClean="0">
-                <a:solidFill>
-                  <a:schemeClr val="bg1"/>
-                </a:solidFill>
-                <a:latin typeface="Consolas" pitchFamily="49" charset="0"/>
-                <a:ea typeface="Roboto" pitchFamily="2" charset="0"/>
-                <a:cs typeface="Consolas" pitchFamily="49" charset="0"/>
-              </a:rPr>
-            </a:br>
-            <a:r>
-              <a:rPr lang="en-US" sz="2000" b="1" dirty="0" smtClean="0">
-                <a:solidFill>
-                  <a:schemeClr val="bg1"/>
-                </a:solidFill>
-                <a:latin typeface="Consolas" pitchFamily="49" charset="0"/>
-                <a:ea typeface="Roboto" pitchFamily="2" charset="0"/>
-                <a:cs typeface="Consolas" pitchFamily="49" charset="0"/>
-              </a:rPr>
-              <a:t>	return </a:t>
-            </a:r>
-            <a:r>
-              <a:rPr lang="en-US" sz="2000" b="1" dirty="0" err="1" smtClean="0">
-                <a:latin typeface="Consolas" pitchFamily="49" charset="0"/>
-                <a:ea typeface="Roboto" pitchFamily="2" charset="0"/>
-                <a:cs typeface="Consolas" pitchFamily="49" charset="0"/>
-              </a:rPr>
-              <a:t>TimeSpan</a:t>
-            </a:r>
-            <a:r>
-              <a:rPr lang="en-US" sz="2000" b="1" dirty="0" err="1" smtClean="0">
-                <a:solidFill>
-                  <a:schemeClr val="bg1"/>
-                </a:solidFill>
-                <a:latin typeface="Consolas" pitchFamily="49" charset="0"/>
-                <a:ea typeface="Roboto" pitchFamily="2" charset="0"/>
-                <a:cs typeface="Consolas" pitchFamily="49" charset="0"/>
-              </a:rPr>
-              <a:t>.FromSeconds</a:t>
-            </a:r>
-            <a:r>
-              <a:rPr lang="en-US" sz="2000" b="1" dirty="0" smtClean="0">
-                <a:solidFill>
-                  <a:schemeClr val="bg1"/>
-                </a:solidFill>
-                <a:latin typeface="Consolas" pitchFamily="49" charset="0"/>
-                <a:ea typeface="Roboto" pitchFamily="2" charset="0"/>
-                <a:cs typeface="Consolas" pitchFamily="49" charset="0"/>
-              </a:rPr>
-              <a:t>(result);</a:t>
-            </a:r>
-            <a:br>
-              <a:rPr lang="en-US" sz="2000" b="1" dirty="0" smtClean="0">
-                <a:solidFill>
-                  <a:schemeClr val="bg1"/>
-                </a:solidFill>
-                <a:latin typeface="Consolas" pitchFamily="49" charset="0"/>
-                <a:ea typeface="Roboto" pitchFamily="2" charset="0"/>
-                <a:cs typeface="Consolas" pitchFamily="49" charset="0"/>
-              </a:rPr>
-            </a:br>
-            <a:r>
-              <a:rPr lang="en-US" sz="2000" b="1" dirty="0" smtClean="0">
-                <a:solidFill>
-                  <a:schemeClr val="bg1"/>
-                </a:solidFill>
-                <a:latin typeface="Consolas" pitchFamily="49" charset="0"/>
-                <a:ea typeface="Roboto" pitchFamily="2" charset="0"/>
-                <a:cs typeface="Consolas" pitchFamily="49" charset="0"/>
-              </a:rPr>
-              <a:t>}</a:t>
-            </a:r>
-            <a:br>
-              <a:rPr lang="en-US" sz="2000" b="1" dirty="0" smtClean="0">
-                <a:solidFill>
-                  <a:schemeClr val="bg1"/>
-                </a:solidFill>
-                <a:latin typeface="Consolas" pitchFamily="49" charset="0"/>
-                <a:ea typeface="Roboto" pitchFamily="2" charset="0"/>
-                <a:cs typeface="Consolas" pitchFamily="49" charset="0"/>
-              </a:rPr>
-            </a:br>
-            <a:endParaRPr lang="en-US" sz="2000" b="1" dirty="0">
-              <a:solidFill>
-                <a:schemeClr val="bg1"/>
-              </a:solidFill>
-              <a:latin typeface="Consolas" pitchFamily="49" charset="0"/>
-              <a:ea typeface="Roboto" pitchFamily="2" charset="0"/>
-              <a:cs typeface="Consolas" pitchFamily="49" charset="0"/>
-            </a:endParaRPr>
+        <p:spPr/>
+        <p:txBody>
+          <a:bodyPr/>
+          <a:lstStyle/>
+          <a:p>
+            <a:r>
+              <a:rPr lang="en-US" dirty="0" err="1" smtClean="0"/>
+              <a:t>Natürliche</a:t>
+            </a:r>
+            <a:endParaRPr lang="en-US" dirty="0"/>
+          </a:p>
+        </p:txBody>
+      </p:sp>
+      <p:sp>
+        <p:nvSpPr>
+          <p:cNvPr id="4" name="Textplatzhalter 3"/>
+          <p:cNvSpPr>
+            <a:spLocks noGrp="1"/>
+          </p:cNvSpPr>
+          <p:nvPr>
+            <p:ph type="body" sz="quarter" idx="10"/>
+          </p:nvPr>
+        </p:nvSpPr>
+        <p:spPr/>
+        <p:txBody>
+          <a:bodyPr/>
+          <a:lstStyle/>
+          <a:p>
+            <a:r>
+              <a:rPr lang="en-US" dirty="0" err="1" smtClean="0"/>
+              <a:t>Gesprochene</a:t>
+            </a:r>
+            <a:r>
+              <a:rPr lang="en-US" dirty="0" smtClean="0"/>
+              <a:t>, </a:t>
+            </a:r>
+            <a:endParaRPr lang="en-US" dirty="0"/>
+          </a:p>
+        </p:txBody>
+      </p:sp>
+      <p:sp>
+        <p:nvSpPr>
+          <p:cNvPr id="5" name="Textplatzhalter 4"/>
+          <p:cNvSpPr>
+            <a:spLocks noGrp="1"/>
+          </p:cNvSpPr>
+          <p:nvPr>
+            <p:ph type="body" sz="quarter" idx="11"/>
+          </p:nvPr>
+        </p:nvSpPr>
+        <p:spPr/>
+        <p:txBody>
+          <a:bodyPr/>
+          <a:lstStyle/>
+          <a:p>
+            <a:r>
+              <a:rPr lang="en-US" dirty="0" err="1" smtClean="0"/>
+              <a:t>Sprache</a:t>
+            </a:r>
+            <a:endParaRPr lang="en-US" dirty="0"/>
           </a:p>
         </p:txBody>
       </p:sp>
     </p:spTree>
+    <p:extLst>
+      <p:ext uri="{BB962C8B-B14F-4D97-AF65-F5344CB8AC3E}">
+        <p14:creationId xmlns:p14="http://schemas.microsoft.com/office/powerpoint/2010/main" val="1388089514"/>
+      </p:ext>
+    </p:extLst>
   </p:cSld>
   <p:clrMapOvr>
     <a:masterClrMapping/>
@@ -21343,790 +21981,304 @@
             <p:ph type="title"/>
           </p:nvPr>
         </p:nvSpPr>
-        <p:spPr>
-          <a:xfrm>
-            <a:off x="0" y="0"/>
-            <a:ext cx="9144000" cy="6858000"/>
-          </a:xfrm>
-          <a:solidFill>
-            <a:schemeClr val="tx1">
-              <a:lumMod val="85000"/>
-              <a:lumOff val="15000"/>
-            </a:schemeClr>
-          </a:solidFill>
-        </p:spPr>
+        <p:spPr/>
         <p:txBody>
           <a:bodyPr>
             <a:normAutofit/>
           </a:bodyPr>
           <a:lstStyle/>
           <a:p>
-            <a:pPr algn="l"/>
-            <a:r>
-              <a:rPr lang="en-US" sz="2000" b="1" dirty="0" smtClean="0">
-                <a:latin typeface="Consolas" pitchFamily="49" charset="0"/>
-                <a:ea typeface="Roboto" pitchFamily="2" charset="0"/>
-                <a:cs typeface="Consolas" pitchFamily="49" charset="0"/>
-              </a:rPr>
-              <a:t>private static </a:t>
-            </a:r>
-            <a:r>
-              <a:rPr lang="en-US" sz="2000" b="1" dirty="0" err="1" smtClean="0">
-                <a:latin typeface="Consolas" pitchFamily="49" charset="0"/>
-                <a:ea typeface="Roboto" pitchFamily="2" charset="0"/>
-                <a:cs typeface="Consolas" pitchFamily="49" charset="0"/>
-              </a:rPr>
-              <a:t>TimeSpan</a:t>
-            </a:r>
-            <a:r>
-              <a:rPr lang="en-US" sz="2000" b="1" dirty="0" smtClean="0">
-                <a:latin typeface="Consolas" pitchFamily="49" charset="0"/>
-                <a:ea typeface="Roboto" pitchFamily="2" charset="0"/>
-                <a:cs typeface="Consolas" pitchFamily="49" charset="0"/>
+            <a:r>
+              <a:rPr lang="de-AT" sz="2800" dirty="0" err="1" smtClean="0">
+                <a:latin typeface="Roboto" pitchFamily="2" charset="0"/>
+                <a:ea typeface="Roboto" pitchFamily="2" charset="0"/>
+              </a:rPr>
+              <a:t>var</a:t>
+            </a:r>
+            <a:r>
+              <a:rPr lang="de-AT" sz="2800" dirty="0" smtClean="0">
+                <a:solidFill>
+                  <a:schemeClr val="tx1">
+                    <a:lumMod val="75000"/>
+                    <a:lumOff val="25000"/>
+                  </a:schemeClr>
+                </a:solidFill>
+                <a:latin typeface="Roboto" pitchFamily="2" charset="0"/>
+                <a:ea typeface="Roboto" pitchFamily="2" charset="0"/>
               </a:rPr>
               <a:t> </a:t>
             </a:r>
             <a:r>
-              <a:rPr lang="en-US" sz="2000" b="1" dirty="0" smtClean="0">
-                <a:solidFill>
-                  <a:schemeClr val="bg1"/>
-                </a:solidFill>
-                <a:latin typeface="Consolas" pitchFamily="49" charset="0"/>
-                <a:ea typeface="Roboto" pitchFamily="2" charset="0"/>
-                <a:cs typeface="Consolas" pitchFamily="49" charset="0"/>
-              </a:rPr>
-              <a:t>Transform(</a:t>
-            </a:r>
-            <a:r>
-              <a:rPr lang="en-US" sz="2000" b="1" dirty="0" smtClean="0">
-                <a:latin typeface="Consolas" pitchFamily="49" charset="0"/>
-                <a:ea typeface="Roboto" pitchFamily="2" charset="0"/>
-                <a:cs typeface="Consolas" pitchFamily="49" charset="0"/>
-              </a:rPr>
-              <a:t>this</a:t>
-            </a:r>
-            <a:r>
-              <a:rPr lang="en-US" sz="2000" b="1" dirty="0" smtClean="0">
-                <a:solidFill>
-                  <a:schemeClr val="bg1"/>
-                </a:solidFill>
-                <a:latin typeface="Consolas" pitchFamily="49" charset="0"/>
-                <a:ea typeface="Roboto" pitchFamily="2" charset="0"/>
-                <a:cs typeface="Consolas" pitchFamily="49" charset="0"/>
-              </a:rPr>
-              <a:t> </a:t>
-            </a:r>
-            <a:r>
-              <a:rPr lang="en-US" sz="2000" b="1" dirty="0" err="1" smtClean="0">
-                <a:latin typeface="Consolas" pitchFamily="49" charset="0"/>
-                <a:ea typeface="Roboto" pitchFamily="2" charset="0"/>
-                <a:cs typeface="Consolas" pitchFamily="49" charset="0"/>
-              </a:rPr>
-              <a:t>IEnumerable</a:t>
-            </a:r>
-            <a:r>
-              <a:rPr lang="en-US" sz="2000" b="1" dirty="0" smtClean="0">
-                <a:solidFill>
-                  <a:schemeClr val="bg1"/>
-                </a:solidFill>
-                <a:latin typeface="Consolas" pitchFamily="49" charset="0"/>
-                <a:ea typeface="Roboto" pitchFamily="2" charset="0"/>
-                <a:cs typeface="Consolas" pitchFamily="49" charset="0"/>
-              </a:rPr>
-              <a:t>&lt;</a:t>
-            </a:r>
-            <a:r>
-              <a:rPr lang="en-US" sz="2000" b="1" dirty="0" smtClean="0">
-                <a:latin typeface="Consolas" pitchFamily="49" charset="0"/>
-                <a:ea typeface="Roboto" pitchFamily="2" charset="0"/>
-                <a:cs typeface="Consolas" pitchFamily="49" charset="0"/>
-              </a:rPr>
-              <a:t>int</a:t>
-            </a:r>
-            <a:r>
-              <a:rPr lang="en-US" sz="2000" b="1" dirty="0" smtClean="0">
-                <a:solidFill>
-                  <a:schemeClr val="bg1"/>
-                </a:solidFill>
-                <a:latin typeface="Consolas" pitchFamily="49" charset="0"/>
-                <a:ea typeface="Roboto" pitchFamily="2" charset="0"/>
-                <a:cs typeface="Consolas" pitchFamily="49" charset="0"/>
-              </a:rPr>
-              <a:t>&gt; digits) </a:t>
+              <a:rPr lang="de-AT" sz="2800" dirty="0" err="1" smtClean="0">
+                <a:solidFill>
+                  <a:schemeClr val="tx1">
+                    <a:lumMod val="75000"/>
+                    <a:lumOff val="25000"/>
+                  </a:schemeClr>
+                </a:solidFill>
+                <a:latin typeface="Roboto" pitchFamily="2" charset="0"/>
+                <a:ea typeface="Roboto" pitchFamily="2" charset="0"/>
+              </a:rPr>
+              <a:t>myParty</a:t>
+            </a:r>
+            <a:r>
+              <a:rPr lang="de-AT" sz="2800" dirty="0" smtClean="0">
+                <a:solidFill>
+                  <a:schemeClr val="tx1">
+                    <a:lumMod val="75000"/>
+                    <a:lumOff val="25000"/>
+                  </a:schemeClr>
+                </a:solidFill>
+                <a:latin typeface="Roboto" pitchFamily="2" charset="0"/>
+                <a:ea typeface="Roboto" pitchFamily="2" charset="0"/>
+              </a:rPr>
+              <a:t> = </a:t>
+            </a:r>
+            <a:r>
+              <a:rPr lang="de-AT" sz="2800" dirty="0" smtClean="0">
+                <a:latin typeface="Roboto" pitchFamily="2" charset="0"/>
+                <a:ea typeface="Roboto" pitchFamily="2" charset="0"/>
+              </a:rPr>
+              <a:t>14</a:t>
+            </a:r>
+            <a:r>
+              <a:rPr lang="de-AT" sz="2800" dirty="0" smtClean="0">
+                <a:solidFill>
+                  <a:schemeClr val="tx1">
+                    <a:lumMod val="75000"/>
+                    <a:lumOff val="25000"/>
+                  </a:schemeClr>
+                </a:solidFill>
+                <a:latin typeface="Roboto" pitchFamily="2" charset="0"/>
+                <a:ea typeface="Roboto" pitchFamily="2" charset="0"/>
+              </a:rPr>
+              <a:t>.April(</a:t>
+            </a:r>
+            <a:r>
+              <a:rPr lang="de-AT" sz="2800" dirty="0" smtClean="0">
+                <a:latin typeface="Roboto" pitchFamily="2" charset="0"/>
+                <a:ea typeface="Roboto" pitchFamily="2" charset="0"/>
+              </a:rPr>
+              <a:t>2012</a:t>
+            </a:r>
+            <a:r>
+              <a:rPr lang="de-AT" sz="2800" dirty="0" smtClean="0">
+                <a:solidFill>
+                  <a:schemeClr val="tx1">
+                    <a:lumMod val="75000"/>
+                    <a:lumOff val="25000"/>
+                  </a:schemeClr>
+                </a:solidFill>
+                <a:latin typeface="Roboto" pitchFamily="2" charset="0"/>
+                <a:ea typeface="Roboto" pitchFamily="2" charset="0"/>
+              </a:rPr>
+              <a:t>).At(</a:t>
+            </a:r>
+            <a:r>
+              <a:rPr lang="de-AT" sz="2800" dirty="0" smtClean="0">
+                <a:latin typeface="Roboto" pitchFamily="2" charset="0"/>
+                <a:ea typeface="Roboto" pitchFamily="2" charset="0"/>
+              </a:rPr>
+              <a:t>8</a:t>
+            </a:r>
+            <a:r>
+              <a:rPr lang="de-AT" sz="2800" dirty="0" smtClean="0">
+                <a:solidFill>
+                  <a:schemeClr val="tx1">
+                    <a:lumMod val="75000"/>
+                    <a:lumOff val="25000"/>
+                  </a:schemeClr>
+                </a:solidFill>
+                <a:latin typeface="Roboto" pitchFamily="2" charset="0"/>
+                <a:ea typeface="Roboto" pitchFamily="2" charset="0"/>
+              </a:rPr>
+              <a:t>.PM());</a:t>
             </a:r>
             <a:br>
-              <a:rPr lang="en-US" sz="2000" b="1" dirty="0" smtClean="0">
-                <a:solidFill>
-                  <a:schemeClr val="bg1"/>
-                </a:solidFill>
-                <a:latin typeface="Consolas" pitchFamily="49" charset="0"/>
-                <a:ea typeface="Roboto" pitchFamily="2" charset="0"/>
-                <a:cs typeface="Consolas" pitchFamily="49" charset="0"/>
+              <a:rPr lang="de-AT" sz="2800" dirty="0" smtClean="0">
+                <a:solidFill>
+                  <a:schemeClr val="tx1">
+                    <a:lumMod val="75000"/>
+                    <a:lumOff val="25000"/>
+                  </a:schemeClr>
+                </a:solidFill>
+                <a:latin typeface="Roboto" pitchFamily="2" charset="0"/>
+                <a:ea typeface="Roboto" pitchFamily="2" charset="0"/>
               </a:rPr>
             </a:br>
             <a:r>
-              <a:rPr lang="en-US" sz="2000" b="1" dirty="0" smtClean="0">
-                <a:solidFill>
-                  <a:schemeClr val="bg1"/>
-                </a:solidFill>
-                <a:latin typeface="Consolas" pitchFamily="49" charset="0"/>
-                <a:ea typeface="Roboto" pitchFamily="2" charset="0"/>
-                <a:cs typeface="Consolas" pitchFamily="49" charset="0"/>
-              </a:rPr>
-              <a:t>{</a:t>
+              <a:rPr lang="de-AT" sz="2800" dirty="0" smtClean="0">
+                <a:solidFill>
+                  <a:schemeClr val="tx1">
+                    <a:lumMod val="75000"/>
+                    <a:lumOff val="25000"/>
+                  </a:schemeClr>
+                </a:solidFill>
+                <a:latin typeface="Roboto" pitchFamily="2" charset="0"/>
+                <a:ea typeface="Roboto" pitchFamily="2" charset="0"/>
+              </a:rPr>
+              <a:t/>
             </a:r>
             <a:br>
-              <a:rPr lang="en-US" sz="2000" b="1" dirty="0" smtClean="0">
-                <a:solidFill>
-                  <a:schemeClr val="bg1"/>
-                </a:solidFill>
-                <a:latin typeface="Consolas" pitchFamily="49" charset="0"/>
-                <a:ea typeface="Roboto" pitchFamily="2" charset="0"/>
-                <a:cs typeface="Consolas" pitchFamily="49" charset="0"/>
+              <a:rPr lang="de-AT" sz="2800" dirty="0" smtClean="0">
+                <a:solidFill>
+                  <a:schemeClr val="tx1">
+                    <a:lumMod val="75000"/>
+                    <a:lumOff val="25000"/>
+                  </a:schemeClr>
+                </a:solidFill>
+                <a:latin typeface="Roboto" pitchFamily="2" charset="0"/>
+                <a:ea typeface="Roboto" pitchFamily="2" charset="0"/>
               </a:rPr>
             </a:br>
             <a:r>
-              <a:rPr lang="en-US" sz="2000" b="1" dirty="0" smtClean="0">
-                <a:solidFill>
-                  <a:schemeClr val="bg1"/>
-                </a:solidFill>
-                <a:latin typeface="Consolas" pitchFamily="49" charset="0"/>
-                <a:ea typeface="Roboto" pitchFamily="2" charset="0"/>
-                <a:cs typeface="Consolas" pitchFamily="49" charset="0"/>
-              </a:rPr>
-              <a:t>	</a:t>
-            </a:r>
-            <a:r>
-              <a:rPr lang="en-US" sz="2000" b="1" dirty="0" err="1" smtClean="0">
-                <a:latin typeface="Consolas" pitchFamily="49" charset="0"/>
-                <a:ea typeface="Roboto" pitchFamily="2" charset="0"/>
-                <a:cs typeface="Consolas" pitchFamily="49" charset="0"/>
+              <a:rPr lang="de-AT" sz="2800" dirty="0" err="1" smtClean="0">
+                <a:latin typeface="Roboto" pitchFamily="2" charset="0"/>
+                <a:ea typeface="Roboto" pitchFamily="2" charset="0"/>
               </a:rPr>
               <a:t>var</a:t>
             </a:r>
             <a:r>
-              <a:rPr lang="en-US" sz="2000" b="1" dirty="0" smtClean="0">
-                <a:solidFill>
-                  <a:schemeClr val="bg1"/>
-                </a:solidFill>
-                <a:latin typeface="Consolas" pitchFamily="49" charset="0"/>
-                <a:ea typeface="Roboto" pitchFamily="2" charset="0"/>
-                <a:cs typeface="Consolas" pitchFamily="49" charset="0"/>
-              </a:rPr>
-              <a:t> </a:t>
-            </a:r>
-            <a:r>
-              <a:rPr lang="en-US" sz="2000" b="1" dirty="0" err="1" smtClean="0">
-                <a:solidFill>
-                  <a:schemeClr val="bg1">
+              <a:rPr lang="de-AT" sz="2800" dirty="0" smtClean="0">
+                <a:solidFill>
+                  <a:schemeClr val="tx1">
                     <a:lumMod val="75000"/>
+                    <a:lumOff val="25000"/>
                   </a:schemeClr>
                 </a:solidFill>
-                <a:latin typeface="Consolas" pitchFamily="49" charset="0"/>
-                <a:ea typeface="Roboto" pitchFamily="2" charset="0"/>
-                <a:cs typeface="Consolas" pitchFamily="49" charset="0"/>
-              </a:rPr>
-              <a:t>secondsPerUnit</a:t>
-            </a:r>
-            <a:r>
-              <a:rPr lang="en-US" sz="2000" b="1" dirty="0" smtClean="0">
-                <a:solidFill>
-                  <a:schemeClr val="bg1">
+                <a:latin typeface="Roboto" pitchFamily="2" charset="0"/>
+                <a:ea typeface="Roboto" pitchFamily="2" charset="0"/>
+              </a:rPr>
+              <a:t> end = </a:t>
+            </a:r>
+            <a:r>
+              <a:rPr lang="de-AT" sz="2800" dirty="0" smtClean="0">
+                <a:latin typeface="Roboto" pitchFamily="2" charset="0"/>
+                <a:ea typeface="Roboto" pitchFamily="2" charset="0"/>
+              </a:rPr>
+              <a:t>8</a:t>
+            </a:r>
+            <a:r>
+              <a:rPr lang="de-AT" sz="2800" dirty="0" smtClean="0">
+                <a:solidFill>
+                  <a:schemeClr val="tx1">
                     <a:lumMod val="75000"/>
+                    <a:lumOff val="25000"/>
                   </a:schemeClr>
                 </a:solidFill>
-                <a:latin typeface="Consolas" pitchFamily="49" charset="0"/>
-                <a:ea typeface="Roboto" pitchFamily="2" charset="0"/>
-                <a:cs typeface="Consolas" pitchFamily="49" charset="0"/>
-              </a:rPr>
-              <a:t> = </a:t>
-            </a:r>
-            <a:r>
-              <a:rPr lang="en-US" sz="2000" b="1" dirty="0" smtClean="0">
-                <a:latin typeface="Consolas" pitchFamily="49" charset="0"/>
-                <a:ea typeface="Roboto" pitchFamily="2" charset="0"/>
-                <a:cs typeface="Consolas" pitchFamily="49" charset="0"/>
-              </a:rPr>
-              <a:t>new</a:t>
-            </a:r>
-            <a:r>
-              <a:rPr lang="en-US" sz="2000" b="1" dirty="0" smtClean="0">
-                <a:solidFill>
-                  <a:schemeClr val="bg1">
+                <a:latin typeface="Roboto" pitchFamily="2" charset="0"/>
+                <a:ea typeface="Roboto" pitchFamily="2" charset="0"/>
+              </a:rPr>
+              <a:t>.Hours().</a:t>
+            </a:r>
+            <a:r>
+              <a:rPr lang="de-AT" sz="2800" dirty="0" err="1" smtClean="0">
+                <a:solidFill>
+                  <a:schemeClr val="tx1">
                     <a:lumMod val="75000"/>
+                    <a:lumOff val="25000"/>
                   </a:schemeClr>
                 </a:solidFill>
-                <a:latin typeface="Consolas" pitchFamily="49" charset="0"/>
-                <a:ea typeface="Roboto" pitchFamily="2" charset="0"/>
-                <a:cs typeface="Consolas" pitchFamily="49" charset="0"/>
-              </a:rPr>
-              <a:t> [] { </a:t>
-            </a:r>
-            <a:r>
-              <a:rPr lang="en-US" sz="2000" b="1" dirty="0" smtClean="0">
-                <a:solidFill>
-                  <a:srgbClr val="00FF00"/>
-                </a:solidFill>
-                <a:latin typeface="Consolas" pitchFamily="49" charset="0"/>
-                <a:ea typeface="Roboto" pitchFamily="2" charset="0"/>
-                <a:cs typeface="Consolas" pitchFamily="49" charset="0"/>
-              </a:rPr>
-              <a:t>1</a:t>
-            </a:r>
-            <a:r>
-              <a:rPr lang="en-US" sz="2000" b="1" dirty="0" smtClean="0">
-                <a:solidFill>
-                  <a:schemeClr val="bg1"/>
-                </a:solidFill>
-                <a:latin typeface="Consolas" pitchFamily="49" charset="0"/>
-                <a:ea typeface="Roboto" pitchFamily="2" charset="0"/>
-                <a:cs typeface="Consolas" pitchFamily="49" charset="0"/>
-              </a:rPr>
-              <a:t>,</a:t>
-            </a:r>
-            <a:r>
-              <a:rPr lang="en-US" sz="2000" b="1" dirty="0" smtClean="0">
-                <a:solidFill>
-                  <a:srgbClr val="00FF00"/>
-                </a:solidFill>
-                <a:latin typeface="Consolas" pitchFamily="49" charset="0"/>
-                <a:ea typeface="Roboto" pitchFamily="2" charset="0"/>
-                <a:cs typeface="Consolas" pitchFamily="49" charset="0"/>
-              </a:rPr>
-              <a:t>10</a:t>
-            </a:r>
-            <a:r>
-              <a:rPr lang="en-US" sz="2000" b="1" dirty="0" smtClean="0">
-                <a:solidFill>
-                  <a:schemeClr val="bg1"/>
-                </a:solidFill>
-                <a:latin typeface="Consolas" pitchFamily="49" charset="0"/>
-                <a:ea typeface="Roboto" pitchFamily="2" charset="0"/>
-                <a:cs typeface="Consolas" pitchFamily="49" charset="0"/>
-              </a:rPr>
-              <a:t>,</a:t>
-            </a:r>
-            <a:r>
-              <a:rPr lang="en-US" sz="2000" b="1" dirty="0" smtClean="0">
-                <a:solidFill>
-                  <a:srgbClr val="00FF00"/>
-                </a:solidFill>
-                <a:latin typeface="Consolas" pitchFamily="49" charset="0"/>
-                <a:ea typeface="Roboto" pitchFamily="2" charset="0"/>
-                <a:cs typeface="Consolas" pitchFamily="49" charset="0"/>
-              </a:rPr>
-              <a:t>60</a:t>
-            </a:r>
-            <a:r>
-              <a:rPr lang="en-US" sz="2000" b="1" dirty="0" smtClean="0">
-                <a:solidFill>
-                  <a:schemeClr val="bg1"/>
-                </a:solidFill>
-                <a:latin typeface="Consolas" pitchFamily="49" charset="0"/>
-                <a:ea typeface="Roboto" pitchFamily="2" charset="0"/>
-                <a:cs typeface="Consolas" pitchFamily="49" charset="0"/>
-              </a:rPr>
-              <a:t>,</a:t>
-            </a:r>
-            <a:r>
-              <a:rPr lang="en-US" sz="2000" b="1" dirty="0" smtClean="0">
-                <a:solidFill>
-                  <a:srgbClr val="00FF00"/>
-                </a:solidFill>
-                <a:latin typeface="Consolas" pitchFamily="49" charset="0"/>
-                <a:ea typeface="Roboto" pitchFamily="2" charset="0"/>
-                <a:cs typeface="Consolas" pitchFamily="49" charset="0"/>
-              </a:rPr>
-              <a:t>600</a:t>
-            </a:r>
-            <a:r>
-              <a:rPr lang="en-US" sz="2000" b="1" dirty="0" smtClean="0">
-                <a:solidFill>
-                  <a:schemeClr val="bg1"/>
-                </a:solidFill>
-                <a:latin typeface="Consolas" pitchFamily="49" charset="0"/>
-                <a:ea typeface="Roboto" pitchFamily="2" charset="0"/>
-                <a:cs typeface="Consolas" pitchFamily="49" charset="0"/>
-              </a:rPr>
-              <a:t>,</a:t>
-            </a:r>
-            <a:r>
-              <a:rPr lang="en-US" sz="2000" b="1" dirty="0" smtClean="0">
-                <a:solidFill>
-                  <a:srgbClr val="00FF00"/>
-                </a:solidFill>
-                <a:latin typeface="Consolas" pitchFamily="49" charset="0"/>
-                <a:ea typeface="Roboto" pitchFamily="2" charset="0"/>
-                <a:cs typeface="Consolas" pitchFamily="49" charset="0"/>
-              </a:rPr>
-              <a:t>3600</a:t>
-            </a:r>
-            <a:r>
-              <a:rPr lang="en-US" sz="2000" b="1" dirty="0" smtClean="0">
-                <a:solidFill>
-                  <a:schemeClr val="bg1"/>
-                </a:solidFill>
-                <a:latin typeface="Consolas" pitchFamily="49" charset="0"/>
-                <a:ea typeface="Roboto" pitchFamily="2" charset="0"/>
-                <a:cs typeface="Consolas" pitchFamily="49" charset="0"/>
-              </a:rPr>
-              <a:t>,</a:t>
-            </a:r>
-            <a:r>
-              <a:rPr lang="en-US" sz="2000" b="1" dirty="0" smtClean="0">
-                <a:solidFill>
-                  <a:srgbClr val="00FF00"/>
-                </a:solidFill>
-                <a:latin typeface="Consolas" pitchFamily="49" charset="0"/>
-                <a:ea typeface="Roboto" pitchFamily="2" charset="0"/>
-                <a:cs typeface="Consolas" pitchFamily="49" charset="0"/>
-              </a:rPr>
-              <a:t>36000</a:t>
-            </a:r>
-            <a:r>
-              <a:rPr lang="en-US" sz="2000" b="1" dirty="0" smtClean="0">
-                <a:solidFill>
-                  <a:schemeClr val="bg1"/>
-                </a:solidFill>
-                <a:latin typeface="Consolas" pitchFamily="49" charset="0"/>
-                <a:ea typeface="Roboto" pitchFamily="2" charset="0"/>
-                <a:cs typeface="Consolas" pitchFamily="49" charset="0"/>
-              </a:rPr>
-              <a:t> </a:t>
-            </a:r>
-            <a:r>
-              <a:rPr lang="en-US" sz="2000" b="1" dirty="0" smtClean="0">
-                <a:solidFill>
-                  <a:schemeClr val="bg1"/>
-                </a:solidFill>
-                <a:latin typeface="Consolas" pitchFamily="49" charset="0"/>
-                <a:ea typeface="Roboto" pitchFamily="2" charset="0"/>
-                <a:cs typeface="Consolas" pitchFamily="49" charset="0"/>
-              </a:rPr>
-              <a:t>};</a:t>
+                <a:latin typeface="Roboto" pitchFamily="2" charset="0"/>
+                <a:ea typeface="Roboto" pitchFamily="2" charset="0"/>
+              </a:rPr>
+              <a:t>Later</a:t>
+            </a:r>
+            <a:r>
+              <a:rPr lang="de-AT" sz="2800" dirty="0" smtClean="0">
+                <a:solidFill>
+                  <a:schemeClr val="tx1">
+                    <a:lumMod val="75000"/>
+                    <a:lumOff val="25000"/>
+                  </a:schemeClr>
+                </a:solidFill>
+                <a:latin typeface="Roboto" pitchFamily="2" charset="0"/>
+                <a:ea typeface="Roboto" pitchFamily="2" charset="0"/>
+              </a:rPr>
+              <a:t>(</a:t>
+            </a:r>
+            <a:r>
+              <a:rPr lang="de-AT" sz="2800" dirty="0" err="1" smtClean="0">
+                <a:solidFill>
+                  <a:schemeClr val="tx1">
+                    <a:lumMod val="75000"/>
+                    <a:lumOff val="25000"/>
+                  </a:schemeClr>
+                </a:solidFill>
+                <a:latin typeface="Roboto" pitchFamily="2" charset="0"/>
+                <a:ea typeface="Roboto" pitchFamily="2" charset="0"/>
+              </a:rPr>
+              <a:t>start</a:t>
+            </a:r>
+            <a:r>
+              <a:rPr lang="de-AT" sz="2800" dirty="0" smtClean="0">
+                <a:solidFill>
+                  <a:schemeClr val="tx1">
+                    <a:lumMod val="75000"/>
+                    <a:lumOff val="25000"/>
+                  </a:schemeClr>
+                </a:solidFill>
+                <a:latin typeface="Roboto" pitchFamily="2" charset="0"/>
+                <a:ea typeface="Roboto" pitchFamily="2" charset="0"/>
+              </a:rPr>
+              <a:t>); </a:t>
             </a:r>
             <a:br>
-              <a:rPr lang="en-US" sz="2000" b="1" dirty="0" smtClean="0">
-                <a:solidFill>
-                  <a:schemeClr val="bg1"/>
-                </a:solidFill>
-                <a:latin typeface="Consolas" pitchFamily="49" charset="0"/>
-                <a:ea typeface="Roboto" pitchFamily="2" charset="0"/>
-                <a:cs typeface="Consolas" pitchFamily="49" charset="0"/>
+              <a:rPr lang="de-AT" sz="2800" dirty="0" smtClean="0">
+                <a:solidFill>
+                  <a:schemeClr val="tx1">
+                    <a:lumMod val="75000"/>
+                    <a:lumOff val="25000"/>
+                  </a:schemeClr>
+                </a:solidFill>
+                <a:latin typeface="Roboto" pitchFamily="2" charset="0"/>
+                <a:ea typeface="Roboto" pitchFamily="2" charset="0"/>
               </a:rPr>
             </a:br>
             <a:r>
-              <a:rPr lang="en-US" sz="2000" b="1" dirty="0" smtClean="0">
-                <a:solidFill>
-                  <a:schemeClr val="bg1"/>
-                </a:solidFill>
-                <a:latin typeface="Consolas" pitchFamily="49" charset="0"/>
-                <a:ea typeface="Roboto" pitchFamily="2" charset="0"/>
-                <a:cs typeface="Consolas" pitchFamily="49" charset="0"/>
-              </a:rPr>
-              <a:t>	</a:t>
+              <a:rPr lang="de-AT" sz="2800" dirty="0" smtClean="0">
+                <a:solidFill>
+                  <a:schemeClr val="tx1">
+                    <a:lumMod val="75000"/>
+                    <a:lumOff val="25000"/>
+                  </a:schemeClr>
+                </a:solidFill>
+                <a:latin typeface="Roboto" pitchFamily="2" charset="0"/>
+                <a:ea typeface="Roboto" pitchFamily="2" charset="0"/>
+              </a:rPr>
+              <a:t/>
             </a:r>
             <a:br>
-              <a:rPr lang="en-US" sz="2000" b="1" dirty="0" smtClean="0">
-                <a:solidFill>
-                  <a:schemeClr val="bg1"/>
-                </a:solidFill>
-                <a:latin typeface="Consolas" pitchFamily="49" charset="0"/>
-                <a:ea typeface="Roboto" pitchFamily="2" charset="0"/>
-                <a:cs typeface="Consolas" pitchFamily="49" charset="0"/>
+              <a:rPr lang="de-AT" sz="2800" dirty="0" smtClean="0">
+                <a:solidFill>
+                  <a:schemeClr val="tx1">
+                    <a:lumMod val="75000"/>
+                    <a:lumOff val="25000"/>
+                  </a:schemeClr>
+                </a:solidFill>
+                <a:latin typeface="Roboto" pitchFamily="2" charset="0"/>
+                <a:ea typeface="Roboto" pitchFamily="2" charset="0"/>
               </a:rPr>
             </a:br>
-            <a:r>
-              <a:rPr lang="en-US" sz="2000" b="1" dirty="0" smtClean="0">
-                <a:solidFill>
-                  <a:schemeClr val="bg1"/>
-                </a:solidFill>
-                <a:latin typeface="Consolas" pitchFamily="49" charset="0"/>
-                <a:ea typeface="Roboto" pitchFamily="2" charset="0"/>
-                <a:cs typeface="Consolas" pitchFamily="49" charset="0"/>
-              </a:rPr>
-              <a:t>	</a:t>
-            </a:r>
-            <a:r>
-              <a:rPr lang="en-US" sz="2000" b="1" dirty="0" smtClean="0">
-                <a:latin typeface="Consolas" pitchFamily="49" charset="0"/>
-                <a:ea typeface="Roboto" pitchFamily="2" charset="0"/>
-                <a:cs typeface="Consolas" pitchFamily="49" charset="0"/>
-              </a:rPr>
-              <a:t>return</a:t>
-            </a:r>
-            <a:r>
-              <a:rPr lang="en-US" sz="2000" b="1" dirty="0" smtClean="0">
-                <a:solidFill>
-                  <a:schemeClr val="bg1"/>
-                </a:solidFill>
-                <a:latin typeface="Consolas" pitchFamily="49" charset="0"/>
-                <a:ea typeface="Roboto" pitchFamily="2" charset="0"/>
-                <a:cs typeface="Consolas" pitchFamily="49" charset="0"/>
-              </a:rPr>
-              <a:t> </a:t>
-            </a:r>
-            <a:r>
-              <a:rPr lang="en-US" sz="2000" b="1" dirty="0" smtClean="0">
-                <a:solidFill>
-                  <a:schemeClr val="bg1">
-                    <a:lumMod val="75000"/>
-                  </a:schemeClr>
-                </a:solidFill>
-                <a:latin typeface="Consolas" pitchFamily="49" charset="0"/>
-                <a:ea typeface="Roboto" pitchFamily="2" charset="0"/>
-                <a:cs typeface="Consolas" pitchFamily="49" charset="0"/>
-              </a:rPr>
-              <a:t>digits</a:t>
-            </a:r>
-            <a:br>
-              <a:rPr lang="en-US" sz="2000" b="1" dirty="0" smtClean="0">
-                <a:solidFill>
-                  <a:schemeClr val="bg1">
-                    <a:lumMod val="75000"/>
-                  </a:schemeClr>
-                </a:solidFill>
-                <a:latin typeface="Consolas" pitchFamily="49" charset="0"/>
-                <a:ea typeface="Roboto" pitchFamily="2" charset="0"/>
-                <a:cs typeface="Consolas" pitchFamily="49" charset="0"/>
-              </a:rPr>
-            </a:br>
-            <a:r>
-              <a:rPr lang="en-US" sz="2000" b="1" dirty="0" smtClean="0">
-                <a:solidFill>
-                  <a:schemeClr val="bg1">
-                    <a:lumMod val="75000"/>
-                  </a:schemeClr>
-                </a:solidFill>
-                <a:latin typeface="Consolas" pitchFamily="49" charset="0"/>
-                <a:ea typeface="Roboto" pitchFamily="2" charset="0"/>
-                <a:cs typeface="Consolas" pitchFamily="49" charset="0"/>
-              </a:rPr>
-              <a:t>	</a:t>
-            </a:r>
-            <a:r>
-              <a:rPr lang="en-US" sz="2000" b="1" dirty="0" smtClean="0">
-                <a:solidFill>
-                  <a:schemeClr val="bg1">
-                    <a:lumMod val="75000"/>
-                  </a:schemeClr>
-                </a:solidFill>
-                <a:latin typeface="Consolas" pitchFamily="49" charset="0"/>
-                <a:ea typeface="Roboto" pitchFamily="2" charset="0"/>
-                <a:cs typeface="Consolas" pitchFamily="49" charset="0"/>
-              </a:rPr>
-              <a:t>  .</a:t>
-            </a:r>
-            <a:r>
-              <a:rPr lang="en-US" sz="2000" b="1" dirty="0" smtClean="0">
-                <a:solidFill>
-                  <a:schemeClr val="bg1">
-                    <a:lumMod val="75000"/>
-                  </a:schemeClr>
-                </a:solidFill>
-                <a:latin typeface="Consolas" pitchFamily="49" charset="0"/>
-                <a:ea typeface="Roboto" pitchFamily="2" charset="0"/>
-                <a:cs typeface="Consolas" pitchFamily="49" charset="0"/>
-              </a:rPr>
-              <a:t>Reverse()</a:t>
-            </a:r>
-            <a:r>
-              <a:rPr lang="en-US" sz="2000" b="1" dirty="0" smtClean="0">
-                <a:solidFill>
-                  <a:schemeClr val="bg1"/>
-                </a:solidFill>
-                <a:latin typeface="Consolas" pitchFamily="49" charset="0"/>
-                <a:ea typeface="Roboto" pitchFamily="2" charset="0"/>
-                <a:cs typeface="Consolas" pitchFamily="49" charset="0"/>
-              </a:rPr>
-              <a:t/>
-            </a:r>
-            <a:br>
-              <a:rPr lang="en-US" sz="2000" b="1" dirty="0" smtClean="0">
-                <a:solidFill>
-                  <a:schemeClr val="bg1"/>
-                </a:solidFill>
-                <a:latin typeface="Consolas" pitchFamily="49" charset="0"/>
-                <a:ea typeface="Roboto" pitchFamily="2" charset="0"/>
-                <a:cs typeface="Consolas" pitchFamily="49" charset="0"/>
-              </a:rPr>
-            </a:br>
-            <a:r>
-              <a:rPr lang="en-US" sz="2000" b="1" dirty="0" smtClean="0">
-                <a:solidFill>
-                  <a:schemeClr val="bg1"/>
-                </a:solidFill>
-                <a:latin typeface="Consolas" pitchFamily="49" charset="0"/>
-                <a:ea typeface="Roboto" pitchFamily="2" charset="0"/>
-                <a:cs typeface="Consolas" pitchFamily="49" charset="0"/>
-              </a:rPr>
-              <a:t>	</a:t>
-            </a:r>
-            <a:r>
-              <a:rPr lang="en-US" sz="2000" b="1" dirty="0" smtClean="0">
-                <a:solidFill>
-                  <a:schemeClr val="bg1"/>
-                </a:solidFill>
-                <a:latin typeface="Consolas" pitchFamily="49" charset="0"/>
-                <a:ea typeface="Roboto" pitchFamily="2" charset="0"/>
-                <a:cs typeface="Consolas" pitchFamily="49" charset="0"/>
-              </a:rPr>
-              <a:t>  .</a:t>
-            </a:r>
-            <a:r>
-              <a:rPr lang="en-US" sz="3200" b="1" dirty="0" smtClean="0">
-                <a:solidFill>
-                  <a:srgbClr val="FF00FF"/>
-                </a:solidFill>
-                <a:latin typeface="Consolas" pitchFamily="49" charset="0"/>
-                <a:ea typeface="Roboto" pitchFamily="2" charset="0"/>
-                <a:cs typeface="Consolas" pitchFamily="49" charset="0"/>
-              </a:rPr>
-              <a:t>Zip</a:t>
-            </a:r>
-            <a:r>
-              <a:rPr lang="en-US" sz="2000" b="1" dirty="0" smtClean="0">
-                <a:solidFill>
-                  <a:schemeClr val="bg1">
-                    <a:lumMod val="75000"/>
-                  </a:schemeClr>
-                </a:solidFill>
-                <a:latin typeface="Consolas" pitchFamily="49" charset="0"/>
-                <a:ea typeface="Roboto" pitchFamily="2" charset="0"/>
-                <a:cs typeface="Consolas" pitchFamily="49" charset="0"/>
-              </a:rPr>
-              <a:t>(</a:t>
-            </a:r>
-            <a:r>
-              <a:rPr lang="en-US" sz="2000" b="1" dirty="0" err="1" smtClean="0">
-                <a:solidFill>
-                  <a:schemeClr val="bg1">
-                    <a:lumMod val="75000"/>
-                  </a:schemeClr>
-                </a:solidFill>
-                <a:latin typeface="Consolas" pitchFamily="49" charset="0"/>
-                <a:ea typeface="Roboto" pitchFamily="2" charset="0"/>
-                <a:cs typeface="Consolas" pitchFamily="49" charset="0"/>
-              </a:rPr>
-              <a:t>secondsPerUnit</a:t>
-            </a:r>
-            <a:r>
-              <a:rPr lang="en-US" sz="2000" b="1" dirty="0" smtClean="0">
-                <a:solidFill>
-                  <a:schemeClr val="bg1">
-                    <a:lumMod val="75000"/>
-                  </a:schemeClr>
-                </a:solidFill>
-                <a:latin typeface="Consolas" pitchFamily="49" charset="0"/>
-                <a:ea typeface="Roboto" pitchFamily="2" charset="0"/>
-                <a:cs typeface="Consolas" pitchFamily="49" charset="0"/>
-              </a:rPr>
-              <a:t>, (digit, unit) =&gt; </a:t>
-            </a:r>
-            <a:r>
-              <a:rPr lang="en-US" sz="2000" b="1" dirty="0" smtClean="0">
-                <a:solidFill>
-                  <a:schemeClr val="bg1">
-                    <a:lumMod val="75000"/>
-                  </a:schemeClr>
-                </a:solidFill>
-                <a:latin typeface="Consolas" pitchFamily="49" charset="0"/>
-                <a:ea typeface="Roboto" pitchFamily="2" charset="0"/>
-                <a:cs typeface="Consolas" pitchFamily="49" charset="0"/>
-              </a:rPr>
-              <a:t>digit * unit</a:t>
-            </a:r>
-            <a:r>
-              <a:rPr lang="en-US" sz="2000" b="1" dirty="0" smtClean="0">
-                <a:solidFill>
-                  <a:schemeClr val="bg1">
-                    <a:lumMod val="75000"/>
-                  </a:schemeClr>
-                </a:solidFill>
-                <a:latin typeface="Consolas" pitchFamily="49" charset="0"/>
-                <a:ea typeface="Roboto" pitchFamily="2" charset="0"/>
-                <a:cs typeface="Consolas" pitchFamily="49" charset="0"/>
-              </a:rPr>
-              <a:t>)</a:t>
-            </a:r>
-            <a:br>
-              <a:rPr lang="en-US" sz="2000" b="1" dirty="0" smtClean="0">
-                <a:solidFill>
-                  <a:schemeClr val="bg1">
-                    <a:lumMod val="75000"/>
-                  </a:schemeClr>
-                </a:solidFill>
-                <a:latin typeface="Consolas" pitchFamily="49" charset="0"/>
-                <a:ea typeface="Roboto" pitchFamily="2" charset="0"/>
-                <a:cs typeface="Consolas" pitchFamily="49" charset="0"/>
-              </a:rPr>
-            </a:br>
-            <a:r>
-              <a:rPr lang="en-US" sz="2000" b="1" dirty="0" smtClean="0">
-                <a:solidFill>
-                  <a:schemeClr val="bg1"/>
-                </a:solidFill>
-                <a:latin typeface="Consolas" pitchFamily="49" charset="0"/>
-                <a:ea typeface="Roboto" pitchFamily="2" charset="0"/>
-                <a:cs typeface="Consolas" pitchFamily="49" charset="0"/>
-              </a:rPr>
-              <a:t>	</a:t>
-            </a:r>
-            <a:r>
-              <a:rPr lang="en-US" sz="2000" b="1" dirty="0" smtClean="0">
-                <a:solidFill>
-                  <a:schemeClr val="bg1"/>
-                </a:solidFill>
-                <a:latin typeface="Consolas" pitchFamily="49" charset="0"/>
-                <a:ea typeface="Roboto" pitchFamily="2" charset="0"/>
-                <a:cs typeface="Consolas" pitchFamily="49" charset="0"/>
-              </a:rPr>
-              <a:t>  </a:t>
-            </a:r>
-            <a:r>
-              <a:rPr lang="en-US" sz="2000" b="1" dirty="0" smtClean="0">
-                <a:solidFill>
-                  <a:schemeClr val="bg1">
-                    <a:lumMod val="75000"/>
-                  </a:schemeClr>
-                </a:solidFill>
-                <a:latin typeface="Consolas" pitchFamily="49" charset="0"/>
-                <a:ea typeface="Roboto" pitchFamily="2" charset="0"/>
-                <a:cs typeface="Consolas" pitchFamily="49" charset="0"/>
-              </a:rPr>
-              <a:t>.</a:t>
-            </a:r>
-            <a:r>
-              <a:rPr lang="en-US" sz="2000" b="1" dirty="0" smtClean="0">
-                <a:solidFill>
-                  <a:schemeClr val="bg1">
-                    <a:lumMod val="75000"/>
-                  </a:schemeClr>
-                </a:solidFill>
-                <a:latin typeface="Consolas" pitchFamily="49" charset="0"/>
-                <a:ea typeface="Roboto" pitchFamily="2" charset="0"/>
-                <a:cs typeface="Consolas" pitchFamily="49" charset="0"/>
-              </a:rPr>
-              <a:t>Sum()</a:t>
-            </a:r>
-            <a:br>
-              <a:rPr lang="en-US" sz="2000" b="1" dirty="0" smtClean="0">
-                <a:solidFill>
-                  <a:schemeClr val="bg1">
-                    <a:lumMod val="75000"/>
-                  </a:schemeClr>
-                </a:solidFill>
-                <a:latin typeface="Consolas" pitchFamily="49" charset="0"/>
-                <a:ea typeface="Roboto" pitchFamily="2" charset="0"/>
-                <a:cs typeface="Consolas" pitchFamily="49" charset="0"/>
-              </a:rPr>
-            </a:br>
-            <a:r>
-              <a:rPr lang="en-US" sz="2000" b="1" dirty="0" smtClean="0">
-                <a:solidFill>
-                  <a:schemeClr val="bg1">
-                    <a:lumMod val="75000"/>
-                  </a:schemeClr>
-                </a:solidFill>
-                <a:latin typeface="Consolas" pitchFamily="49" charset="0"/>
-                <a:ea typeface="Roboto" pitchFamily="2" charset="0"/>
-                <a:cs typeface="Consolas" pitchFamily="49" charset="0"/>
-              </a:rPr>
-              <a:t>	</a:t>
-            </a:r>
-            <a:r>
-              <a:rPr lang="en-US" sz="2000" b="1" dirty="0" smtClean="0">
-                <a:solidFill>
-                  <a:schemeClr val="bg1">
-                    <a:lumMod val="75000"/>
-                  </a:schemeClr>
-                </a:solidFill>
-                <a:latin typeface="Consolas" pitchFamily="49" charset="0"/>
-                <a:ea typeface="Roboto" pitchFamily="2" charset="0"/>
-                <a:cs typeface="Consolas" pitchFamily="49" charset="0"/>
-              </a:rPr>
-              <a:t>  .</a:t>
-            </a:r>
-            <a:r>
-              <a:rPr lang="en-US" sz="2000" b="1" dirty="0" smtClean="0">
-                <a:solidFill>
-                  <a:schemeClr val="bg1">
-                    <a:lumMod val="75000"/>
-                  </a:schemeClr>
-                </a:solidFill>
-                <a:latin typeface="Consolas" pitchFamily="49" charset="0"/>
-                <a:ea typeface="Roboto" pitchFamily="2" charset="0"/>
-                <a:cs typeface="Consolas" pitchFamily="49" charset="0"/>
-              </a:rPr>
-              <a:t>Seconds</a:t>
-            </a:r>
-            <a:r>
-              <a:rPr lang="en-US" sz="2000" b="1" dirty="0" smtClean="0">
-                <a:solidFill>
-                  <a:schemeClr val="bg1">
-                    <a:lumMod val="75000"/>
-                  </a:schemeClr>
-                </a:solidFill>
-                <a:latin typeface="Consolas" pitchFamily="49" charset="0"/>
-                <a:ea typeface="Roboto" pitchFamily="2" charset="0"/>
-                <a:cs typeface="Consolas" pitchFamily="49" charset="0"/>
-              </a:rPr>
-              <a:t>(); </a:t>
-            </a:r>
-            <a:r>
-              <a:rPr lang="en-US" sz="2000" b="1" dirty="0" smtClean="0">
-                <a:solidFill>
-                  <a:schemeClr val="bg1"/>
-                </a:solidFill>
-                <a:latin typeface="Consolas" pitchFamily="49" charset="0"/>
-                <a:ea typeface="Roboto" pitchFamily="2" charset="0"/>
-                <a:cs typeface="Consolas" pitchFamily="49" charset="0"/>
-              </a:rPr>
-              <a:t/>
-            </a:r>
-            <a:br>
-              <a:rPr lang="en-US" sz="2000" b="1" dirty="0" smtClean="0">
-                <a:solidFill>
-                  <a:schemeClr val="bg1"/>
-                </a:solidFill>
-                <a:latin typeface="Consolas" pitchFamily="49" charset="0"/>
-                <a:ea typeface="Roboto" pitchFamily="2" charset="0"/>
-                <a:cs typeface="Consolas" pitchFamily="49" charset="0"/>
-              </a:rPr>
-            </a:br>
-            <a:r>
-              <a:rPr lang="en-US" sz="2000" b="1" dirty="0" smtClean="0">
-                <a:solidFill>
-                  <a:schemeClr val="bg1"/>
-                </a:solidFill>
-                <a:latin typeface="Consolas" pitchFamily="49" charset="0"/>
-                <a:ea typeface="Roboto" pitchFamily="2" charset="0"/>
-                <a:cs typeface="Consolas" pitchFamily="49" charset="0"/>
-              </a:rPr>
-              <a:t>}</a:t>
-            </a:r>
-            <a:br>
-              <a:rPr lang="en-US" sz="2000" b="1" dirty="0" smtClean="0">
-                <a:solidFill>
-                  <a:schemeClr val="bg1"/>
-                </a:solidFill>
-                <a:latin typeface="Consolas" pitchFamily="49" charset="0"/>
-                <a:ea typeface="Roboto" pitchFamily="2" charset="0"/>
-                <a:cs typeface="Consolas" pitchFamily="49" charset="0"/>
-              </a:rPr>
-            </a:br>
-            <a:endParaRPr lang="en-US" sz="2000" b="1" dirty="0">
+            <a:endParaRPr lang="en-US" sz="2800" dirty="0">
               <a:solidFill>
-                <a:schemeClr val="bg1"/>
+                <a:schemeClr val="tx1">
+                  <a:lumMod val="75000"/>
+                  <a:lumOff val="25000"/>
+                </a:schemeClr>
               </a:solidFill>
-              <a:latin typeface="Consolas" pitchFamily="49" charset="0"/>
+              <a:latin typeface="Roboto" pitchFamily="2" charset="0"/>
               <a:ea typeface="Roboto" pitchFamily="2" charset="0"/>
-              <a:cs typeface="Consolas" pitchFamily="49" charset="0"/>
             </a:endParaRPr>
           </a:p>
         </p:txBody>
       </p:sp>
     </p:spTree>
+    <p:extLst>
+      <p:ext uri="{BB962C8B-B14F-4D97-AF65-F5344CB8AC3E}">
+        <p14:creationId xmlns:p14="http://schemas.microsoft.com/office/powerpoint/2010/main" val="1980746484"/>
+      </p:ext>
+    </p:extLst>
   </p:cSld>
   <p:clrMapOvr>
     <a:masterClrMapping/>
@@ -22160,7 +22312,7 @@
       </p:grpSpPr>
       <p:sp>
         <p:nvSpPr>
-          <p:cNvPr id="2" name="Titel 1"/>
+          <p:cNvPr id="3" name="Titel 2"/>
           <p:cNvSpPr>
             <a:spLocks noGrp="1"/>
           </p:cNvSpPr>
@@ -22170,371 +22322,60 @@
         </p:nvSpPr>
         <p:spPr/>
         <p:txBody>
-          <a:bodyPr>
-            <a:normAutofit/>
-          </a:bodyPr>
-          <a:lstStyle/>
-          <a:p>
-            <a:r>
-              <a:rPr lang="de-AT" sz="2800" dirty="0" err="1" smtClean="0">
-                <a:latin typeface="Roboto" pitchFamily="2" charset="0"/>
-                <a:ea typeface="Roboto" pitchFamily="2" charset="0"/>
-              </a:rPr>
-              <a:t>var</a:t>
-            </a:r>
-            <a:r>
-              <a:rPr lang="de-AT" sz="2800" dirty="0" smtClean="0">
-                <a:solidFill>
-                  <a:schemeClr val="tx1">
-                    <a:lumMod val="75000"/>
-                    <a:lumOff val="25000"/>
-                  </a:schemeClr>
-                </a:solidFill>
-                <a:latin typeface="Roboto" pitchFamily="2" charset="0"/>
-                <a:ea typeface="Roboto" pitchFamily="2" charset="0"/>
-              </a:rPr>
-              <a:t> </a:t>
-            </a:r>
-            <a:r>
-              <a:rPr lang="de-AT" sz="2800" dirty="0" err="1" smtClean="0">
-                <a:solidFill>
-                  <a:schemeClr val="tx1">
-                    <a:lumMod val="75000"/>
-                    <a:lumOff val="25000"/>
-                  </a:schemeClr>
-                </a:solidFill>
-                <a:latin typeface="Roboto" pitchFamily="2" charset="0"/>
-                <a:ea typeface="Roboto" pitchFamily="2" charset="0"/>
-              </a:rPr>
-              <a:t>myParty</a:t>
-            </a:r>
-            <a:r>
-              <a:rPr lang="de-AT" sz="2800" dirty="0" smtClean="0">
-                <a:solidFill>
-                  <a:schemeClr val="tx1">
-                    <a:lumMod val="75000"/>
-                    <a:lumOff val="25000"/>
-                  </a:schemeClr>
-                </a:solidFill>
-                <a:latin typeface="Roboto" pitchFamily="2" charset="0"/>
-                <a:ea typeface="Roboto" pitchFamily="2" charset="0"/>
-              </a:rPr>
-              <a:t> </a:t>
-            </a:r>
-            <a:r>
-              <a:rPr lang="de-AT" sz="2800" dirty="0" smtClean="0">
-                <a:solidFill>
-                  <a:schemeClr val="tx1">
-                    <a:lumMod val="75000"/>
-                    <a:lumOff val="25000"/>
-                  </a:schemeClr>
-                </a:solidFill>
-                <a:latin typeface="Roboto" pitchFamily="2" charset="0"/>
-                <a:ea typeface="Roboto" pitchFamily="2" charset="0"/>
-              </a:rPr>
-              <a:t>= </a:t>
-            </a:r>
-            <a:r>
-              <a:rPr lang="de-AT" sz="2800" dirty="0" smtClean="0">
-                <a:latin typeface="Roboto" pitchFamily="2" charset="0"/>
-                <a:ea typeface="Roboto" pitchFamily="2" charset="0"/>
-              </a:rPr>
-              <a:t>14</a:t>
-            </a:r>
-            <a:r>
-              <a:rPr lang="de-AT" sz="2800" dirty="0" smtClean="0">
-                <a:solidFill>
-                  <a:schemeClr val="tx1">
-                    <a:lumMod val="75000"/>
-                    <a:lumOff val="25000"/>
-                  </a:schemeClr>
-                </a:solidFill>
-                <a:latin typeface="Roboto" pitchFamily="2" charset="0"/>
-                <a:ea typeface="Roboto" pitchFamily="2" charset="0"/>
-              </a:rPr>
-              <a:t>.April(</a:t>
-            </a:r>
-            <a:r>
-              <a:rPr lang="de-AT" sz="2800" dirty="0" smtClean="0">
-                <a:latin typeface="Roboto" pitchFamily="2" charset="0"/>
-                <a:ea typeface="Roboto" pitchFamily="2" charset="0"/>
-              </a:rPr>
-              <a:t>2012</a:t>
-            </a:r>
-            <a:r>
-              <a:rPr lang="de-AT" sz="2800" dirty="0" smtClean="0">
-                <a:solidFill>
-                  <a:schemeClr val="tx1">
-                    <a:lumMod val="75000"/>
-                    <a:lumOff val="25000"/>
-                  </a:schemeClr>
-                </a:solidFill>
-                <a:latin typeface="Roboto" pitchFamily="2" charset="0"/>
-                <a:ea typeface="Roboto" pitchFamily="2" charset="0"/>
-              </a:rPr>
-              <a:t>).At(</a:t>
-            </a:r>
-            <a:r>
-              <a:rPr lang="de-AT" sz="2800" dirty="0" smtClean="0">
-                <a:latin typeface="Roboto" pitchFamily="2" charset="0"/>
-                <a:ea typeface="Roboto" pitchFamily="2" charset="0"/>
-              </a:rPr>
-              <a:t>8</a:t>
-            </a:r>
-            <a:r>
-              <a:rPr lang="de-AT" sz="2800" dirty="0" smtClean="0">
-                <a:solidFill>
-                  <a:schemeClr val="tx1">
-                    <a:lumMod val="75000"/>
-                    <a:lumOff val="25000"/>
-                  </a:schemeClr>
-                </a:solidFill>
-                <a:latin typeface="Roboto" pitchFamily="2" charset="0"/>
-                <a:ea typeface="Roboto" pitchFamily="2" charset="0"/>
-              </a:rPr>
-              <a:t>.PM</a:t>
-            </a:r>
-            <a:r>
-              <a:rPr lang="de-AT" sz="2800" dirty="0" smtClean="0">
-                <a:solidFill>
-                  <a:schemeClr val="tx1">
-                    <a:lumMod val="75000"/>
-                    <a:lumOff val="25000"/>
-                  </a:schemeClr>
-                </a:solidFill>
-                <a:latin typeface="Roboto" pitchFamily="2" charset="0"/>
-                <a:ea typeface="Roboto" pitchFamily="2" charset="0"/>
-              </a:rPr>
-              <a:t>())</a:t>
-            </a:r>
-            <a:r>
-              <a:rPr lang="de-AT" sz="2800" dirty="0" smtClean="0">
-                <a:solidFill>
-                  <a:schemeClr val="tx1">
-                    <a:lumMod val="75000"/>
-                    <a:lumOff val="25000"/>
-                  </a:schemeClr>
-                </a:solidFill>
-                <a:latin typeface="Roboto" pitchFamily="2" charset="0"/>
-                <a:ea typeface="Roboto" pitchFamily="2" charset="0"/>
-              </a:rPr>
-              <a:t>;</a:t>
-            </a:r>
-            <a:br>
-              <a:rPr lang="de-AT" sz="2800" dirty="0" smtClean="0">
-                <a:solidFill>
-                  <a:schemeClr val="tx1">
-                    <a:lumMod val="75000"/>
-                    <a:lumOff val="25000"/>
-                  </a:schemeClr>
-                </a:solidFill>
-                <a:latin typeface="Roboto" pitchFamily="2" charset="0"/>
-                <a:ea typeface="Roboto" pitchFamily="2" charset="0"/>
-              </a:rPr>
-            </a:br>
-            <a:r>
-              <a:rPr lang="de-AT" sz="2800" dirty="0" smtClean="0">
-                <a:solidFill>
-                  <a:schemeClr val="tx1">
-                    <a:lumMod val="75000"/>
-                    <a:lumOff val="25000"/>
-                  </a:schemeClr>
-                </a:solidFill>
-                <a:latin typeface="Roboto" pitchFamily="2" charset="0"/>
-                <a:ea typeface="Roboto" pitchFamily="2" charset="0"/>
-              </a:rPr>
-              <a:t/>
-            </a:r>
-            <a:br>
-              <a:rPr lang="de-AT" sz="2800" dirty="0" smtClean="0">
-                <a:solidFill>
-                  <a:schemeClr val="tx1">
-                    <a:lumMod val="75000"/>
-                    <a:lumOff val="25000"/>
-                  </a:schemeClr>
-                </a:solidFill>
-                <a:latin typeface="Roboto" pitchFamily="2" charset="0"/>
-                <a:ea typeface="Roboto" pitchFamily="2" charset="0"/>
-              </a:rPr>
-            </a:br>
-            <a:r>
-              <a:rPr lang="de-AT" sz="2800" dirty="0" err="1" smtClean="0">
-                <a:latin typeface="Roboto" pitchFamily="2" charset="0"/>
-                <a:ea typeface="Roboto" pitchFamily="2" charset="0"/>
-              </a:rPr>
-              <a:t>var</a:t>
-            </a:r>
-            <a:r>
-              <a:rPr lang="de-AT" sz="2800" dirty="0" smtClean="0">
-                <a:solidFill>
-                  <a:schemeClr val="tx1">
-                    <a:lumMod val="75000"/>
-                    <a:lumOff val="25000"/>
-                  </a:schemeClr>
-                </a:solidFill>
-                <a:latin typeface="Roboto" pitchFamily="2" charset="0"/>
-                <a:ea typeface="Roboto" pitchFamily="2" charset="0"/>
-              </a:rPr>
-              <a:t> end </a:t>
-            </a:r>
-            <a:r>
-              <a:rPr lang="de-AT" sz="2800" dirty="0" smtClean="0">
-                <a:solidFill>
-                  <a:schemeClr val="tx1">
-                    <a:lumMod val="75000"/>
-                    <a:lumOff val="25000"/>
-                  </a:schemeClr>
-                </a:solidFill>
-                <a:latin typeface="Roboto" pitchFamily="2" charset="0"/>
-                <a:ea typeface="Roboto" pitchFamily="2" charset="0"/>
-              </a:rPr>
-              <a:t>= </a:t>
-            </a:r>
-            <a:r>
-              <a:rPr lang="de-AT" sz="2800" dirty="0" smtClean="0">
-                <a:latin typeface="Roboto" pitchFamily="2" charset="0"/>
-                <a:ea typeface="Roboto" pitchFamily="2" charset="0"/>
-              </a:rPr>
-              <a:t>8</a:t>
-            </a:r>
-            <a:r>
-              <a:rPr lang="de-AT" sz="2800" dirty="0" smtClean="0">
-                <a:solidFill>
-                  <a:schemeClr val="tx1">
-                    <a:lumMod val="75000"/>
-                    <a:lumOff val="25000"/>
-                  </a:schemeClr>
-                </a:solidFill>
-                <a:latin typeface="Roboto" pitchFamily="2" charset="0"/>
-                <a:ea typeface="Roboto" pitchFamily="2" charset="0"/>
-              </a:rPr>
-              <a:t>.Hours</a:t>
-            </a:r>
-            <a:r>
-              <a:rPr lang="de-AT" sz="2800" dirty="0" smtClean="0">
-                <a:solidFill>
-                  <a:schemeClr val="tx1">
-                    <a:lumMod val="75000"/>
-                    <a:lumOff val="25000"/>
-                  </a:schemeClr>
-                </a:solidFill>
-                <a:latin typeface="Roboto" pitchFamily="2" charset="0"/>
-                <a:ea typeface="Roboto" pitchFamily="2" charset="0"/>
-              </a:rPr>
-              <a:t>().</a:t>
-            </a:r>
-            <a:r>
-              <a:rPr lang="de-AT" sz="2800" dirty="0" err="1" smtClean="0">
-                <a:solidFill>
-                  <a:schemeClr val="tx1">
-                    <a:lumMod val="75000"/>
-                    <a:lumOff val="25000"/>
-                  </a:schemeClr>
-                </a:solidFill>
-                <a:latin typeface="Roboto" pitchFamily="2" charset="0"/>
-                <a:ea typeface="Roboto" pitchFamily="2" charset="0"/>
-              </a:rPr>
-              <a:t>Later</a:t>
-            </a:r>
-            <a:r>
-              <a:rPr lang="de-AT" sz="2800" dirty="0" smtClean="0">
-                <a:solidFill>
-                  <a:schemeClr val="tx1">
-                    <a:lumMod val="75000"/>
-                    <a:lumOff val="25000"/>
-                  </a:schemeClr>
-                </a:solidFill>
-                <a:latin typeface="Roboto" pitchFamily="2" charset="0"/>
-                <a:ea typeface="Roboto" pitchFamily="2" charset="0"/>
-              </a:rPr>
-              <a:t>(</a:t>
-            </a:r>
-            <a:r>
-              <a:rPr lang="de-AT" sz="2800" dirty="0" err="1" smtClean="0">
-                <a:solidFill>
-                  <a:schemeClr val="tx1">
-                    <a:lumMod val="75000"/>
-                    <a:lumOff val="25000"/>
-                  </a:schemeClr>
-                </a:solidFill>
-                <a:latin typeface="Roboto" pitchFamily="2" charset="0"/>
-                <a:ea typeface="Roboto" pitchFamily="2" charset="0"/>
-              </a:rPr>
-              <a:t>start</a:t>
-            </a:r>
-            <a:r>
-              <a:rPr lang="de-AT" sz="2800" dirty="0" smtClean="0">
-                <a:solidFill>
-                  <a:schemeClr val="tx1">
-                    <a:lumMod val="75000"/>
-                    <a:lumOff val="25000"/>
-                  </a:schemeClr>
-                </a:solidFill>
-                <a:latin typeface="Roboto" pitchFamily="2" charset="0"/>
-                <a:ea typeface="Roboto" pitchFamily="2" charset="0"/>
-              </a:rPr>
-              <a:t>); </a:t>
-            </a:r>
-            <a:r>
-              <a:rPr lang="de-AT" sz="2800" dirty="0" smtClean="0">
-                <a:solidFill>
-                  <a:schemeClr val="tx1">
-                    <a:lumMod val="75000"/>
-                    <a:lumOff val="25000"/>
-                  </a:schemeClr>
-                </a:solidFill>
-                <a:latin typeface="Roboto" pitchFamily="2" charset="0"/>
-                <a:ea typeface="Roboto" pitchFamily="2" charset="0"/>
-              </a:rPr>
-              <a:t/>
-            </a:r>
-            <a:br>
-              <a:rPr lang="de-AT" sz="2800" dirty="0" smtClean="0">
-                <a:solidFill>
-                  <a:schemeClr val="tx1">
-                    <a:lumMod val="75000"/>
-                    <a:lumOff val="25000"/>
-                  </a:schemeClr>
-                </a:solidFill>
-                <a:latin typeface="Roboto" pitchFamily="2" charset="0"/>
-                <a:ea typeface="Roboto" pitchFamily="2" charset="0"/>
-              </a:rPr>
-            </a:br>
-            <a:r>
-              <a:rPr lang="de-AT" sz="2800" dirty="0" smtClean="0">
-                <a:solidFill>
-                  <a:schemeClr val="tx1">
-                    <a:lumMod val="75000"/>
-                    <a:lumOff val="25000"/>
-                  </a:schemeClr>
-                </a:solidFill>
-                <a:latin typeface="Roboto" pitchFamily="2" charset="0"/>
-                <a:ea typeface="Roboto" pitchFamily="2" charset="0"/>
-              </a:rPr>
-              <a:t/>
-            </a:r>
-            <a:br>
-              <a:rPr lang="de-AT" sz="2800" dirty="0" smtClean="0">
-                <a:solidFill>
-                  <a:schemeClr val="tx1">
-                    <a:lumMod val="75000"/>
-                    <a:lumOff val="25000"/>
-                  </a:schemeClr>
-                </a:solidFill>
-                <a:latin typeface="Roboto" pitchFamily="2" charset="0"/>
-                <a:ea typeface="Roboto" pitchFamily="2" charset="0"/>
-              </a:rPr>
-            </a:br>
-            <a:endParaRPr lang="en-US" sz="2800" dirty="0">
-              <a:solidFill>
-                <a:schemeClr val="tx1">
-                  <a:lumMod val="75000"/>
-                  <a:lumOff val="25000"/>
-                </a:schemeClr>
-              </a:solidFill>
-              <a:latin typeface="Roboto" pitchFamily="2" charset="0"/>
-              <a:ea typeface="Roboto" pitchFamily="2" charset="0"/>
-            </a:endParaRPr>
+          <a:bodyPr/>
+          <a:lstStyle/>
+          <a:p>
+            <a:r>
+              <a:rPr lang="de-DE" sz="9600" dirty="0" smtClean="0"/>
+              <a:t>Sprachfertigkeit</a:t>
+            </a:r>
+            <a:endParaRPr lang="en-US" sz="9600" dirty="0"/>
+          </a:p>
+        </p:txBody>
+      </p:sp>
+      <p:sp>
+        <p:nvSpPr>
+          <p:cNvPr id="4" name="Textplatzhalter 3"/>
+          <p:cNvSpPr>
+            <a:spLocks noGrp="1"/>
+          </p:cNvSpPr>
+          <p:nvPr>
+            <p:ph type="body" sz="quarter" idx="10"/>
+          </p:nvPr>
+        </p:nvSpPr>
+        <p:spPr/>
+        <p:txBody>
+          <a:bodyPr/>
+          <a:lstStyle/>
+          <a:p>
+            <a:r>
+              <a:rPr lang="de-DE" dirty="0" smtClean="0"/>
+              <a:t>Eloquenz</a:t>
+            </a:r>
+            <a:endParaRPr lang="en-US" dirty="0"/>
+          </a:p>
+        </p:txBody>
+      </p:sp>
+      <p:sp>
+        <p:nvSpPr>
+          <p:cNvPr id="5" name="Textplatzhalter 4"/>
+          <p:cNvSpPr>
+            <a:spLocks noGrp="1"/>
+          </p:cNvSpPr>
+          <p:nvPr>
+            <p:ph type="body" sz="quarter" idx="11"/>
+          </p:nvPr>
+        </p:nvSpPr>
+        <p:spPr/>
+        <p:txBody>
+          <a:bodyPr/>
+          <a:lstStyle/>
+          <a:p>
+            <a:r>
+              <a:rPr lang="de-DE" dirty="0" smtClean="0"/>
+              <a:t>Eine Sprache richtig sprechen</a:t>
+            </a:r>
+            <a:endParaRPr lang="en-US" dirty="0"/>
           </a:p>
         </p:txBody>
       </p:sp>
@@ -22572,7 +22413,7 @@
       </p:grpSpPr>
       <p:sp>
         <p:nvSpPr>
-          <p:cNvPr id="3" name="Titel 2"/>
+          <p:cNvPr id="2" name="Titel 1"/>
           <p:cNvSpPr>
             <a:spLocks noGrp="1"/>
           </p:cNvSpPr>
@@ -22586,54 +22427,32 @@
           <a:lstStyle/>
           <a:p>
             <a:r>
-              <a:rPr lang="de-DE" sz="9600" dirty="0" smtClean="0"/>
-              <a:t>Sprachfertigkeit</a:t>
-            </a:r>
-            <a:endParaRPr lang="en-US" sz="9600" dirty="0"/>
-          </a:p>
-        </p:txBody>
-      </p:sp>
-      <p:sp>
-        <p:nvSpPr>
-          <p:cNvPr id="4" name="Textplatzhalter 3"/>
-          <p:cNvSpPr>
-            <a:spLocks noGrp="1"/>
-          </p:cNvSpPr>
-          <p:nvPr>
-            <p:ph type="body" sz="quarter" idx="10"/>
-          </p:nvPr>
-        </p:nvSpPr>
-        <p:spPr/>
-        <p:txBody>
-          <a:bodyPr/>
-          <a:lstStyle/>
-          <a:p>
-            <a:r>
               <a:rPr lang="de-DE" dirty="0" smtClean="0"/>
-              <a:t>Eloquenz</a:t>
-            </a:r>
-            <a:endParaRPr lang="en-US" dirty="0"/>
-          </a:p>
-        </p:txBody>
-      </p:sp>
-      <p:sp>
-        <p:nvSpPr>
-          <p:cNvPr id="5" name="Textplatzhalter 4"/>
-          <p:cNvSpPr>
-            <a:spLocks noGrp="1"/>
-          </p:cNvSpPr>
-          <p:nvPr>
-            <p:ph type="body" sz="quarter" idx="11"/>
-          </p:nvPr>
-        </p:nvSpPr>
-        <p:spPr/>
-        <p:txBody>
-          <a:bodyPr/>
-          <a:lstStyle/>
-          <a:p>
+              <a:t>Wenn du mir </a:t>
+            </a:r>
+            <a:r>
+              <a:rPr lang="de-DE" dirty="0" smtClean="0">
+                <a:solidFill>
+                  <a:srgbClr val="FF00FF"/>
+                </a:solidFill>
+              </a:rPr>
+              <a:t>erklären</a:t>
+            </a:r>
             <a:r>
               <a:rPr lang="de-DE" dirty="0" smtClean="0"/>
-              <a:t>Eine Sprache richtig sprechen</a:t>
+              <a:t> kannst, was da passiert, wieso </a:t>
+            </a:r>
+            <a:r>
+              <a:rPr lang="de-DE" dirty="0" smtClean="0">
+                <a:solidFill>
+                  <a:srgbClr val="FF00FF"/>
+                </a:solidFill>
+              </a:rPr>
+              <a:t>steht</a:t>
+            </a:r>
+            <a:r>
+              <a:rPr lang="de-DE" dirty="0" smtClean="0"/>
+              <a:t> das da dann nicht? </a:t>
             </a:r>
             <a:endParaRPr lang="en-US" dirty="0"/>
           </a:p>
@@ -22673,7 +22492,7 @@
       </p:grpSpPr>
       <p:sp>
         <p:nvSpPr>
-          <p:cNvPr id="2" name="Titel 1"/>
+          <p:cNvPr id="3" name="Titel 2"/>
           <p:cNvSpPr>
             <a:spLocks noGrp="1"/>
           </p:cNvSpPr>
@@ -22687,32 +22506,62 @@
           <a:lstStyle/>
           <a:p>
             <a:r>
+              <a:rPr lang="de-DE" dirty="0" smtClean="0">
+                <a:solidFill>
+                  <a:srgbClr val="00DB00"/>
+                </a:solidFill>
+              </a:rPr>
+              <a:t>Abstraktion</a:t>
+            </a:r>
+            <a:endParaRPr lang="en-US" dirty="0">
+              <a:solidFill>
+                <a:srgbClr val="00DB00"/>
+              </a:solidFill>
+            </a:endParaRPr>
+          </a:p>
+        </p:txBody>
+      </p:sp>
+      <p:sp>
+        <p:nvSpPr>
+          <p:cNvPr id="4" name="Textplatzhalter 3"/>
+          <p:cNvSpPr>
+            <a:spLocks noGrp="1"/>
+          </p:cNvSpPr>
+          <p:nvPr>
+            <p:ph type="body" sz="quarter" idx="10"/>
+          </p:nvPr>
+        </p:nvSpPr>
+        <p:spPr/>
+        <p:txBody>
+          <a:bodyPr/>
+          <a:lstStyle/>
+          <a:p>
+            <a:r>
               <a:rPr lang="de-DE" dirty="0" smtClean="0"/>
-              <a:t>Wenn du mir </a:t>
-            </a:r>
-            <a:r>
-              <a:rPr lang="de-DE" dirty="0" smtClean="0">
-                <a:solidFill>
-                  <a:srgbClr val="FF00FF"/>
-                </a:solidFill>
-              </a:rPr>
-              <a:t>erklären</a:t>
-            </a:r>
+              <a:t>Trennen von Einzelheiten</a:t>
+            </a:r>
+            <a:endParaRPr lang="en-US" dirty="0" smtClean="0"/>
+          </a:p>
+        </p:txBody>
+      </p:sp>
+      <p:sp>
+        <p:nvSpPr>
+          <p:cNvPr id="5" name="Textplatzhalter 4"/>
+          <p:cNvSpPr>
+            <a:spLocks noGrp="1"/>
+          </p:cNvSpPr>
+          <p:nvPr>
+            <p:ph type="body" sz="quarter" idx="11"/>
+          </p:nvPr>
+        </p:nvSpPr>
+        <p:spPr/>
+        <p:txBody>
+          <a:bodyPr/>
+          <a:lstStyle/>
+          <a:p>
             <a:r>
               <a:rPr lang="de-DE" dirty="0" smtClean="0"/>
-              <a:t> kannst, was da passiert, wieso </a:t>
-            </a:r>
-            <a:r>
-              <a:rPr lang="de-DE" dirty="0" smtClean="0">
-                <a:solidFill>
-                  <a:srgbClr val="FF00FF"/>
-                </a:solidFill>
-              </a:rPr>
-              <a:t>steht</a:t>
-            </a:r>
-            <a:r>
-              <a:rPr lang="de-DE" dirty="0" smtClean="0"/>
-              <a:t> das da dann nicht? </a:t>
+              <a:t>in Domäne und Maschine</a:t>
             </a:r>
             <a:endParaRPr lang="en-US" dirty="0"/>
           </a:p>
@@ -22752,7 +22601,7 @@
       </p:grpSpPr>
       <p:sp>
         <p:nvSpPr>
-          <p:cNvPr id="3" name="Titel 2"/>
+          <p:cNvPr id="2" name="Titel 1"/>
           <p:cNvSpPr>
             <a:spLocks noGrp="1"/>
           </p:cNvSpPr>
@@ -22770,60 +22619,47 @@
                 <a:solidFill>
                   <a:srgbClr val="00DB00"/>
                 </a:solidFill>
-              </a:rPr>
-              <a:t>Abstraktion</a:t>
+                <a:latin typeface="Roboto" pitchFamily="2" charset="0"/>
+                <a:ea typeface="Roboto" pitchFamily="2" charset="0"/>
+              </a:rPr>
+              <a:t>for int i</a:t>
+            </a:r>
+            <a:r>
+              <a:rPr lang="en-US" dirty="0" smtClean="0">
+                <a:solidFill>
+                  <a:srgbClr val="00DB00"/>
+                </a:solidFill>
+                <a:latin typeface="Roboto" pitchFamily="2" charset="0"/>
+                <a:ea typeface="Roboto" pitchFamily="2" charset="0"/>
+              </a:rPr>
+              <a:t>=0;</a:t>
+            </a:r>
+            <a:br>
+              <a:rPr lang="en-US" dirty="0" smtClean="0">
+                <a:solidFill>
+                  <a:srgbClr val="00DB00"/>
+                </a:solidFill>
+                <a:latin typeface="Roboto" pitchFamily="2" charset="0"/>
+                <a:ea typeface="Roboto" pitchFamily="2" charset="0"/>
+              </a:rPr>
+            </a:br>
+            <a:r>
+              <a:rPr lang="en-US" dirty="0" err="1" smtClean="0">
+                <a:solidFill>
+                  <a:srgbClr val="00DB00"/>
+                </a:solidFill>
+                <a:latin typeface="Roboto" pitchFamily="2" charset="0"/>
+                <a:ea typeface="Roboto" pitchFamily="2" charset="0"/>
+              </a:rPr>
+              <a:t>GetCustomer</a:t>
             </a:r>
             <a:endParaRPr lang="en-US" dirty="0">
               <a:solidFill>
                 <a:srgbClr val="00DB00"/>
               </a:solidFill>
+              <a:latin typeface="Roboto" pitchFamily="2" charset="0"/>
+              <a:ea typeface="Roboto" pitchFamily="2" charset="0"/>
             </a:endParaRPr>
-          </a:p>
-        </p:txBody>
-      </p:sp>
-      <p:sp>
-        <p:nvSpPr>
-          <p:cNvPr id="4" name="Textplatzhalter 3"/>
-          <p:cNvSpPr>
-            <a:spLocks noGrp="1"/>
-          </p:cNvSpPr>
-          <p:nvPr>
-            <p:ph type="body" sz="quarter" idx="10"/>
-          </p:nvPr>
-        </p:nvSpPr>
-        <p:spPr/>
-        <p:txBody>
-          <a:bodyPr/>
-          <a:lstStyle/>
-          <a:p>
-            <a:r>
-              <a:rPr lang="de-DE" dirty="0" smtClean="0"/>
-              <a:t>Trennen von Einzelheiten</a:t>
-            </a:r>
-            <a:endParaRPr lang="en-US" dirty="0" smtClean="0"/>
-          </a:p>
-        </p:txBody>
-      </p:sp>
-      <p:sp>
-        <p:nvSpPr>
-          <p:cNvPr id="5" name="Textplatzhalter 4"/>
-          <p:cNvSpPr>
-            <a:spLocks noGrp="1"/>
-          </p:cNvSpPr>
-          <p:nvPr>
-            <p:ph type="body" sz="quarter" idx="11"/>
-          </p:nvPr>
-        </p:nvSpPr>
-        <p:spPr/>
-        <p:txBody>
-          <a:bodyPr/>
-          <a:lstStyle/>
-          <a:p>
-            <a:r>
-              <a:rPr lang="de-DE" dirty="0" smtClean="0"/>
-              <a:t>in Domäne und Maschine</a:t>
-            </a:r>
-            <a:endParaRPr lang="en-US" dirty="0"/>
           </a:p>
         </p:txBody>
       </p:sp>
@@ -22861,7 +22697,7 @@
       </p:grpSpPr>
       <p:sp>
         <p:nvSpPr>
-          <p:cNvPr id="2" name="Titel 1"/>
+          <p:cNvPr id="3" name="Titel 2"/>
           <p:cNvSpPr>
             <a:spLocks noGrp="1"/>
           </p:cNvSpPr>
@@ -22875,51 +22711,64 @@
           <a:lstStyle/>
           <a:p>
             <a:r>
-              <a:rPr lang="de-DE" dirty="0" smtClean="0">
+              <a:rPr lang="de-DE" sz="8000" dirty="0" smtClean="0">
                 <a:solidFill>
                   <a:srgbClr val="00DB00"/>
                 </a:solidFill>
-                <a:latin typeface="Roboto" pitchFamily="2" charset="0"/>
-                <a:ea typeface="Roboto" pitchFamily="2" charset="0"/>
-              </a:rPr>
-              <a:t>for int i</a:t>
-            </a:r>
-            <a:r>
-              <a:rPr lang="en-US" dirty="0" smtClean="0">
-                <a:solidFill>
-                  <a:srgbClr val="00DB00"/>
-                </a:solidFill>
-                <a:latin typeface="Roboto" pitchFamily="2" charset="0"/>
-                <a:ea typeface="Roboto" pitchFamily="2" charset="0"/>
-              </a:rPr>
-              <a:t>=0;</a:t>
-            </a:r>
-            <a:br>
-              <a:rPr lang="en-US" dirty="0" smtClean="0">
-                <a:solidFill>
-                  <a:srgbClr val="00DB00"/>
-                </a:solidFill>
-                <a:latin typeface="Roboto" pitchFamily="2" charset="0"/>
-                <a:ea typeface="Roboto" pitchFamily="2" charset="0"/>
-              </a:rPr>
-            </a:br>
-            <a:r>
-              <a:rPr lang="en-US" dirty="0" err="1" smtClean="0">
-                <a:solidFill>
-                  <a:srgbClr val="00DB00"/>
-                </a:solidFill>
-                <a:latin typeface="Roboto" pitchFamily="2" charset="0"/>
-                <a:ea typeface="Roboto" pitchFamily="2" charset="0"/>
-              </a:rPr>
-              <a:t>GetCustomer</a:t>
-            </a:r>
-            <a:endParaRPr lang="en-US" dirty="0">
+              </a:rPr>
+              <a:t>Binäre Abhängigkeit</a:t>
+            </a:r>
+            <a:endParaRPr lang="en-US" sz="8000" dirty="0">
               <a:solidFill>
                 <a:srgbClr val="00DB00"/>
               </a:solidFill>
-              <a:latin typeface="Roboto" pitchFamily="2" charset="0"/>
-              <a:ea typeface="Roboto" pitchFamily="2" charset="0"/>
             </a:endParaRPr>
+          </a:p>
+        </p:txBody>
+      </p:sp>
+      <p:sp>
+        <p:nvSpPr>
+          <p:cNvPr id="4" name="Textplatzhalter 3"/>
+          <p:cNvSpPr>
+            <a:spLocks noGrp="1"/>
+          </p:cNvSpPr>
+          <p:nvPr>
+            <p:ph type="body" sz="quarter" idx="10"/>
+          </p:nvPr>
+        </p:nvSpPr>
+        <p:spPr/>
+        <p:txBody>
+          <a:bodyPr/>
+          <a:lstStyle/>
+          <a:p>
+            <a:r>
+              <a:rPr lang="de-DE" dirty="0" smtClean="0"/>
+              <a:t>x = 1 + 2</a:t>
+            </a:r>
+            <a:endParaRPr lang="en-US" dirty="0"/>
+          </a:p>
+        </p:txBody>
+      </p:sp>
+      <p:sp>
+        <p:nvSpPr>
+          <p:cNvPr id="5" name="Textplatzhalter 4"/>
+          <p:cNvSpPr>
+            <a:spLocks noGrp="1"/>
+          </p:cNvSpPr>
+          <p:nvPr>
+            <p:ph type="body" sz="quarter" idx="11"/>
+          </p:nvPr>
+        </p:nvSpPr>
+        <p:spPr/>
+        <p:txBody>
+          <a:bodyPr/>
+          <a:lstStyle/>
+          <a:p>
+            <a:r>
+              <a:rPr lang="de-DE" dirty="0" smtClean="0"/>
+              <a:t>Meist reicht das.</a:t>
+            </a:r>
+            <a:endParaRPr lang="en-US" dirty="0"/>
           </a:p>
         </p:txBody>
       </p:sp>
@@ -22957,82 +22806,638 @@
       </p:grpSpPr>
       <p:sp>
         <p:nvSpPr>
-          <p:cNvPr id="3" name="Titel 2"/>
-          <p:cNvSpPr>
-            <a:spLocks noGrp="1"/>
-          </p:cNvSpPr>
-          <p:nvPr>
-            <p:ph type="title"/>
-          </p:nvPr>
-        </p:nvSpPr>
-        <p:spPr/>
-        <p:txBody>
-          <a:bodyPr/>
-          <a:lstStyle/>
-          <a:p>
-            <a:r>
-              <a:rPr lang="de-DE" sz="8000" dirty="0" smtClean="0">
-                <a:solidFill>
-                  <a:srgbClr val="00DB00"/>
-                </a:solidFill>
-              </a:rPr>
-              <a:t>Binäre Abhängigkeit</a:t>
-            </a:r>
-            <a:endParaRPr lang="en-US" sz="8000" dirty="0">
+          <p:cNvPr id="25" name="Pfeil nach rechts 24"/>
+          <p:cNvSpPr/>
+          <p:nvPr/>
+        </p:nvSpPr>
+        <p:spPr>
+          <a:xfrm>
+            <a:off x="323528" y="4437112"/>
+            <a:ext cx="8568952" cy="2304256"/>
+          </a:xfrm>
+          <a:prstGeom prst="rightArrow">
+            <a:avLst/>
+          </a:prstGeom>
+          <a:solidFill>
+            <a:srgbClr val="00B7FF"/>
+          </a:solidFill>
+          <a:ln>
+            <a:noFill/>
+          </a:ln>
+        </p:spPr>
+        <p:style>
+          <a:lnRef idx="2">
+            <a:schemeClr val="accent1">
+              <a:shade val="50000"/>
+            </a:schemeClr>
+          </a:lnRef>
+          <a:fillRef idx="1">
+            <a:schemeClr val="accent1"/>
+          </a:fillRef>
+          <a:effectRef idx="0">
+            <a:schemeClr val="accent1"/>
+          </a:effectRef>
+          <a:fontRef idx="minor">
+            <a:schemeClr val="lt1"/>
+          </a:fontRef>
+        </p:style>
+        <p:txBody>
+          <a:bodyPr rtlCol="0" anchor="ctr"/>
+          <a:lstStyle/>
+          <a:p>
+            <a:pPr algn="ctr"/>
+            <a:endParaRPr lang="en-US"/>
+          </a:p>
+        </p:txBody>
+      </p:sp>
+      <p:cxnSp>
+        <p:nvCxnSpPr>
+          <p:cNvPr id="34" name="Form 33"/>
+          <p:cNvCxnSpPr>
+            <a:stCxn id="26" idx="7"/>
+            <a:endCxn id="30" idx="1"/>
+          </p:cNvCxnSpPr>
+          <p:nvPr/>
+        </p:nvCxnSpPr>
+        <p:spPr>
+          <a:xfrm rot="5400000" flipH="1" flipV="1">
+            <a:off x="146067" y="3789041"/>
+            <a:ext cx="2625733" cy="465493"/>
+          </a:xfrm>
+          <a:prstGeom prst="bentConnector2">
+            <a:avLst/>
+          </a:prstGeom>
+          <a:ln w="76200">
+            <a:solidFill>
+              <a:srgbClr val="00DB00"/>
+            </a:solidFill>
+            <a:tailEnd type="stealth" w="lg" len="lg"/>
+          </a:ln>
+        </p:spPr>
+        <p:style>
+          <a:lnRef idx="1">
+            <a:schemeClr val="accent1"/>
+          </a:lnRef>
+          <a:fillRef idx="0">
+            <a:schemeClr val="accent1"/>
+          </a:fillRef>
+          <a:effectRef idx="0">
+            <a:schemeClr val="accent1"/>
+          </a:effectRef>
+          <a:fontRef idx="minor">
+            <a:schemeClr val="tx1"/>
+          </a:fontRef>
+        </p:style>
+      </p:cxnSp>
+      <p:cxnSp>
+        <p:nvCxnSpPr>
+          <p:cNvPr id="36" name="Form 35"/>
+          <p:cNvCxnSpPr>
+            <a:stCxn id="30" idx="3"/>
+            <a:endCxn id="28" idx="1"/>
+          </p:cNvCxnSpPr>
+          <p:nvPr/>
+        </p:nvCxnSpPr>
+        <p:spPr>
+          <a:xfrm>
+            <a:off x="3131840" y="2708920"/>
+            <a:ext cx="465493" cy="2625733"/>
+          </a:xfrm>
+          <a:prstGeom prst="bentConnector2">
+            <a:avLst/>
+          </a:prstGeom>
+          <a:ln w="76200">
+            <a:solidFill>
+              <a:srgbClr val="00DB00"/>
+            </a:solidFill>
+            <a:tailEnd type="stealth" w="lg" len="lg"/>
+          </a:ln>
+        </p:spPr>
+        <p:style>
+          <a:lnRef idx="1">
+            <a:schemeClr val="accent1"/>
+          </a:lnRef>
+          <a:fillRef idx="0">
+            <a:schemeClr val="accent1"/>
+          </a:fillRef>
+          <a:effectRef idx="0">
+            <a:schemeClr val="accent1"/>
+          </a:effectRef>
+          <a:fontRef idx="minor">
+            <a:schemeClr val="tx1"/>
+          </a:fontRef>
+        </p:style>
+      </p:cxnSp>
+      <p:cxnSp>
+        <p:nvCxnSpPr>
+          <p:cNvPr id="40" name="Form 39"/>
+          <p:cNvCxnSpPr>
+            <a:stCxn id="28" idx="7"/>
+            <a:endCxn id="31" idx="1"/>
+          </p:cNvCxnSpPr>
+          <p:nvPr/>
+        </p:nvCxnSpPr>
+        <p:spPr>
+          <a:xfrm rot="5400000" flipH="1" flipV="1">
+            <a:off x="3026387" y="3789041"/>
+            <a:ext cx="2625733" cy="465493"/>
+          </a:xfrm>
+          <a:prstGeom prst="bentConnector2">
+            <a:avLst/>
+          </a:prstGeom>
+          <a:ln w="76200">
+            <a:solidFill>
+              <a:srgbClr val="FF7400"/>
+            </a:solidFill>
+            <a:tailEnd type="stealth" w="lg" len="lg"/>
+          </a:ln>
+        </p:spPr>
+        <p:style>
+          <a:lnRef idx="1">
+            <a:schemeClr val="accent1"/>
+          </a:lnRef>
+          <a:fillRef idx="0">
+            <a:schemeClr val="accent1"/>
+          </a:fillRef>
+          <a:effectRef idx="0">
+            <a:schemeClr val="accent1"/>
+          </a:effectRef>
+          <a:fontRef idx="minor">
+            <a:schemeClr val="tx1"/>
+          </a:fontRef>
+        </p:style>
+      </p:cxnSp>
+      <p:cxnSp>
+        <p:nvCxnSpPr>
+          <p:cNvPr id="42" name="Form 41"/>
+          <p:cNvCxnSpPr>
+            <a:stCxn id="31" idx="3"/>
+            <a:endCxn id="29" idx="1"/>
+          </p:cNvCxnSpPr>
+          <p:nvPr/>
+        </p:nvCxnSpPr>
+        <p:spPr>
+          <a:xfrm>
+            <a:off x="6012160" y="2708920"/>
+            <a:ext cx="465493" cy="2625733"/>
+          </a:xfrm>
+          <a:prstGeom prst="bentConnector2">
+            <a:avLst/>
+          </a:prstGeom>
+          <a:ln w="76200">
+            <a:solidFill>
+              <a:srgbClr val="FF7400"/>
+            </a:solidFill>
+            <a:tailEnd type="stealth" w="lg" len="lg"/>
+          </a:ln>
+        </p:spPr>
+        <p:style>
+          <a:lnRef idx="1">
+            <a:schemeClr val="accent1"/>
+          </a:lnRef>
+          <a:fillRef idx="0">
+            <a:schemeClr val="accent1"/>
+          </a:fillRef>
+          <a:effectRef idx="0">
+            <a:schemeClr val="accent1"/>
+          </a:effectRef>
+          <a:fontRef idx="minor">
+            <a:schemeClr val="tx1"/>
+          </a:fontRef>
+        </p:style>
+      </p:cxnSp>
+      <p:sp>
+        <p:nvSpPr>
+          <p:cNvPr id="26" name="Ellipse 25"/>
+          <p:cNvSpPr/>
+          <p:nvPr/>
+        </p:nvSpPr>
+        <p:spPr>
+          <a:xfrm>
+            <a:off x="611560" y="5229200"/>
+            <a:ext cx="720080" cy="720080"/>
+          </a:xfrm>
+          <a:prstGeom prst="ellipse">
+            <a:avLst/>
+          </a:prstGeom>
+          <a:solidFill>
+            <a:srgbClr val="FF00FF"/>
+          </a:solidFill>
+          <a:ln>
+            <a:noFill/>
+          </a:ln>
+        </p:spPr>
+        <p:style>
+          <a:lnRef idx="2">
+            <a:schemeClr val="accent1">
+              <a:shade val="50000"/>
+            </a:schemeClr>
+          </a:lnRef>
+          <a:fillRef idx="1">
+            <a:schemeClr val="accent1"/>
+          </a:fillRef>
+          <a:effectRef idx="0">
+            <a:schemeClr val="accent1"/>
+          </a:effectRef>
+          <a:fontRef idx="minor">
+            <a:schemeClr val="lt1"/>
+          </a:fontRef>
+        </p:style>
+        <p:txBody>
+          <a:bodyPr rtlCol="0" anchor="ctr"/>
+          <a:lstStyle/>
+          <a:p>
+            <a:pPr algn="ctr"/>
+            <a:endParaRPr lang="en-US"/>
+          </a:p>
+        </p:txBody>
+      </p:sp>
+      <p:sp>
+        <p:nvSpPr>
+          <p:cNvPr id="28" name="Ellipse 27"/>
+          <p:cNvSpPr/>
+          <p:nvPr/>
+        </p:nvSpPr>
+        <p:spPr>
+          <a:xfrm>
+            <a:off x="3491880" y="5229200"/>
+            <a:ext cx="720080" cy="720080"/>
+          </a:xfrm>
+          <a:prstGeom prst="ellipse">
+            <a:avLst/>
+          </a:prstGeom>
+          <a:solidFill>
+            <a:srgbClr val="FF00FF"/>
+          </a:solidFill>
+          <a:ln>
+            <a:noFill/>
+          </a:ln>
+        </p:spPr>
+        <p:style>
+          <a:lnRef idx="2">
+            <a:schemeClr val="accent1">
+              <a:shade val="50000"/>
+            </a:schemeClr>
+          </a:lnRef>
+          <a:fillRef idx="1">
+            <a:schemeClr val="accent1"/>
+          </a:fillRef>
+          <a:effectRef idx="0">
+            <a:schemeClr val="accent1"/>
+          </a:effectRef>
+          <a:fontRef idx="minor">
+            <a:schemeClr val="lt1"/>
+          </a:fontRef>
+        </p:style>
+        <p:txBody>
+          <a:bodyPr rtlCol="0" anchor="ctr"/>
+          <a:lstStyle/>
+          <a:p>
+            <a:pPr algn="ctr"/>
+            <a:endParaRPr lang="en-US"/>
+          </a:p>
+        </p:txBody>
+      </p:sp>
+      <p:sp>
+        <p:nvSpPr>
+          <p:cNvPr id="29" name="Ellipse 28"/>
+          <p:cNvSpPr/>
+          <p:nvPr/>
+        </p:nvSpPr>
+        <p:spPr>
+          <a:xfrm>
+            <a:off x="6372200" y="5229200"/>
+            <a:ext cx="720080" cy="720080"/>
+          </a:xfrm>
+          <a:prstGeom prst="ellipse">
+            <a:avLst/>
+          </a:prstGeom>
+          <a:solidFill>
+            <a:srgbClr val="FF00FF"/>
+          </a:solidFill>
+          <a:ln>
+            <a:noFill/>
+          </a:ln>
+        </p:spPr>
+        <p:style>
+          <a:lnRef idx="2">
+            <a:schemeClr val="accent1">
+              <a:shade val="50000"/>
+            </a:schemeClr>
+          </a:lnRef>
+          <a:fillRef idx="1">
+            <a:schemeClr val="accent1"/>
+          </a:fillRef>
+          <a:effectRef idx="0">
+            <a:schemeClr val="accent1"/>
+          </a:effectRef>
+          <a:fontRef idx="minor">
+            <a:schemeClr val="lt1"/>
+          </a:fontRef>
+        </p:style>
+        <p:txBody>
+          <a:bodyPr rtlCol="0" anchor="ctr"/>
+          <a:lstStyle/>
+          <a:p>
+            <a:pPr algn="ctr"/>
+            <a:endParaRPr lang="en-US"/>
+          </a:p>
+        </p:txBody>
+      </p:sp>
+      <p:sp>
+        <p:nvSpPr>
+          <p:cNvPr id="30" name="Rechteck 29"/>
+          <p:cNvSpPr/>
+          <p:nvPr/>
+        </p:nvSpPr>
+        <p:spPr>
+          <a:xfrm>
+            <a:off x="1691680" y="1988840"/>
+            <a:ext cx="1440160" cy="1440160"/>
+          </a:xfrm>
+          <a:prstGeom prst="rect">
+            <a:avLst/>
+          </a:prstGeom>
+          <a:solidFill>
+            <a:srgbClr val="00DB00"/>
+          </a:solidFill>
+          <a:ln>
+            <a:noFill/>
+          </a:ln>
+        </p:spPr>
+        <p:style>
+          <a:lnRef idx="2">
+            <a:schemeClr val="accent1">
+              <a:shade val="50000"/>
+            </a:schemeClr>
+          </a:lnRef>
+          <a:fillRef idx="1">
+            <a:schemeClr val="accent1"/>
+          </a:fillRef>
+          <a:effectRef idx="0">
+            <a:schemeClr val="accent1"/>
+          </a:effectRef>
+          <a:fontRef idx="minor">
+            <a:schemeClr val="lt1"/>
+          </a:fontRef>
+        </p:style>
+        <p:txBody>
+          <a:bodyPr rtlCol="0" anchor="ctr"/>
+          <a:lstStyle/>
+          <a:p>
+            <a:pPr algn="ctr"/>
+            <a:endParaRPr lang="en-US"/>
+          </a:p>
+        </p:txBody>
+      </p:sp>
+      <p:sp>
+        <p:nvSpPr>
+          <p:cNvPr id="31" name="Rechteck 30"/>
+          <p:cNvSpPr/>
+          <p:nvPr/>
+        </p:nvSpPr>
+        <p:spPr>
+          <a:xfrm>
+            <a:off x="4572000" y="1988840"/>
+            <a:ext cx="1440160" cy="1440160"/>
+          </a:xfrm>
+          <a:prstGeom prst="rect">
+            <a:avLst/>
+          </a:prstGeom>
+          <a:solidFill>
+            <a:srgbClr val="FF7400"/>
+          </a:solidFill>
+          <a:ln>
+            <a:noFill/>
+          </a:ln>
+        </p:spPr>
+        <p:style>
+          <a:lnRef idx="2">
+            <a:schemeClr val="accent1">
+              <a:shade val="50000"/>
+            </a:schemeClr>
+          </a:lnRef>
+          <a:fillRef idx="1">
+            <a:schemeClr val="accent1"/>
+          </a:fillRef>
+          <a:effectRef idx="0">
+            <a:schemeClr val="accent1"/>
+          </a:effectRef>
+          <a:fontRef idx="minor">
+            <a:schemeClr val="lt1"/>
+          </a:fontRef>
+        </p:style>
+        <p:txBody>
+          <a:bodyPr rtlCol="0" anchor="ctr"/>
+          <a:lstStyle/>
+          <a:p>
+            <a:pPr algn="ctr"/>
+            <a:endParaRPr lang="en-US"/>
+          </a:p>
+        </p:txBody>
+      </p:sp>
+      <p:sp>
+        <p:nvSpPr>
+          <p:cNvPr id="43" name="Textfeld 42"/>
+          <p:cNvSpPr txBox="1"/>
+          <p:nvPr/>
+        </p:nvSpPr>
+        <p:spPr>
+          <a:xfrm>
+            <a:off x="1403648" y="4941168"/>
+            <a:ext cx="2088232" cy="1354217"/>
+          </a:xfrm>
+          <a:prstGeom prst="rect">
+            <a:avLst/>
+          </a:prstGeom>
+          <a:ln>
+            <a:noFill/>
+          </a:ln>
+        </p:spPr>
+        <p:txBody>
+          <a:bodyPr wrap="square" lIns="0" tIns="0" rIns="0" bIns="0" rtlCol="0" anchor="b" anchorCtr="1">
+            <a:spAutoFit/>
+          </a:bodyPr>
+          <a:lstStyle/>
+          <a:p>
+            <a:pPr marL="0" marR="0" indent="0" algn="ctr" defTabSz="914400" rtl="0" eaLnBrk="1" fontAlgn="auto" latinLnBrk="0" hangingPunct="1">
+              <a:lnSpc>
+                <a:spcPct val="100000"/>
+              </a:lnSpc>
+              <a:spcBef>
+                <a:spcPct val="20000"/>
+              </a:spcBef>
+              <a:spcAft>
+                <a:spcPts val="0"/>
+              </a:spcAft>
+              <a:buClrTx/>
+              <a:buSzTx/>
+              <a:buFont typeface="Arial" pitchFamily="34" charset="0"/>
+              <a:buNone/>
+              <a:tabLst/>
+            </a:pPr>
+            <a:r>
+              <a:rPr kumimoji="0" lang="en-US" sz="8800" b="0" i="0" u="none" strike="noStrike" kern="1200" cap="none" spc="0" normalizeH="0" baseline="0" noProof="0" dirty="0" smtClean="0">
+                <a:ln w="19050">
+                  <a:noFill/>
+                </a:ln>
+                <a:solidFill>
+                  <a:schemeClr val="bg1"/>
+                </a:solidFill>
+                <a:uLnTx/>
+                <a:uFillTx/>
+                <a:latin typeface="Bebas Neue" pitchFamily="34" charset="0"/>
+              </a:rPr>
+              <a:t>DATA</a:t>
+            </a:r>
+          </a:p>
+        </p:txBody>
+      </p:sp>
+      <p:sp>
+        <p:nvSpPr>
+          <p:cNvPr id="44" name="Textfeld 43"/>
+          <p:cNvSpPr txBox="1"/>
+          <p:nvPr/>
+        </p:nvSpPr>
+        <p:spPr>
+          <a:xfrm>
+            <a:off x="1259632" y="4005064"/>
+            <a:ext cx="2304256" cy="553998"/>
+          </a:xfrm>
+          <a:prstGeom prst="rect">
+            <a:avLst/>
+          </a:prstGeom>
+          <a:ln>
+            <a:noFill/>
+          </a:ln>
+        </p:spPr>
+        <p:txBody>
+          <a:bodyPr wrap="square" lIns="0" tIns="0" rIns="0" bIns="0" rtlCol="0" anchor="b" anchorCtr="1">
+            <a:spAutoFit/>
+          </a:bodyPr>
+          <a:lstStyle/>
+          <a:p>
+            <a:pPr marL="0" marR="0" indent="0" algn="ctr" defTabSz="914400" rtl="0" eaLnBrk="1" fontAlgn="auto" latinLnBrk="0" hangingPunct="1">
+              <a:lnSpc>
+                <a:spcPct val="100000"/>
+              </a:lnSpc>
+              <a:spcBef>
+                <a:spcPct val="20000"/>
+              </a:spcBef>
+              <a:spcAft>
+                <a:spcPts val="0"/>
+              </a:spcAft>
+              <a:buClrTx/>
+              <a:buSzTx/>
+              <a:buFont typeface="Arial" pitchFamily="34" charset="0"/>
+              <a:buNone/>
+              <a:tabLst/>
+            </a:pPr>
+            <a:r>
+              <a:rPr kumimoji="0" lang="en-US" sz="3600" b="0" i="0" u="none" strike="noStrike" kern="1200" cap="none" spc="0" normalizeH="0" baseline="0" noProof="0" dirty="0" smtClean="0">
+                <a:ln w="19050">
+                  <a:noFill/>
+                </a:ln>
+                <a:solidFill>
+                  <a:srgbClr val="00B7FF"/>
+                </a:solidFill>
+                <a:uLnTx/>
+                <a:uFillTx/>
+                <a:latin typeface="Bebas Neue" pitchFamily="34" charset="0"/>
+              </a:rPr>
+              <a:t>Interactions</a:t>
+            </a:r>
+          </a:p>
+        </p:txBody>
+      </p:sp>
+      <p:sp>
+        <p:nvSpPr>
+          <p:cNvPr id="45" name="Textfeld 44"/>
+          <p:cNvSpPr txBox="1"/>
+          <p:nvPr/>
+        </p:nvSpPr>
+        <p:spPr>
+          <a:xfrm>
+            <a:off x="971600" y="858778"/>
+            <a:ext cx="2880320" cy="1107996"/>
+          </a:xfrm>
+          <a:prstGeom prst="rect">
+            <a:avLst/>
+          </a:prstGeom>
+          <a:ln>
+            <a:noFill/>
+          </a:ln>
+        </p:spPr>
+        <p:txBody>
+          <a:bodyPr wrap="square" lIns="0" tIns="0" rIns="0" bIns="0" rtlCol="0" anchor="b" anchorCtr="1">
+            <a:spAutoFit/>
+          </a:bodyPr>
+          <a:lstStyle/>
+          <a:p>
+            <a:pPr marL="0" marR="0" indent="0" algn="ctr" defTabSz="914400" rtl="0" eaLnBrk="1" fontAlgn="auto" latinLnBrk="0" hangingPunct="1">
+              <a:lnSpc>
+                <a:spcPct val="100000"/>
+              </a:lnSpc>
+              <a:spcBef>
+                <a:spcPct val="20000"/>
+              </a:spcBef>
+              <a:spcAft>
+                <a:spcPts val="0"/>
+              </a:spcAft>
+              <a:buClrTx/>
+              <a:buSzTx/>
+              <a:buFont typeface="Arial" pitchFamily="34" charset="0"/>
+              <a:buNone/>
+              <a:tabLst/>
+            </a:pPr>
+            <a:r>
+              <a:rPr kumimoji="0" lang="en-US" sz="3600" b="0" i="0" u="none" strike="noStrike" kern="1200" cap="none" spc="0" normalizeH="0" baseline="0" noProof="0" dirty="0" smtClean="0">
+                <a:ln w="19050">
+                  <a:noFill/>
+                </a:ln>
+                <a:solidFill>
+                  <a:srgbClr val="00B7FF"/>
+                </a:solidFill>
+                <a:uLnTx/>
+                <a:uFillTx/>
+                <a:latin typeface="Bebas Neue" pitchFamily="34" charset="0"/>
+              </a:rPr>
+              <a:t>Dependent-on</a:t>
+            </a:r>
+            <a:r>
+              <a:rPr kumimoji="0" lang="en-US" sz="3600" b="0" i="0" u="none" strike="noStrike" kern="1200" cap="none" spc="0" normalizeH="0" noProof="0" dirty="0" smtClean="0">
+                <a:ln w="19050">
+                  <a:noFill/>
+                </a:ln>
+                <a:solidFill>
+                  <a:srgbClr val="00B7FF"/>
+                </a:solidFill>
+                <a:uLnTx/>
+                <a:uFillTx/>
+                <a:latin typeface="Bebas Neue" pitchFamily="34" charset="0"/>
+              </a:rPr>
+              <a:t> Components</a:t>
+            </a:r>
+            <a:endParaRPr kumimoji="0" lang="en-US" sz="3600" b="0" i="0" u="none" strike="noStrike" kern="1200" cap="none" spc="0" normalizeH="0" baseline="0" noProof="0" dirty="0" smtClean="0">
+              <a:ln w="19050">
+                <a:noFill/>
+              </a:ln>
               <a:solidFill>
-                <a:srgbClr val="00DB00"/>
+                <a:srgbClr val="00B7FF"/>
               </a:solidFill>
+              <a:uLnTx/>
+              <a:uFillTx/>
+              <a:latin typeface="Bebas Neue" pitchFamily="34" charset="0"/>
             </a:endParaRPr>
           </a:p>
         </p:txBody>
       </p:sp>
-      <p:sp>
-        <p:nvSpPr>
-          <p:cNvPr id="4" name="Textplatzhalter 3"/>
-          <p:cNvSpPr>
-            <a:spLocks noGrp="1"/>
-          </p:cNvSpPr>
-          <p:nvPr>
-            <p:ph type="body" sz="quarter" idx="10"/>
-          </p:nvPr>
-        </p:nvSpPr>
-        <p:spPr/>
-        <p:txBody>
-          <a:bodyPr/>
-          <a:lstStyle/>
-          <a:p>
-            <a:r>
-              <a:rPr lang="de-DE" dirty="0" smtClean="0"/>
-              <a:t>x = 1 + 2</a:t>
-            </a:r>
-            <a:endParaRPr lang="en-US" dirty="0"/>
-          </a:p>
-        </p:txBody>
-      </p:sp>
-      <p:sp>
-        <p:nvSpPr>
-          <p:cNvPr id="5" name="Textplatzhalter 4"/>
-          <p:cNvSpPr>
-            <a:spLocks noGrp="1"/>
-          </p:cNvSpPr>
-          <p:nvPr>
-            <p:ph type="body" sz="quarter" idx="11"/>
-          </p:nvPr>
-        </p:nvSpPr>
-        <p:spPr/>
-        <p:txBody>
-          <a:bodyPr/>
-          <a:lstStyle/>
-          <a:p>
-            <a:r>
-              <a:rPr lang="de-DE" dirty="0" smtClean="0"/>
-              <a:t>Meist reicht das.</a:t>
-            </a:r>
-            <a:endParaRPr lang="en-US" dirty="0"/>
-          </a:p>
-        </p:txBody>
-      </p:sp>
     </p:spTree>
+    <p:extLst>
+      <p:ext uri="{BB962C8B-B14F-4D97-AF65-F5344CB8AC3E}">
+        <p14:creationId xmlns:p14="http://schemas.microsoft.com/office/powerpoint/2010/main" val="3672145795"/>
+      </p:ext>
+    </p:extLst>
   </p:cSld>
   <p:clrMapOvr>
     <a:masterClrMapping/>
@@ -23446,7 +23851,15 @@
           <a:lstStyle/>
           <a:p>
             <a:pPr algn="ctr"/>
-            <a:endParaRPr lang="en-US"/>
+            <a:r>
+              <a:rPr lang="en-US" sz="8000" dirty="0" smtClean="0">
+                <a:latin typeface="Bebas Neue" pitchFamily="34" charset="0"/>
+              </a:rPr>
+              <a:t>EBC</a:t>
+            </a:r>
+            <a:endParaRPr lang="en-US" sz="8000" dirty="0">
+              <a:latin typeface="Bebas Neue" pitchFamily="34" charset="0"/>
+            </a:endParaRPr>
           </a:p>
         </p:txBody>
       </p:sp>
@@ -23504,8 +23917,8 @@
         </p:nvSpPr>
         <p:spPr>
           <a:xfrm>
-            <a:off x="1403648" y="4941168"/>
-            <a:ext cx="2088232" cy="1354217"/>
+            <a:off x="1403648" y="5013176"/>
+            <a:ext cx="2088232" cy="1231106"/>
           </a:xfrm>
           <a:prstGeom prst="rect">
             <a:avLst/>
@@ -23513,6 +23926,7 @@
           <a:ln>
             <a:noFill/>
           </a:ln>
+          <a:effectLst/>
         </p:spPr>
         <p:txBody>
           <a:bodyPr wrap="square" lIns="0" tIns="0" rIns="0" bIns="0" rtlCol="0" anchor="b" anchorCtr="1">
@@ -23537,7 +23951,7 @@
               <a:tabLst/>
             </a:pPr>
             <a:r>
-              <a:rPr kumimoji="0" lang="en-US" sz="8800" b="0" i="0" u="none" strike="noStrike" kern="1200" cap="none" spc="0" normalizeH="0" baseline="0" noProof="0" dirty="0" smtClean="0">
+              <a:rPr kumimoji="0" lang="en-US" sz="8000" b="0" i="0" u="none" strike="noStrike" kern="1200" cap="none" spc="0" normalizeH="0" baseline="0" noProof="0" dirty="0" smtClean="0">
                 <a:ln w="19050">
                   <a:noFill/>
                 </a:ln>
@@ -23548,32 +23962,21 @@
                 <a:uFillTx/>
                 <a:latin typeface="Bebas Neue" pitchFamily="34" charset="0"/>
               </a:rPr>
-              <a:t>DATA</a:t>
-            </a:r>
-            <a:endParaRPr kumimoji="0" lang="en-US" sz="8800" b="0" i="0" u="none" strike="noStrike" kern="1200" cap="none" spc="0" normalizeH="0" baseline="0" noProof="0" dirty="0" smtClean="0">
-              <a:ln w="19050">
-                <a:noFill/>
-              </a:ln>
-              <a:solidFill>
-                <a:schemeClr val="bg1"/>
-              </a:solidFill>
-              <a:uLnTx/>
-              <a:uFillTx/>
-              <a:latin typeface="Bebas Neue" pitchFamily="34" charset="0"/>
-            </a:endParaRPr>
-          </a:p>
-        </p:txBody>
-      </p:sp>
-      <p:sp>
-        <p:nvSpPr>
-          <p:cNvPr id="44" name="Textfeld 43"/>
+              <a:t>Board</a:t>
+            </a:r>
+          </a:p>
+        </p:txBody>
+      </p:sp>
+      <p:sp>
+        <p:nvSpPr>
+          <p:cNvPr id="15" name="Textfeld 14"/>
           <p:cNvSpPr txBox="1"/>
           <p:nvPr/>
         </p:nvSpPr>
         <p:spPr>
           <a:xfrm>
-            <a:off x="1259632" y="4005064"/>
-            <a:ext cx="2304256" cy="553998"/>
+            <a:off x="0" y="1"/>
+            <a:ext cx="9144000" cy="1231106"/>
           </a:xfrm>
           <a:prstGeom prst="rect">
             <a:avLst/>
@@ -23605,7 +24008,7 @@
               <a:tabLst/>
             </a:pPr>
             <a:r>
-              <a:rPr kumimoji="0" lang="en-US" sz="3600" b="0" i="0" u="none" strike="noStrike" kern="1200" cap="none" spc="0" normalizeH="0" baseline="0" noProof="0" dirty="0" smtClean="0">
+              <a:rPr kumimoji="0" lang="en-US" sz="8000" b="0" i="0" u="none" strike="noStrike" kern="1200" cap="none" spc="0" normalizeH="0" baseline="0" noProof="0" dirty="0" smtClean="0">
                 <a:ln w="19050">
                   <a:noFill/>
                 </a:ln>
@@ -23616,9 +24019,23 @@
                 <a:uFillTx/>
                 <a:latin typeface="Bebas Neue" pitchFamily="34" charset="0"/>
               </a:rPr>
-              <a:t>Interactions</a:t>
-            </a:r>
-            <a:endParaRPr kumimoji="0" lang="en-US" sz="3600" b="0" i="0" u="none" strike="noStrike" kern="1200" cap="none" spc="0" normalizeH="0" baseline="0" noProof="0" dirty="0" smtClean="0">
+              <a:t>Event</a:t>
+            </a:r>
+            <a:r>
+              <a:rPr kumimoji="0" lang="en-US" sz="8000" b="0" i="0" u="none" strike="noStrike" kern="1200" cap="none" spc="0" normalizeH="0" noProof="0" dirty="0" smtClean="0">
+                <a:ln w="19050">
+                  <a:noFill/>
+                </a:ln>
+                <a:solidFill>
+                  <a:srgbClr val="00B7FF"/>
+                </a:solidFill>
+                <a:uLnTx/>
+                <a:uFillTx/>
+                <a:latin typeface="Bebas Neue" pitchFamily="34" charset="0"/>
+              </a:rPr>
+              <a:t> Based Components</a:t>
+            </a:r>
+            <a:endParaRPr kumimoji="0" lang="en-US" sz="8000" b="0" i="0" u="none" strike="noStrike" kern="1200" cap="none" spc="0" normalizeH="0" baseline="0" noProof="0" dirty="0" smtClean="0">
               <a:ln w="19050">
                 <a:noFill/>
               </a:ln>
@@ -23634,14 +24051,14 @@
       </p:sp>
       <p:sp>
         <p:nvSpPr>
-          <p:cNvPr id="45" name="Textfeld 44"/>
+          <p:cNvPr id="16" name="Textfeld 15"/>
           <p:cNvSpPr txBox="1"/>
           <p:nvPr/>
         </p:nvSpPr>
         <p:spPr>
           <a:xfrm>
-            <a:off x="971600" y="858778"/>
-            <a:ext cx="2880320" cy="1107996"/>
+            <a:off x="1259632" y="3861048"/>
+            <a:ext cx="2304256" cy="553998"/>
           </a:xfrm>
           <a:prstGeom prst="rect">
             <a:avLst/>
@@ -23684,40 +24101,15 @@
                 <a:uFillTx/>
                 <a:latin typeface="Bebas Neue" pitchFamily="34" charset="0"/>
               </a:rPr>
-              <a:t>Dependent-on</a:t>
-            </a:r>
-            <a:r>
-              <a:rPr kumimoji="0" lang="en-US" sz="3600" b="0" i="0" u="none" strike="noStrike" kern="1200" cap="none" spc="0" normalizeH="0" noProof="0" dirty="0" smtClean="0">
-                <a:ln w="19050">
-                  <a:noFill/>
-                </a:ln>
-                <a:solidFill>
-                  <a:srgbClr val="00B7FF"/>
-                </a:solidFill>
-                <a:uLnTx/>
-                <a:uFillTx/>
-                <a:latin typeface="Bebas Neue" pitchFamily="34" charset="0"/>
-              </a:rPr>
-              <a:t> Components</a:t>
-            </a:r>
-            <a:endParaRPr kumimoji="0" lang="en-US" sz="3600" b="0" i="0" u="none" strike="noStrike" kern="1200" cap="none" spc="0" normalizeH="0" baseline="0" noProof="0" dirty="0" smtClean="0">
-              <a:ln w="19050">
-                <a:noFill/>
-              </a:ln>
-              <a:solidFill>
-                <a:srgbClr val="00B7FF"/>
-              </a:solidFill>
-              <a:uLnTx/>
-              <a:uFillTx/>
-              <a:latin typeface="Bebas Neue" pitchFamily="34" charset="0"/>
-            </a:endParaRPr>
+              <a:t>Pins</a:t>
+            </a:r>
           </a:p>
         </p:txBody>
       </p:sp>
     </p:spTree>
     <p:extLst>
       <p:ext uri="{BB962C8B-B14F-4D97-AF65-F5344CB8AC3E}">
-        <p14:creationId xmlns:p14="http://schemas.microsoft.com/office/powerpoint/2010/main" xmlns="" val="3672145795"/>
+        <p14:creationId xmlns:p14="http://schemas.microsoft.com/office/powerpoint/2010/main" val="3672145795"/>
       </p:ext>
     </p:extLst>
   </p:cSld>
@@ -23753,669 +24145,111 @@
       </p:grpSpPr>
       <p:sp>
         <p:nvSpPr>
-          <p:cNvPr id="25" name="Pfeil nach rechts 24"/>
-          <p:cNvSpPr/>
-          <p:nvPr/>
-        </p:nvSpPr>
-        <p:spPr>
-          <a:xfrm>
-            <a:off x="323528" y="4437112"/>
-            <a:ext cx="8568952" cy="2304256"/>
-          </a:xfrm>
-          <a:prstGeom prst="rightArrow">
-            <a:avLst/>
-          </a:prstGeom>
-          <a:solidFill>
-            <a:srgbClr val="00B7FF"/>
-          </a:solidFill>
-          <a:ln>
-            <a:noFill/>
-          </a:ln>
-        </p:spPr>
-        <p:style>
-          <a:lnRef idx="2">
-            <a:schemeClr val="accent1">
-              <a:shade val="50000"/>
-            </a:schemeClr>
-          </a:lnRef>
-          <a:fillRef idx="1">
-            <a:schemeClr val="accent1"/>
-          </a:fillRef>
-          <a:effectRef idx="0">
-            <a:schemeClr val="accent1"/>
-          </a:effectRef>
-          <a:fontRef idx="minor">
-            <a:schemeClr val="lt1"/>
-          </a:fontRef>
-        </p:style>
-        <p:txBody>
-          <a:bodyPr rtlCol="0" anchor="ctr"/>
-          <a:lstStyle/>
-          <a:p>
-            <a:pPr algn="ctr"/>
-            <a:endParaRPr lang="en-US"/>
-          </a:p>
-        </p:txBody>
-      </p:sp>
-      <p:cxnSp>
-        <p:nvCxnSpPr>
-          <p:cNvPr id="34" name="Form 33"/>
-          <p:cNvCxnSpPr>
-            <a:stCxn id="26" idx="7"/>
-            <a:endCxn id="30" idx="1"/>
-          </p:cNvCxnSpPr>
-          <p:nvPr/>
-        </p:nvCxnSpPr>
-        <p:spPr>
-          <a:xfrm rot="5400000" flipH="1" flipV="1">
-            <a:off x="146067" y="3789041"/>
-            <a:ext cx="2625733" cy="465493"/>
-          </a:xfrm>
-          <a:prstGeom prst="bentConnector2">
-            <a:avLst/>
-          </a:prstGeom>
-          <a:ln w="76200">
-            <a:solidFill>
-              <a:srgbClr val="00DB00"/>
-            </a:solidFill>
-            <a:tailEnd type="stealth" w="lg" len="lg"/>
-          </a:ln>
-        </p:spPr>
-        <p:style>
-          <a:lnRef idx="1">
-            <a:schemeClr val="accent1"/>
-          </a:lnRef>
-          <a:fillRef idx="0">
-            <a:schemeClr val="accent1"/>
-          </a:fillRef>
-          <a:effectRef idx="0">
-            <a:schemeClr val="accent1"/>
-          </a:effectRef>
-          <a:fontRef idx="minor">
-            <a:schemeClr val="tx1"/>
-          </a:fontRef>
-        </p:style>
-      </p:cxnSp>
-      <p:cxnSp>
-        <p:nvCxnSpPr>
-          <p:cNvPr id="36" name="Form 35"/>
-          <p:cNvCxnSpPr>
-            <a:stCxn id="30" idx="3"/>
-            <a:endCxn id="28" idx="1"/>
-          </p:cNvCxnSpPr>
-          <p:nvPr/>
-        </p:nvCxnSpPr>
-        <p:spPr>
-          <a:xfrm>
-            <a:off x="3131840" y="2708920"/>
-            <a:ext cx="465493" cy="2625733"/>
-          </a:xfrm>
-          <a:prstGeom prst="bentConnector2">
-            <a:avLst/>
-          </a:prstGeom>
-          <a:ln w="76200">
-            <a:solidFill>
-              <a:srgbClr val="00DB00"/>
-            </a:solidFill>
-            <a:tailEnd type="stealth" w="lg" len="lg"/>
-          </a:ln>
-        </p:spPr>
-        <p:style>
-          <a:lnRef idx="1">
-            <a:schemeClr val="accent1"/>
-          </a:lnRef>
-          <a:fillRef idx="0">
-            <a:schemeClr val="accent1"/>
-          </a:fillRef>
-          <a:effectRef idx="0">
-            <a:schemeClr val="accent1"/>
-          </a:effectRef>
-          <a:fontRef idx="minor">
-            <a:schemeClr val="tx1"/>
-          </a:fontRef>
-        </p:style>
-      </p:cxnSp>
-      <p:cxnSp>
-        <p:nvCxnSpPr>
-          <p:cNvPr id="40" name="Form 39"/>
-          <p:cNvCxnSpPr>
-            <a:stCxn id="28" idx="7"/>
-            <a:endCxn id="31" idx="1"/>
-          </p:cNvCxnSpPr>
-          <p:nvPr/>
-        </p:nvCxnSpPr>
-        <p:spPr>
-          <a:xfrm rot="5400000" flipH="1" flipV="1">
-            <a:off x="3026387" y="3789041"/>
-            <a:ext cx="2625733" cy="465493"/>
-          </a:xfrm>
-          <a:prstGeom prst="bentConnector2">
-            <a:avLst/>
-          </a:prstGeom>
-          <a:ln w="76200">
-            <a:solidFill>
-              <a:srgbClr val="FF7400"/>
-            </a:solidFill>
-            <a:tailEnd type="stealth" w="lg" len="lg"/>
-          </a:ln>
-        </p:spPr>
-        <p:style>
-          <a:lnRef idx="1">
-            <a:schemeClr val="accent1"/>
-          </a:lnRef>
-          <a:fillRef idx="0">
-            <a:schemeClr val="accent1"/>
-          </a:fillRef>
-          <a:effectRef idx="0">
-            <a:schemeClr val="accent1"/>
-          </a:effectRef>
-          <a:fontRef idx="minor">
-            <a:schemeClr val="tx1"/>
-          </a:fontRef>
-        </p:style>
-      </p:cxnSp>
-      <p:cxnSp>
-        <p:nvCxnSpPr>
-          <p:cNvPr id="42" name="Form 41"/>
-          <p:cNvCxnSpPr>
-            <a:stCxn id="31" idx="3"/>
-            <a:endCxn id="29" idx="1"/>
-          </p:cNvCxnSpPr>
-          <p:nvPr/>
-        </p:nvCxnSpPr>
-        <p:spPr>
-          <a:xfrm>
-            <a:off x="6012160" y="2708920"/>
-            <a:ext cx="465493" cy="2625733"/>
-          </a:xfrm>
-          <a:prstGeom prst="bentConnector2">
-            <a:avLst/>
-          </a:prstGeom>
-          <a:ln w="76200">
-            <a:solidFill>
-              <a:srgbClr val="FF7400"/>
-            </a:solidFill>
-            <a:tailEnd type="stealth" w="lg" len="lg"/>
-          </a:ln>
-        </p:spPr>
-        <p:style>
-          <a:lnRef idx="1">
-            <a:schemeClr val="accent1"/>
-          </a:lnRef>
-          <a:fillRef idx="0">
-            <a:schemeClr val="accent1"/>
-          </a:fillRef>
-          <a:effectRef idx="0">
-            <a:schemeClr val="accent1"/>
-          </a:effectRef>
-          <a:fontRef idx="minor">
-            <a:schemeClr val="tx1"/>
-          </a:fontRef>
-        </p:style>
-      </p:cxnSp>
-      <p:sp>
-        <p:nvSpPr>
-          <p:cNvPr id="26" name="Ellipse 25"/>
-          <p:cNvSpPr/>
-          <p:nvPr/>
-        </p:nvSpPr>
-        <p:spPr>
-          <a:xfrm>
-            <a:off x="611560" y="5229200"/>
-            <a:ext cx="720080" cy="720080"/>
-          </a:xfrm>
-          <a:prstGeom prst="ellipse">
-            <a:avLst/>
-          </a:prstGeom>
-          <a:solidFill>
-            <a:srgbClr val="FF00FF"/>
-          </a:solidFill>
-          <a:ln>
-            <a:noFill/>
-          </a:ln>
-        </p:spPr>
-        <p:style>
-          <a:lnRef idx="2">
-            <a:schemeClr val="accent1">
-              <a:shade val="50000"/>
-            </a:schemeClr>
-          </a:lnRef>
-          <a:fillRef idx="1">
-            <a:schemeClr val="accent1"/>
-          </a:fillRef>
-          <a:effectRef idx="0">
-            <a:schemeClr val="accent1"/>
-          </a:effectRef>
-          <a:fontRef idx="minor">
-            <a:schemeClr val="lt1"/>
-          </a:fontRef>
-        </p:style>
-        <p:txBody>
-          <a:bodyPr rtlCol="0" anchor="ctr"/>
-          <a:lstStyle/>
-          <a:p>
-            <a:pPr algn="ctr"/>
-            <a:endParaRPr lang="en-US"/>
-          </a:p>
-        </p:txBody>
-      </p:sp>
-      <p:sp>
-        <p:nvSpPr>
-          <p:cNvPr id="28" name="Ellipse 27"/>
-          <p:cNvSpPr/>
-          <p:nvPr/>
-        </p:nvSpPr>
-        <p:spPr>
-          <a:xfrm>
-            <a:off x="3491880" y="5229200"/>
-            <a:ext cx="720080" cy="720080"/>
-          </a:xfrm>
-          <a:prstGeom prst="ellipse">
-            <a:avLst/>
-          </a:prstGeom>
-          <a:solidFill>
-            <a:srgbClr val="FF00FF"/>
-          </a:solidFill>
-          <a:ln>
-            <a:noFill/>
-          </a:ln>
-        </p:spPr>
-        <p:style>
-          <a:lnRef idx="2">
-            <a:schemeClr val="accent1">
-              <a:shade val="50000"/>
-            </a:schemeClr>
-          </a:lnRef>
-          <a:fillRef idx="1">
-            <a:schemeClr val="accent1"/>
-          </a:fillRef>
-          <a:effectRef idx="0">
-            <a:schemeClr val="accent1"/>
-          </a:effectRef>
-          <a:fontRef idx="minor">
-            <a:schemeClr val="lt1"/>
-          </a:fontRef>
-        </p:style>
-        <p:txBody>
-          <a:bodyPr rtlCol="0" anchor="ctr"/>
-          <a:lstStyle/>
-          <a:p>
-            <a:pPr algn="ctr"/>
-            <a:endParaRPr lang="en-US"/>
-          </a:p>
-        </p:txBody>
-      </p:sp>
-      <p:sp>
-        <p:nvSpPr>
-          <p:cNvPr id="29" name="Ellipse 28"/>
-          <p:cNvSpPr/>
-          <p:nvPr/>
-        </p:nvSpPr>
-        <p:spPr>
-          <a:xfrm>
-            <a:off x="6372200" y="5229200"/>
-            <a:ext cx="720080" cy="720080"/>
-          </a:xfrm>
-          <a:prstGeom prst="ellipse">
-            <a:avLst/>
-          </a:prstGeom>
-          <a:solidFill>
-            <a:srgbClr val="FF00FF"/>
-          </a:solidFill>
-          <a:ln>
-            <a:noFill/>
-          </a:ln>
-        </p:spPr>
-        <p:style>
-          <a:lnRef idx="2">
-            <a:schemeClr val="accent1">
-              <a:shade val="50000"/>
-            </a:schemeClr>
-          </a:lnRef>
-          <a:fillRef idx="1">
-            <a:schemeClr val="accent1"/>
-          </a:fillRef>
-          <a:effectRef idx="0">
-            <a:schemeClr val="accent1"/>
-          </a:effectRef>
-          <a:fontRef idx="minor">
-            <a:schemeClr val="lt1"/>
-          </a:fontRef>
-        </p:style>
-        <p:txBody>
-          <a:bodyPr rtlCol="0" anchor="ctr"/>
-          <a:lstStyle/>
-          <a:p>
-            <a:pPr algn="ctr"/>
-            <a:endParaRPr lang="en-US"/>
-          </a:p>
-        </p:txBody>
-      </p:sp>
-      <p:sp>
-        <p:nvSpPr>
-          <p:cNvPr id="30" name="Rechteck 29"/>
-          <p:cNvSpPr/>
-          <p:nvPr/>
-        </p:nvSpPr>
-        <p:spPr>
-          <a:xfrm>
-            <a:off x="1691680" y="1988840"/>
-            <a:ext cx="1440160" cy="1440160"/>
-          </a:xfrm>
-          <a:prstGeom prst="rect">
-            <a:avLst/>
-          </a:prstGeom>
-          <a:solidFill>
-            <a:srgbClr val="00DB00"/>
-          </a:solidFill>
-          <a:ln>
-            <a:noFill/>
-          </a:ln>
-        </p:spPr>
-        <p:style>
-          <a:lnRef idx="2">
-            <a:schemeClr val="accent1">
-              <a:shade val="50000"/>
-            </a:schemeClr>
-          </a:lnRef>
-          <a:fillRef idx="1">
-            <a:schemeClr val="accent1"/>
-          </a:fillRef>
-          <a:effectRef idx="0">
-            <a:schemeClr val="accent1"/>
-          </a:effectRef>
-          <a:fontRef idx="minor">
-            <a:schemeClr val="lt1"/>
-          </a:fontRef>
-        </p:style>
-        <p:txBody>
-          <a:bodyPr rtlCol="0" anchor="ctr"/>
-          <a:lstStyle/>
-          <a:p>
-            <a:pPr algn="ctr"/>
-            <a:r>
-              <a:rPr lang="en-US" sz="8000" dirty="0" smtClean="0">
-                <a:latin typeface="Bebas Neue" pitchFamily="34" charset="0"/>
-              </a:rPr>
-              <a:t>EBC</a:t>
-            </a:r>
-            <a:endParaRPr lang="en-US" sz="8000" dirty="0">
-              <a:latin typeface="Bebas Neue" pitchFamily="34" charset="0"/>
+          <p:cNvPr id="2" name="Titel 1"/>
+          <p:cNvSpPr>
+            <a:spLocks noGrp="1"/>
+          </p:cNvSpPr>
+          <p:nvPr>
+            <p:ph type="title"/>
+          </p:nvPr>
+        </p:nvSpPr>
+        <p:spPr/>
+        <p:txBody>
+          <a:bodyPr/>
+          <a:lstStyle/>
+          <a:p>
+            <a:r>
+              <a:rPr lang="en-US" dirty="0" smtClean="0">
+                <a:solidFill>
+                  <a:srgbClr val="FF7400"/>
+                </a:solidFill>
+                <a:latin typeface="Roboto" pitchFamily="2" charset="0"/>
+                <a:ea typeface="Roboto" pitchFamily="2" charset="0"/>
+              </a:rPr>
+              <a:t>Imports</a:t>
+            </a:r>
+            <a:br>
+              <a:rPr lang="en-US" dirty="0" smtClean="0">
+                <a:solidFill>
+                  <a:srgbClr val="FF7400"/>
+                </a:solidFill>
+                <a:latin typeface="Roboto" pitchFamily="2" charset="0"/>
+                <a:ea typeface="Roboto" pitchFamily="2" charset="0"/>
+              </a:rPr>
+            </a:br>
+            <a:r>
+              <a:rPr lang="en-US" dirty="0" smtClean="0">
+                <a:latin typeface="Roboto" pitchFamily="2" charset="0"/>
+                <a:ea typeface="Roboto" pitchFamily="2" charset="0"/>
+              </a:rPr>
+              <a:t>Parameter</a:t>
+            </a:r>
+            <a:br>
+              <a:rPr lang="en-US" dirty="0" smtClean="0">
+                <a:latin typeface="Roboto" pitchFamily="2" charset="0"/>
+                <a:ea typeface="Roboto" pitchFamily="2" charset="0"/>
+              </a:rPr>
+            </a:br>
+            <a:r>
+              <a:rPr lang="en-US" dirty="0" err="1" smtClean="0">
+                <a:solidFill>
+                  <a:srgbClr val="00DB00"/>
+                </a:solidFill>
+                <a:latin typeface="Roboto" pitchFamily="2" charset="0"/>
+                <a:ea typeface="Roboto" pitchFamily="2" charset="0"/>
+              </a:rPr>
+              <a:t>Binäre</a:t>
+            </a:r>
+            <a:r>
+              <a:rPr lang="en-US" dirty="0" smtClean="0">
+                <a:solidFill>
+                  <a:srgbClr val="00DB00"/>
+                </a:solidFill>
+                <a:latin typeface="Roboto" pitchFamily="2" charset="0"/>
+                <a:ea typeface="Roboto" pitchFamily="2" charset="0"/>
+              </a:rPr>
+              <a:t> </a:t>
+            </a:r>
+            <a:r>
+              <a:rPr lang="en-US" dirty="0" err="1" smtClean="0">
+                <a:solidFill>
+                  <a:srgbClr val="00DB00"/>
+                </a:solidFill>
+                <a:latin typeface="Roboto" pitchFamily="2" charset="0"/>
+                <a:ea typeface="Roboto" pitchFamily="2" charset="0"/>
+              </a:rPr>
+              <a:t>Bäume</a:t>
+            </a:r>
+            <a:r>
+              <a:rPr lang="en-US" dirty="0" smtClean="0">
+                <a:solidFill>
+                  <a:srgbClr val="00DB00"/>
+                </a:solidFill>
+                <a:latin typeface="Roboto" pitchFamily="2" charset="0"/>
+                <a:ea typeface="Roboto" pitchFamily="2" charset="0"/>
+              </a:rPr>
+              <a:t/>
+            </a:r>
+            <a:br>
+              <a:rPr lang="en-US" dirty="0" smtClean="0">
+                <a:solidFill>
+                  <a:srgbClr val="00DB00"/>
+                </a:solidFill>
+                <a:latin typeface="Roboto" pitchFamily="2" charset="0"/>
+                <a:ea typeface="Roboto" pitchFamily="2" charset="0"/>
+              </a:rPr>
+            </a:br>
+            <a:endParaRPr lang="en-US" dirty="0">
+              <a:solidFill>
+                <a:srgbClr val="00DB00"/>
+              </a:solidFill>
+              <a:latin typeface="Roboto" pitchFamily="2" charset="0"/>
+              <a:ea typeface="Roboto" pitchFamily="2" charset="0"/>
             </a:endParaRPr>
           </a:p>
         </p:txBody>
       </p:sp>
-      <p:sp>
-        <p:nvSpPr>
-          <p:cNvPr id="31" name="Rechteck 30"/>
-          <p:cNvSpPr/>
-          <p:nvPr/>
-        </p:nvSpPr>
-        <p:spPr>
-          <a:xfrm>
-            <a:off x="4572000" y="1988840"/>
-            <a:ext cx="1440160" cy="1440160"/>
-          </a:xfrm>
-          <a:prstGeom prst="rect">
-            <a:avLst/>
-          </a:prstGeom>
-          <a:solidFill>
-            <a:srgbClr val="FF7400"/>
-          </a:solidFill>
-          <a:ln>
-            <a:noFill/>
-          </a:ln>
-        </p:spPr>
-        <p:style>
-          <a:lnRef idx="2">
-            <a:schemeClr val="accent1">
-              <a:shade val="50000"/>
-            </a:schemeClr>
-          </a:lnRef>
-          <a:fillRef idx="1">
-            <a:schemeClr val="accent1"/>
-          </a:fillRef>
-          <a:effectRef idx="0">
-            <a:schemeClr val="accent1"/>
-          </a:effectRef>
-          <a:fontRef idx="minor">
-            <a:schemeClr val="lt1"/>
-          </a:fontRef>
-        </p:style>
-        <p:txBody>
-          <a:bodyPr rtlCol="0" anchor="ctr"/>
-          <a:lstStyle/>
-          <a:p>
-            <a:pPr algn="ctr"/>
-            <a:endParaRPr lang="en-US"/>
-          </a:p>
-        </p:txBody>
-      </p:sp>
-      <p:sp>
-        <p:nvSpPr>
-          <p:cNvPr id="43" name="Textfeld 42"/>
-          <p:cNvSpPr txBox="1"/>
-          <p:nvPr/>
-        </p:nvSpPr>
-        <p:spPr>
-          <a:xfrm>
-            <a:off x="1403648" y="5013176"/>
-            <a:ext cx="2088232" cy="1231106"/>
-          </a:xfrm>
-          <a:prstGeom prst="rect">
-            <a:avLst/>
-          </a:prstGeom>
-          <a:ln>
-            <a:noFill/>
-          </a:ln>
-          <a:effectLst/>
-        </p:spPr>
-        <p:txBody>
-          <a:bodyPr wrap="square" lIns="0" tIns="0" rIns="0" bIns="0" rtlCol="0" anchor="b" anchorCtr="1">
-            <a:spAutoFit/>
-          </a:bodyPr>
-          <a:lstStyle/>
-          <a:p>
-            <a:pPr marL="0" marR="0" indent="0" algn="ctr" defTabSz="914400" rtl="0" eaLnBrk="1" fontAlgn="auto" latinLnBrk="0" hangingPunct="1">
-              <a:lnSpc>
-                <a:spcPct val="100000"/>
-              </a:lnSpc>
-              <a:spcBef>
-                <a:spcPct val="20000"/>
-              </a:spcBef>
-              <a:spcAft>
-                <a:spcPts val="0"/>
-              </a:spcAft>
-              <a:buClrTx/>
-              <a:buSzTx/>
-              <a:buFont typeface="Arial" pitchFamily="34" charset="0"/>
-              <a:buNone/>
-              <a:tabLst/>
-            </a:pPr>
-            <a:r>
-              <a:rPr kumimoji="0" lang="en-US" sz="8000" b="0" i="0" u="none" strike="noStrike" kern="1200" cap="none" spc="0" normalizeH="0" baseline="0" noProof="0" dirty="0" smtClean="0">
-                <a:ln w="19050">
-                  <a:noFill/>
-                </a:ln>
-                <a:solidFill>
-                  <a:schemeClr val="bg1"/>
-                </a:solidFill>
-                <a:uLnTx/>
-                <a:uFillTx/>
-                <a:latin typeface="Bebas Neue" pitchFamily="34" charset="0"/>
-              </a:rPr>
-              <a:t>Board</a:t>
-            </a:r>
-            <a:endParaRPr kumimoji="0" lang="en-US" sz="8000" b="0" i="0" u="none" strike="noStrike" kern="1200" cap="none" spc="0" normalizeH="0" baseline="0" noProof="0" dirty="0" smtClean="0">
-              <a:ln w="19050">
-                <a:noFill/>
-              </a:ln>
-              <a:solidFill>
-                <a:schemeClr val="bg1"/>
-              </a:solidFill>
-              <a:uLnTx/>
-              <a:uFillTx/>
-              <a:latin typeface="Bebas Neue" pitchFamily="34" charset="0"/>
-            </a:endParaRPr>
-          </a:p>
-        </p:txBody>
-      </p:sp>
-      <p:sp>
-        <p:nvSpPr>
-          <p:cNvPr id="15" name="Textfeld 14"/>
-          <p:cNvSpPr txBox="1"/>
-          <p:nvPr/>
-        </p:nvSpPr>
-        <p:spPr>
-          <a:xfrm>
-            <a:off x="0" y="1"/>
-            <a:ext cx="9144000" cy="1231106"/>
-          </a:xfrm>
-          <a:prstGeom prst="rect">
-            <a:avLst/>
-          </a:prstGeom>
-          <a:ln>
-            <a:noFill/>
-          </a:ln>
-        </p:spPr>
-        <p:txBody>
-          <a:bodyPr wrap="square" lIns="0" tIns="0" rIns="0" bIns="0" rtlCol="0" anchor="b" anchorCtr="1">
-            <a:spAutoFit/>
-          </a:bodyPr>
-          <a:lstStyle/>
-          <a:p>
-            <a:pPr marL="0" marR="0" indent="0" algn="ctr" defTabSz="914400" rtl="0" eaLnBrk="1" fontAlgn="auto" latinLnBrk="0" hangingPunct="1">
-              <a:lnSpc>
-                <a:spcPct val="100000"/>
-              </a:lnSpc>
-              <a:spcBef>
-                <a:spcPct val="20000"/>
-              </a:spcBef>
-              <a:spcAft>
-                <a:spcPts val="0"/>
-              </a:spcAft>
-              <a:buClrTx/>
-              <a:buSzTx/>
-              <a:buFont typeface="Arial" pitchFamily="34" charset="0"/>
-              <a:buNone/>
-              <a:tabLst/>
-            </a:pPr>
-            <a:r>
-              <a:rPr kumimoji="0" lang="en-US" sz="8000" b="0" i="0" u="none" strike="noStrike" kern="1200" cap="none" spc="0" normalizeH="0" baseline="0" noProof="0" dirty="0" smtClean="0">
-                <a:ln w="19050">
-                  <a:noFill/>
-                </a:ln>
-                <a:solidFill>
-                  <a:srgbClr val="00B7FF"/>
-                </a:solidFill>
-                <a:uLnTx/>
-                <a:uFillTx/>
-                <a:latin typeface="Bebas Neue" pitchFamily="34" charset="0"/>
-              </a:rPr>
-              <a:t>Event</a:t>
-            </a:r>
-            <a:r>
-              <a:rPr kumimoji="0" lang="en-US" sz="8000" b="0" i="0" u="none" strike="noStrike" kern="1200" cap="none" spc="0" normalizeH="0" noProof="0" dirty="0" smtClean="0">
-                <a:ln w="19050">
-                  <a:noFill/>
-                </a:ln>
-                <a:solidFill>
-                  <a:srgbClr val="00B7FF"/>
-                </a:solidFill>
-                <a:uLnTx/>
-                <a:uFillTx/>
-                <a:latin typeface="Bebas Neue" pitchFamily="34" charset="0"/>
-              </a:rPr>
-              <a:t> Based Components</a:t>
-            </a:r>
-            <a:endParaRPr kumimoji="0" lang="en-US" sz="8000" b="0" i="0" u="none" strike="noStrike" kern="1200" cap="none" spc="0" normalizeH="0" baseline="0" noProof="0" dirty="0" smtClean="0">
-              <a:ln w="19050">
-                <a:noFill/>
-              </a:ln>
-              <a:solidFill>
-                <a:srgbClr val="00B7FF"/>
-              </a:solidFill>
-              <a:uLnTx/>
-              <a:uFillTx/>
-              <a:latin typeface="Bebas Neue" pitchFamily="34" charset="0"/>
-            </a:endParaRPr>
-          </a:p>
-        </p:txBody>
-      </p:sp>
-      <p:sp>
-        <p:nvSpPr>
-          <p:cNvPr id="16" name="Textfeld 15"/>
-          <p:cNvSpPr txBox="1"/>
-          <p:nvPr/>
-        </p:nvSpPr>
-        <p:spPr>
-          <a:xfrm>
-            <a:off x="1259632" y="3861048"/>
-            <a:ext cx="2304256" cy="553998"/>
-          </a:xfrm>
-          <a:prstGeom prst="rect">
-            <a:avLst/>
-          </a:prstGeom>
-          <a:ln>
-            <a:noFill/>
-          </a:ln>
-        </p:spPr>
-        <p:txBody>
-          <a:bodyPr wrap="square" lIns="0" tIns="0" rIns="0" bIns="0" rtlCol="0" anchor="b" anchorCtr="1">
-            <a:spAutoFit/>
-          </a:bodyPr>
-          <a:lstStyle/>
-          <a:p>
-            <a:pPr marL="0" marR="0" indent="0" algn="ctr" defTabSz="914400" rtl="0" eaLnBrk="1" fontAlgn="auto" latinLnBrk="0" hangingPunct="1">
-              <a:lnSpc>
-                <a:spcPct val="100000"/>
-              </a:lnSpc>
-              <a:spcBef>
-                <a:spcPct val="20000"/>
-              </a:spcBef>
-              <a:spcAft>
-                <a:spcPts val="0"/>
-              </a:spcAft>
-              <a:buClrTx/>
-              <a:buSzTx/>
-              <a:buFont typeface="Arial" pitchFamily="34" charset="0"/>
-              <a:buNone/>
-              <a:tabLst/>
-            </a:pPr>
-            <a:r>
-              <a:rPr kumimoji="0" lang="en-US" sz="3600" b="0" i="0" u="none" strike="noStrike" kern="1200" cap="none" spc="0" normalizeH="0" baseline="0" noProof="0" dirty="0" smtClean="0">
-                <a:ln w="19050">
-                  <a:noFill/>
-                </a:ln>
-                <a:solidFill>
-                  <a:srgbClr val="00B7FF"/>
-                </a:solidFill>
-                <a:uLnTx/>
-                <a:uFillTx/>
-                <a:latin typeface="Bebas Neue" pitchFamily="34" charset="0"/>
-              </a:rPr>
-              <a:t>Pins</a:t>
-            </a:r>
-            <a:endParaRPr kumimoji="0" lang="en-US" sz="3600" b="0" i="0" u="none" strike="noStrike" kern="1200" cap="none" spc="0" normalizeH="0" baseline="0" noProof="0" dirty="0" smtClean="0">
-              <a:ln w="19050">
-                <a:noFill/>
-              </a:ln>
-              <a:solidFill>
-                <a:srgbClr val="00B7FF"/>
-              </a:solidFill>
-              <a:uLnTx/>
-              <a:uFillTx/>
-              <a:latin typeface="Bebas Neue" pitchFamily="34" charset="0"/>
-            </a:endParaRPr>
-          </a:p>
-        </p:txBody>
-      </p:sp>
     </p:spTree>
-    <p:extLst>
-      <p:ext uri="{BB962C8B-B14F-4D97-AF65-F5344CB8AC3E}">
-        <p14:creationId xmlns:p14="http://schemas.microsoft.com/office/powerpoint/2010/main" xmlns="" val="3672145795"/>
-      </p:ext>
-    </p:extLst>
   </p:cSld>
   <p:clrMapOvr>
     <a:masterClrMapping/>
@@ -24449,7 +24283,7 @@
       </p:grpSpPr>
       <p:sp>
         <p:nvSpPr>
-          <p:cNvPr id="2" name="Titel 1"/>
+          <p:cNvPr id="3" name="Titel 2"/>
           <p:cNvSpPr>
             <a:spLocks noGrp="1"/>
           </p:cNvSpPr>
@@ -24463,93 +24297,76 @@
           <a:lstStyle/>
           <a:p>
             <a:r>
-              <a:rPr lang="en-US" dirty="0" smtClean="0">
-                <a:solidFill>
-                  <a:srgbClr val="FF7400"/>
-                </a:solidFill>
-                <a:latin typeface="Roboto" pitchFamily="2" charset="0"/>
-                <a:ea typeface="Roboto" pitchFamily="2" charset="0"/>
-              </a:rPr>
-              <a:t>Imports</a:t>
-            </a:r>
-            <a:br>
-              <a:rPr lang="en-US" dirty="0" smtClean="0">
-                <a:solidFill>
-                  <a:srgbClr val="FF7400"/>
-                </a:solidFill>
-                <a:latin typeface="Roboto" pitchFamily="2" charset="0"/>
-                <a:ea typeface="Roboto" pitchFamily="2" charset="0"/>
-              </a:rPr>
-            </a:br>
-            <a:r>
-              <a:rPr lang="en-US" dirty="0" smtClean="0">
-                <a:latin typeface="Roboto" pitchFamily="2" charset="0"/>
-                <a:ea typeface="Roboto" pitchFamily="2" charset="0"/>
-              </a:rPr>
-              <a:t>Parameter</a:t>
-            </a:r>
-            <a:br>
-              <a:rPr lang="en-US" dirty="0" smtClean="0">
-                <a:latin typeface="Roboto" pitchFamily="2" charset="0"/>
-                <a:ea typeface="Roboto" pitchFamily="2" charset="0"/>
-              </a:rPr>
-            </a:br>
-            <a:r>
-              <a:rPr lang="en-US" dirty="0" err="1" smtClean="0">
+              <a:rPr lang="en-US" sz="9600" dirty="0" err="1" smtClean="0">
                 <a:solidFill>
                   <a:srgbClr val="00DB00"/>
                 </a:solidFill>
-                <a:latin typeface="Roboto" pitchFamily="2" charset="0"/>
-                <a:ea typeface="Roboto" pitchFamily="2" charset="0"/>
-              </a:rPr>
-              <a:t>Binäre</a:t>
-            </a:r>
-            <a:r>
-              <a:rPr lang="en-US" dirty="0" smtClean="0">
-                <a:solidFill>
-                  <a:srgbClr val="00DB00"/>
-                </a:solidFill>
-                <a:latin typeface="Roboto" pitchFamily="2" charset="0"/>
-                <a:ea typeface="Roboto" pitchFamily="2" charset="0"/>
-              </a:rPr>
-              <a:t> </a:t>
-            </a:r>
-            <a:r>
-              <a:rPr lang="en-US" dirty="0" err="1" smtClean="0">
-                <a:solidFill>
-                  <a:srgbClr val="00DB00"/>
-                </a:solidFill>
-                <a:latin typeface="Roboto" pitchFamily="2" charset="0"/>
-                <a:ea typeface="Roboto" pitchFamily="2" charset="0"/>
-              </a:rPr>
-              <a:t>Bäume</a:t>
-            </a:r>
-            <a:r>
-              <a:rPr lang="en-US" dirty="0" smtClean="0">
-                <a:solidFill>
-                  <a:srgbClr val="00DB00"/>
-                </a:solidFill>
-                <a:latin typeface="Roboto" pitchFamily="2" charset="0"/>
-                <a:ea typeface="Roboto" pitchFamily="2" charset="0"/>
-              </a:rPr>
-              <a:t/>
-            </a:r>
-            <a:br>
-              <a:rPr lang="en-US" dirty="0" smtClean="0">
-                <a:solidFill>
-                  <a:srgbClr val="00DB00"/>
-                </a:solidFill>
-                <a:latin typeface="Roboto" pitchFamily="2" charset="0"/>
-                <a:ea typeface="Roboto" pitchFamily="2" charset="0"/>
-              </a:rPr>
-            </a:br>
-            <a:endParaRPr lang="en-US" dirty="0">
+              </a:rPr>
+              <a:t>Entwurfsmuster</a:t>
+            </a:r>
+            <a:endParaRPr lang="en-US" sz="9600" dirty="0">
               <a:solidFill>
                 <a:srgbClr val="00DB00"/>
               </a:solidFill>
-              <a:latin typeface="Roboto" pitchFamily="2" charset="0"/>
-              <a:ea typeface="Roboto" pitchFamily="2" charset="0"/>
             </a:endParaRPr>
+          </a:p>
+        </p:txBody>
+      </p:sp>
+      <p:sp>
+        <p:nvSpPr>
+          <p:cNvPr id="4" name="Textplatzhalter 3"/>
+          <p:cNvSpPr>
+            <a:spLocks noGrp="1"/>
+          </p:cNvSpPr>
+          <p:nvPr>
+            <p:ph type="body" sz="quarter" idx="10"/>
+          </p:nvPr>
+        </p:nvSpPr>
+        <p:spPr/>
+        <p:txBody>
+          <a:bodyPr/>
+          <a:lstStyle/>
+          <a:p>
+            <a:r>
+              <a:rPr lang="en-US" dirty="0" smtClean="0"/>
+              <a:t>Design Patterns</a:t>
+            </a:r>
+            <a:endParaRPr lang="en-US" dirty="0"/>
+          </a:p>
+        </p:txBody>
+      </p:sp>
+      <p:sp>
+        <p:nvSpPr>
+          <p:cNvPr id="5" name="Textplatzhalter 4"/>
+          <p:cNvSpPr>
+            <a:spLocks noGrp="1"/>
+          </p:cNvSpPr>
+          <p:nvPr>
+            <p:ph type="body" sz="quarter" idx="11"/>
+          </p:nvPr>
+        </p:nvSpPr>
+        <p:spPr/>
+        <p:txBody>
+          <a:bodyPr/>
+          <a:lstStyle/>
+          <a:p>
+            <a:r>
+              <a:rPr lang="en-US" dirty="0" smtClean="0"/>
+              <a:t>Sind </a:t>
+            </a:r>
+            <a:r>
+              <a:rPr lang="en-US" dirty="0" err="1" smtClean="0"/>
+              <a:t>keine</a:t>
+            </a:r>
+            <a:r>
+              <a:rPr lang="en-US" dirty="0" smtClean="0"/>
+              <a:t> </a:t>
+            </a:r>
+            <a:r>
+              <a:rPr lang="en-US" dirty="0" err="1" smtClean="0"/>
+              <a:t>Lösung</a:t>
+            </a:r>
+            <a:endParaRPr lang="en-US" dirty="0"/>
           </a:p>
         </p:txBody>
       </p:sp>
@@ -24784,7 +24601,7 @@
       </p:grpSpPr>
       <p:sp>
         <p:nvSpPr>
-          <p:cNvPr id="3" name="Titel 2"/>
+          <p:cNvPr id="2" name="Titel 1"/>
           <p:cNvSpPr>
             <a:spLocks noGrp="1"/>
           </p:cNvSpPr>
@@ -24792,80 +24609,37 @@
             <p:ph type="title"/>
           </p:nvPr>
         </p:nvSpPr>
-        <p:spPr/>
-        <p:txBody>
-          <a:bodyPr/>
-          <a:lstStyle/>
-          <a:p>
-            <a:r>
-              <a:rPr lang="en-US" sz="9600" dirty="0" err="1" smtClean="0">
-                <a:solidFill>
-                  <a:srgbClr val="00DB00"/>
-                </a:solidFill>
-              </a:rPr>
-              <a:t>Entwurfsmuster</a:t>
-            </a:r>
-            <a:endParaRPr lang="en-US" sz="9600" dirty="0">
-              <a:solidFill>
-                <a:srgbClr val="00DB00"/>
-              </a:solidFill>
-            </a:endParaRPr>
-          </a:p>
-        </p:txBody>
-      </p:sp>
-      <p:sp>
-        <p:nvSpPr>
-          <p:cNvPr id="4" name="Textplatzhalter 3"/>
-          <p:cNvSpPr>
-            <a:spLocks noGrp="1"/>
-          </p:cNvSpPr>
-          <p:nvPr>
-            <p:ph type="body" sz="quarter" idx="10"/>
-          </p:nvPr>
-        </p:nvSpPr>
-        <p:spPr/>
-        <p:txBody>
-          <a:bodyPr/>
+        <p:spPr>
+          <a:xfrm>
+            <a:off x="0" y="0"/>
+            <a:ext cx="9144000" cy="6858000"/>
+          </a:xfrm>
+        </p:spPr>
+        <p:txBody>
+          <a:bodyPr>
+            <a:normAutofit/>
+          </a:bodyPr>
           <a:lstStyle/>
           <a:p>
             <a:r>
               <a:rPr lang="en-US" dirty="0" smtClean="0"/>
-              <a:t>Design Patterns</a:t>
-            </a:r>
-            <a:endParaRPr lang="en-US" dirty="0"/>
-          </a:p>
-        </p:txBody>
-      </p:sp>
-      <p:sp>
-        <p:nvSpPr>
-          <p:cNvPr id="5" name="Textplatzhalter 4"/>
-          <p:cNvSpPr>
-            <a:spLocks noGrp="1"/>
-          </p:cNvSpPr>
-          <p:nvPr>
-            <p:ph type="body" sz="quarter" idx="11"/>
-          </p:nvPr>
-        </p:nvSpPr>
-        <p:spPr/>
-        <p:txBody>
-          <a:bodyPr/>
-          <a:lstStyle/>
-          <a:p>
+              <a:t>Rather than “a general reusable solution to a commonly occurring problem”, I currently think of design patterns as a shared vocabulary for </a:t>
+            </a:r>
+            <a:r>
+              <a:rPr lang="en-US" i="1" dirty="0" smtClean="0"/>
+              <a:t>discussing</a:t>
+            </a:r>
             <a:r>
               <a:rPr lang="en-US" dirty="0" smtClean="0"/>
-              <a:t>Sind </a:t>
-            </a:r>
-            <a:r>
-              <a:rPr lang="en-US" dirty="0" err="1" smtClean="0"/>
-              <a:t>keine</a:t>
+              <a:t> the observable commonalities between two or more solutions, </a:t>
+            </a:r>
+            <a:r>
+              <a:rPr lang="en-US" i="1" dirty="0" smtClean="0"/>
+              <a:t>after they’ve emerged</a:t>
             </a:r>
             <a:r>
               <a:rPr lang="en-US" dirty="0" smtClean="0"/>
-              <a:t> </a:t>
-            </a:r>
-            <a:r>
-              <a:rPr lang="en-US" dirty="0" err="1" smtClean="0"/>
-              <a:t>Lösung</a:t>
+              <a:t>.</a:t>
             </a:r>
             <a:endParaRPr lang="en-US" dirty="0"/>
           </a:p>
@@ -24926,26 +24700,76 @@
           <a:lstStyle/>
           <a:p>
             <a:r>
+              <a:rPr lang="en-US" dirty="0" smtClean="0">
+                <a:solidFill>
+                  <a:schemeClr val="bg1">
+                    <a:lumMod val="75000"/>
+                  </a:schemeClr>
+                </a:solidFill>
+              </a:rPr>
+              <a:t>Rather than </a:t>
+            </a:r>
+            <a:r>
               <a:rPr lang="en-US" dirty="0" smtClean="0"/>
-              <a:t>Rather than “a general reusable solution to a commonly occurring problem”, I currently think of design patterns as a shared vocabulary for </a:t>
-            </a:r>
-            <a:r>
-              <a:rPr lang="en-US" i="1" dirty="0" smtClean="0"/>
+              <a:t>“a general reusable solution to a commonly occurring problem”</a:t>
+            </a:r>
+            <a:r>
+              <a:rPr lang="en-US" dirty="0" smtClean="0">
+                <a:solidFill>
+                  <a:schemeClr val="bg1">
+                    <a:lumMod val="75000"/>
+                  </a:schemeClr>
+                </a:solidFill>
+              </a:rPr>
+              <a:t>, I currently think of design patterns as a shared vocabulary for </a:t>
+            </a:r>
+            <a:r>
+              <a:rPr lang="en-US" i="1" dirty="0" smtClean="0">
+                <a:solidFill>
+                  <a:schemeClr val="bg1">
+                    <a:lumMod val="75000"/>
+                  </a:schemeClr>
+                </a:solidFill>
+              </a:rPr>
               <a:t>discussing</a:t>
             </a:r>
             <a:r>
-              <a:rPr lang="en-US" dirty="0" smtClean="0"/>
+              <a:rPr lang="en-US" dirty="0" smtClean="0">
+                <a:solidFill>
+                  <a:schemeClr val="bg1">
+                    <a:lumMod val="75000"/>
+                  </a:schemeClr>
+                </a:solidFill>
+              </a:rPr>
               <a:t> the observable commonalities between two or more solutions, </a:t>
             </a:r>
             <a:r>
-              <a:rPr lang="en-US" i="1" dirty="0" smtClean="0"/>
+              <a:rPr lang="en-US" i="1" dirty="0" smtClean="0">
+                <a:solidFill>
+                  <a:schemeClr val="bg1">
+                    <a:lumMod val="75000"/>
+                  </a:schemeClr>
+                </a:solidFill>
+              </a:rPr>
               <a:t>after they’ve emerged</a:t>
             </a:r>
             <a:r>
-              <a:rPr lang="en-US" dirty="0" smtClean="0"/>
+              <a:rPr lang="en-US" dirty="0" smtClean="0">
+                <a:solidFill>
+                  <a:schemeClr val="bg1">
+                    <a:lumMod val="75000"/>
+                  </a:schemeClr>
+                </a:solidFill>
+              </a:rPr>
               <a:t>.</a:t>
             </a:r>
-            <a:endParaRPr lang="en-US" dirty="0"/>
+            <a:endParaRPr lang="en-US" dirty="0">
+              <a:solidFill>
+                <a:schemeClr val="bg1">
+                  <a:lumMod val="75000"/>
+                </a:schemeClr>
+              </a:solidFill>
+            </a:endParaRPr>
           </a:p>
         </p:txBody>
       </p:sp>
@@ -25011,11 +24835,15 @@
                   </a:schemeClr>
                 </a:solidFill>
               </a:rPr>
-              <a:t>Rather than </a:t>
-            </a:r>
-            <a:r>
-              <a:rPr lang="en-US" dirty="0" smtClean="0"/>
-              <a:t>“a general reusable solution to a commonly occurring problem”</a:t>
+              <a:t>Rather than “a general reusable solution to a commonly occurring problem”,</a:t>
+            </a:r>
+            <a:r>
+              <a:rPr lang="en-US" dirty="0" smtClean="0">
+                <a:solidFill>
+                  <a:srgbClr val="FF7400"/>
+                </a:solidFill>
+              </a:rPr>
+              <a:t> I currently think </a:t>
             </a:r>
             <a:r>
               <a:rPr lang="en-US" dirty="0" smtClean="0">
@@ -25025,7 +24853,7 @@
                   </a:schemeClr>
                 </a:solidFill>
               </a:rPr>
-              <a:t>, I currently think of design patterns as a shared vocabulary for </a:t>
+              <a:t>of design patterns as a shared vocabulary for </a:t>
             </a:r>
             <a:r>
               <a:rPr lang="en-US" i="1" dirty="0" smtClean="0">
@@ -25139,15 +24967,31 @@
                   </a:schemeClr>
                 </a:solidFill>
               </a:rPr>
-              <a:t>Rather than “a general reusable solution to a commonly occurring problem”,</a:t>
+              <a:t>Rather than “a general reusable solution to a commonly occurring problem”, I currently think of design patterns as </a:t>
             </a:r>
             <a:r>
               <a:rPr lang="en-US" dirty="0" smtClean="0">
                 <a:solidFill>
-                  <a:srgbClr val="FF7400"/>
-                </a:solidFill>
-              </a:rPr>
-              <a:t> I currently think </a:t>
+                  <a:srgbClr val="00DB00"/>
+                </a:solidFill>
+              </a:rPr>
+              <a:t>a shared vocabulary for </a:t>
+            </a:r>
+            <a:r>
+              <a:rPr lang="en-US" dirty="0" smtClean="0">
+                <a:solidFill>
+                  <a:srgbClr val="FF00FF"/>
+                </a:solidFill>
+              </a:rPr>
+              <a:t>discussing</a:t>
+            </a:r>
+            <a:r>
+              <a:rPr lang="en-US" dirty="0" smtClean="0">
+                <a:solidFill>
+                  <a:srgbClr val="00DB00"/>
+                </a:solidFill>
+              </a:rPr>
+              <a:t> the observable commonalities </a:t>
             </a:r>
             <a:r>
               <a:rPr lang="en-US" dirty="0" smtClean="0">
@@ -25157,27 +25001,7 @@
                   </a:schemeClr>
                 </a:solidFill>
               </a:rPr>
-              <a:t>of design patterns as a shared vocabulary for </a:t>
-            </a:r>
-            <a:r>
-              <a:rPr lang="en-US" i="1" dirty="0" smtClean="0">
-                <a:solidFill>
-                  <a:schemeClr val="bg1">
-                    <a:lumMod val="75000"/>
-                  </a:schemeClr>
-                </a:solidFill>
-              </a:rPr>
-              <a:t>discussing</a:t>
-            </a:r>
-            <a:r>
-              <a:rPr lang="en-US" dirty="0" smtClean="0">
-                <a:solidFill>
-                  <a:schemeClr val="bg1">
-                    <a:lumMod val="75000"/>
-                  </a:schemeClr>
-                </a:solidFill>
-              </a:rPr>
-              <a:t> the observable commonalities between two or more solutions, </a:t>
+              <a:t>between two or more solutions, </a:t>
             </a:r>
             <a:r>
               <a:rPr lang="en-US" i="1" dirty="0" smtClean="0">
@@ -25271,50 +25095,10 @@
                   </a:schemeClr>
                 </a:solidFill>
               </a:rPr>
-              <a:t>Rather than “a general reusable solution to a commonly occurring problem”, I currently think of design patterns as </a:t>
-            </a:r>
-            <a:r>
-              <a:rPr lang="en-US" dirty="0" smtClean="0">
-                <a:solidFill>
-                  <a:srgbClr val="00DB00"/>
-                </a:solidFill>
-              </a:rPr>
-              <a:t>a shared vocabulary for </a:t>
-            </a:r>
-            <a:r>
-              <a:rPr lang="en-US" dirty="0" smtClean="0">
-                <a:solidFill>
-                  <a:srgbClr val="FF00FF"/>
-                </a:solidFill>
-              </a:rPr>
-              <a:t>discussing</a:t>
-            </a:r>
-            <a:r>
-              <a:rPr lang="en-US" dirty="0" smtClean="0">
-                <a:solidFill>
-                  <a:srgbClr val="00DB00"/>
-                </a:solidFill>
-              </a:rPr>
-              <a:t> the observable commonalities </a:t>
-            </a:r>
-            <a:r>
-              <a:rPr lang="en-US" dirty="0" smtClean="0">
-                <a:solidFill>
-                  <a:schemeClr val="bg1">
-                    <a:lumMod val="75000"/>
-                  </a:schemeClr>
-                </a:solidFill>
-              </a:rPr>
-              <a:t>between two or more solutions, </a:t>
-            </a:r>
-            <a:r>
-              <a:rPr lang="en-US" i="1" dirty="0" smtClean="0">
-                <a:solidFill>
-                  <a:schemeClr val="bg1">
-                    <a:lumMod val="75000"/>
-                  </a:schemeClr>
-                </a:solidFill>
-              </a:rPr>
+              <a:t>Rather than “a general reusable solution to a commonly occurring problem”, I currently think of design patterns as a shared vocabulary for discussing the observable commonalities between two or more solutions, </a:t>
+            </a:r>
+            <a:r>
+              <a:rPr lang="en-US" dirty="0" smtClean="0"/>
               <a:t>after they’ve emerged</a:t>
             </a:r>
             <a:r>
@@ -25381,8 +25165,8 @@
         </p:nvSpPr>
         <p:spPr>
           <a:xfrm>
-            <a:off x="0" y="0"/>
-            <a:ext cx="9144000" cy="6858000"/>
+            <a:off x="971600" y="3861048"/>
+            <a:ext cx="7200800" cy="1728192"/>
           </a:xfrm>
         </p:spPr>
         <p:txBody>
@@ -25392,39 +25176,82 @@
           <a:lstStyle/>
           <a:p>
             <a:r>
-              <a:rPr lang="en-US" dirty="0" smtClean="0">
-                <a:solidFill>
-                  <a:schemeClr val="bg1">
-                    <a:lumMod val="75000"/>
-                  </a:schemeClr>
-                </a:solidFill>
-              </a:rPr>
-              <a:t>Rather than “a general reusable solution to a commonly occurring problem”, I currently think of design patterns as a shared vocabulary for discussing the observable commonalities between two or more solutions, </a:t>
-            </a:r>
-            <a:r>
-              <a:rPr lang="en-US" dirty="0" smtClean="0"/>
-              <a:t>after they’ve emerged</a:t>
-            </a:r>
-            <a:r>
-              <a:rPr lang="en-US" dirty="0" smtClean="0">
-                <a:solidFill>
-                  <a:schemeClr val="bg1">
-                    <a:lumMod val="75000"/>
-                  </a:schemeClr>
-                </a:solidFill>
-              </a:rPr>
-              <a:t>.</a:t>
-            </a:r>
-            <a:endParaRPr lang="en-US" dirty="0">
-              <a:solidFill>
-                <a:schemeClr val="bg1">
-                  <a:lumMod val="75000"/>
-                </a:schemeClr>
-              </a:solidFill>
+              <a:rPr lang="de-AT" sz="2000" dirty="0" smtClean="0">
+                <a:latin typeface="Roboto" pitchFamily="2" charset="0"/>
+                <a:ea typeface="Roboto" pitchFamily="2" charset="0"/>
+                <a:hlinkClick r:id="rId2"/>
+              </a:rPr>
+              <a:t>https://twitter.com/#!/jmrtn</a:t>
+            </a:r>
+            <a:r>
+              <a:rPr lang="de-AT" sz="1200" dirty="0" smtClean="0">
+                <a:latin typeface="Roboto" pitchFamily="2" charset="0"/>
+                <a:ea typeface="Roboto" pitchFamily="2" charset="0"/>
+              </a:rPr>
+              <a:t/>
+            </a:r>
+            <a:br>
+              <a:rPr lang="de-AT" sz="1200" dirty="0" smtClean="0">
+                <a:latin typeface="Roboto" pitchFamily="2" charset="0"/>
+                <a:ea typeface="Roboto" pitchFamily="2" charset="0"/>
+              </a:rPr>
+            </a:br>
+            <a:r>
+              <a:rPr lang="de-AT" sz="1200" dirty="0" smtClean="0">
+                <a:latin typeface="Roboto" pitchFamily="2" charset="0"/>
+                <a:ea typeface="Roboto" pitchFamily="2" charset="0"/>
+                <a:hlinkClick r:id="rId3"/>
+              </a:rPr>
+              <a:t/>
+            </a:r>
+            <a:br>
+              <a:rPr lang="de-AT" sz="1200" dirty="0" smtClean="0">
+                <a:latin typeface="Roboto" pitchFamily="2" charset="0"/>
+                <a:ea typeface="Roboto" pitchFamily="2" charset="0"/>
+                <a:hlinkClick r:id="rId3"/>
+              </a:rPr>
+            </a:br>
+            <a:r>
+              <a:rPr lang="de-AT" sz="1200" dirty="0" smtClean="0">
+                <a:latin typeface="Roboto" pitchFamily="2" charset="0"/>
+                <a:ea typeface="Roboto" pitchFamily="2" charset="0"/>
+                <a:hlinkClick r:id="rId3"/>
+              </a:rPr>
+              <a:t>http://jmrtn.com/notes/2012/02/17/design-patterns.html</a:t>
+            </a:r>
+            <a:endParaRPr lang="en-US" sz="1200" dirty="0">
+              <a:latin typeface="Roboto" pitchFamily="2" charset="0"/>
+              <a:ea typeface="Roboto" pitchFamily="2" charset="0"/>
             </a:endParaRPr>
           </a:p>
         </p:txBody>
       </p:sp>
+      <p:pic>
+        <p:nvPicPr>
+          <p:cNvPr id="3074" name="Picture 2" descr="C:\Users\Johannes Hofmeister\Desktop\documents\EmpathicCode\me-laughing-in-madrid-cropped.png"/>
+          <p:cNvPicPr>
+            <a:picLocks noChangeAspect="1" noChangeArrowheads="1"/>
+          </p:cNvPicPr>
+          <p:nvPr/>
+        </p:nvPicPr>
+        <p:blipFill>
+          <a:blip r:embed="rId4" cstate="print"/>
+          <a:srcRect/>
+          <a:stretch>
+            <a:fillRect/>
+          </a:stretch>
+        </p:blipFill>
+        <p:spPr bwMode="auto">
+          <a:xfrm>
+            <a:off x="3203848" y="1340768"/>
+            <a:ext cx="2774529" cy="2774529"/>
+          </a:xfrm>
+          <a:prstGeom prst="rect">
+            <a:avLst/>
+          </a:prstGeom>
+          <a:noFill/>
+        </p:spPr>
+      </p:pic>
     </p:spTree>
   </p:cSld>
   <p:clrMapOvr>
@@ -25459,7 +25286,7 @@
       </p:grpSpPr>
       <p:sp>
         <p:nvSpPr>
-          <p:cNvPr id="2" name="Titel 1"/>
+          <p:cNvPr id="3" name="Titel 2"/>
           <p:cNvSpPr>
             <a:spLocks noGrp="1"/>
           </p:cNvSpPr>
@@ -25467,95 +25294,78 @@
             <p:ph type="title"/>
           </p:nvPr>
         </p:nvSpPr>
-        <p:spPr>
-          <a:xfrm>
-            <a:off x="971600" y="3861048"/>
-            <a:ext cx="7200800" cy="1728192"/>
-          </a:xfrm>
-        </p:spPr>
-        <p:txBody>
-          <a:bodyPr>
-            <a:normAutofit/>
-          </a:bodyPr>
-          <a:lstStyle/>
-          <a:p>
-            <a:r>
-              <a:rPr lang="de-AT" sz="2000" dirty="0" smtClean="0">
-                <a:latin typeface="Roboto" pitchFamily="2" charset="0"/>
-                <a:ea typeface="Roboto" pitchFamily="2" charset="0"/>
-                <a:hlinkClick r:id="rId2"/>
-              </a:rPr>
-              <a:t>https://twitter.com/#!/jmrtn</a:t>
-            </a:r>
-            <a:r>
-              <a:rPr lang="de-AT" sz="1200" dirty="0" smtClean="0">
-                <a:latin typeface="Roboto" pitchFamily="2" charset="0"/>
-                <a:ea typeface="Roboto" pitchFamily="2" charset="0"/>
-              </a:rPr>
-              <a:t/>
-            </a:r>
-            <a:br>
-              <a:rPr lang="de-AT" sz="1200" dirty="0" smtClean="0">
-                <a:latin typeface="Roboto" pitchFamily="2" charset="0"/>
-                <a:ea typeface="Roboto" pitchFamily="2" charset="0"/>
-              </a:rPr>
-            </a:br>
-            <a:r>
-              <a:rPr lang="de-AT" sz="1200" dirty="0" smtClean="0">
-                <a:latin typeface="Roboto" pitchFamily="2" charset="0"/>
-                <a:ea typeface="Roboto" pitchFamily="2" charset="0"/>
-                <a:hlinkClick r:id="rId3"/>
-              </a:rPr>
-              <a:t/>
-            </a:r>
-            <a:br>
-              <a:rPr lang="de-AT" sz="1200" dirty="0" smtClean="0">
-                <a:latin typeface="Roboto" pitchFamily="2" charset="0"/>
-                <a:ea typeface="Roboto" pitchFamily="2" charset="0"/>
-                <a:hlinkClick r:id="rId3"/>
-              </a:rPr>
-            </a:br>
-            <a:r>
-              <a:rPr lang="de-AT" sz="1200" dirty="0" smtClean="0">
-                <a:latin typeface="Roboto" pitchFamily="2" charset="0"/>
-                <a:ea typeface="Roboto" pitchFamily="2" charset="0"/>
-                <a:hlinkClick r:id="rId3"/>
-              </a:rPr>
-              <a:t>http://jmrtn.com/notes/2012/02/17/design-patterns.html</a:t>
-            </a:r>
-            <a:endParaRPr lang="en-US" sz="1200" dirty="0">
-              <a:latin typeface="Roboto" pitchFamily="2" charset="0"/>
-              <a:ea typeface="Roboto" pitchFamily="2" charset="0"/>
+        <p:spPr/>
+        <p:txBody>
+          <a:bodyPr/>
+          <a:lstStyle/>
+          <a:p>
+            <a:r>
+              <a:rPr lang="de-DE" sz="8000" dirty="0" err="1" smtClean="0">
+                <a:solidFill>
+                  <a:srgbClr val="FF00FF"/>
+                </a:solidFill>
+              </a:rPr>
+              <a:t>DomänenBEZUG</a:t>
+            </a:r>
+            <a:endParaRPr lang="en-US" sz="8000" dirty="0">
+              <a:solidFill>
+                <a:srgbClr val="FF00FF"/>
+              </a:solidFill>
             </a:endParaRPr>
           </a:p>
         </p:txBody>
       </p:sp>
-      <p:pic>
-        <p:nvPicPr>
-          <p:cNvPr id="3074" name="Picture 2" descr="C:\Users\Johannes Hofmeister\Desktop\documents\EmpathicCode\me-laughing-in-madrid-cropped.png"/>
-          <p:cNvPicPr>
-            <a:picLocks noChangeAspect="1" noChangeArrowheads="1"/>
-          </p:cNvPicPr>
-          <p:nvPr/>
-        </p:nvPicPr>
-        <p:blipFill>
-          <a:blip r:embed="rId4" cstate="print"/>
-          <a:srcRect/>
-          <a:stretch>
-            <a:fillRect/>
-          </a:stretch>
-        </p:blipFill>
-        <p:spPr bwMode="auto">
-          <a:xfrm>
-            <a:off x="3203848" y="1340768"/>
-            <a:ext cx="2774529" cy="2774529"/>
-          </a:xfrm>
-          <a:prstGeom prst="rect">
-            <a:avLst/>
-          </a:prstGeom>
-          <a:noFill/>
-        </p:spPr>
-      </p:pic>
+      <p:sp>
+        <p:nvSpPr>
+          <p:cNvPr id="4" name="Textplatzhalter 3"/>
+          <p:cNvSpPr>
+            <a:spLocks noGrp="1"/>
+          </p:cNvSpPr>
+          <p:nvPr>
+            <p:ph type="body" sz="quarter" idx="10"/>
+          </p:nvPr>
+        </p:nvSpPr>
+        <p:spPr/>
+        <p:txBody>
+          <a:bodyPr/>
+          <a:lstStyle/>
+          <a:p>
+            <a:r>
+              <a:rPr lang="de-DE" dirty="0" smtClean="0"/>
+              <a:t>Wenn du darüber sprichst…</a:t>
+            </a:r>
+            <a:endParaRPr lang="en-US" dirty="0"/>
+          </a:p>
+        </p:txBody>
+      </p:sp>
+      <p:sp>
+        <p:nvSpPr>
+          <p:cNvPr id="5" name="Textplatzhalter 4"/>
+          <p:cNvSpPr>
+            <a:spLocks noGrp="1"/>
+          </p:cNvSpPr>
+          <p:nvPr>
+            <p:ph type="body" sz="quarter" idx="11"/>
+          </p:nvPr>
+        </p:nvSpPr>
+        <p:spPr>
+          <a:xfrm>
+            <a:off x="683568" y="3933056"/>
+            <a:ext cx="7776864" cy="935161"/>
+          </a:xfrm>
+        </p:spPr>
+        <p:txBody>
+          <a:bodyPr/>
+          <a:lstStyle/>
+          <a:p>
+            <a:r>
+              <a:rPr lang="de-DE" dirty="0" smtClean="0"/>
+              <a:t>…ist es wahrscheinlich wichtig</a:t>
+            </a:r>
+            <a:endParaRPr lang="en-US" dirty="0"/>
+          </a:p>
+        </p:txBody>
+      </p:sp>
     </p:spTree>
   </p:cSld>
   <p:clrMapOvr>
@@ -25590,7 +25400,7 @@
       </p:grpSpPr>
       <p:sp>
         <p:nvSpPr>
-          <p:cNvPr id="3" name="Titel 2"/>
+          <p:cNvPr id="2" name="Titel 1"/>
           <p:cNvSpPr>
             <a:spLocks noGrp="1"/>
           </p:cNvSpPr>
@@ -25604,77 +25414,33 @@
           <a:lstStyle/>
           <a:p>
             <a:r>
-              <a:rPr lang="de-DE" sz="8000" dirty="0" smtClean="0">
+              <a:rPr lang="de-DE" dirty="0" smtClean="0"/>
+              <a:t>Email Adressen </a:t>
+            </a:r>
+            <a:br>
+              <a:rPr lang="de-DE" dirty="0" smtClean="0"/>
+            </a:br>
+            <a:r>
+              <a:rPr lang="de-DE" dirty="0" smtClean="0"/>
+              <a:t>sind </a:t>
+            </a:r>
+            <a:r>
+              <a:rPr lang="de-DE" dirty="0" smtClean="0">
                 <a:solidFill>
                   <a:srgbClr val="FF00FF"/>
                 </a:solidFill>
               </a:rPr>
-              <a:t>Domain </a:t>
-            </a:r>
-            <a:r>
-              <a:rPr lang="de-DE" sz="8000" dirty="0" err="1" smtClean="0">
-                <a:solidFill>
-                  <a:srgbClr val="FF00FF"/>
-                </a:solidFill>
-              </a:rPr>
-              <a:t>Relationship</a:t>
-            </a:r>
-            <a:endParaRPr lang="en-US" sz="8000" dirty="0">
+              <a:t>keine</a:t>
+            </a:r>
+            <a:r>
+              <a:rPr lang="de-DE" dirty="0" smtClean="0"/>
+              <a:t> Strings</a:t>
+            </a:r>
+            <a:endParaRPr lang="en-US" dirty="0">
               <a:solidFill>
-                <a:srgbClr val="FF00FF"/>
+                <a:srgbClr val="FF7400"/>
               </a:solidFill>
             </a:endParaRPr>
-          </a:p>
-        </p:txBody>
-      </p:sp>
-      <p:sp>
-        <p:nvSpPr>
-          <p:cNvPr id="4" name="Textplatzhalter 3"/>
-          <p:cNvSpPr>
-            <a:spLocks noGrp="1"/>
-          </p:cNvSpPr>
-          <p:nvPr>
-            <p:ph type="body" sz="quarter" idx="10"/>
-          </p:nvPr>
-        </p:nvSpPr>
-        <p:spPr/>
-        <p:txBody>
-          <a:bodyPr/>
-          <a:lstStyle/>
-          <a:p>
-            <a:r>
-              <a:rPr lang="de-DE" dirty="0" smtClean="0"/>
-              <a:t>Wenn du darüber sprichst…</a:t>
-            </a:r>
-            <a:endParaRPr lang="en-US" dirty="0"/>
-          </a:p>
-        </p:txBody>
-      </p:sp>
-      <p:sp>
-        <p:nvSpPr>
-          <p:cNvPr id="5" name="Textplatzhalter 4"/>
-          <p:cNvSpPr>
-            <a:spLocks noGrp="1"/>
-          </p:cNvSpPr>
-          <p:nvPr>
-            <p:ph type="body" sz="quarter" idx="11"/>
-          </p:nvPr>
-        </p:nvSpPr>
-        <p:spPr>
-          <a:xfrm>
-            <a:off x="683568" y="3933056"/>
-            <a:ext cx="7776864" cy="935161"/>
-          </a:xfrm>
-        </p:spPr>
-        <p:txBody>
-          <a:bodyPr/>
-          <a:lstStyle/>
-          <a:p>
-            <a:r>
-              <a:rPr lang="de-DE" dirty="0" smtClean="0"/>
-              <a:t>…ist es wahrscheinlich wichtig</a:t>
-            </a:r>
-            <a:endParaRPr lang="en-US" dirty="0"/>
           </a:p>
         </p:txBody>
       </p:sp>
@@ -25726,15 +25492,12 @@
           <a:lstStyle/>
           <a:p>
             <a:r>
-              <a:rPr lang="de-DE" dirty="0" smtClean="0"/>
-              <a:t>Email Adressen </a:t>
-            </a:r>
-            <a:br>
-              <a:rPr lang="de-DE" dirty="0" smtClean="0"/>
-            </a:br>
-            <a:r>
-              <a:rPr lang="de-DE" dirty="0" smtClean="0"/>
-              <a:t>sind </a:t>
+              <a:rPr lang="de-DE" dirty="0" err="1" smtClean="0">
+                <a:solidFill>
+                  <a:srgbClr val="FF00FF"/>
+                </a:solidFill>
+              </a:rPr>
+              <a:t>TinY</a:t>
             </a:r>
             <a:r>
               <a:rPr lang="de-DE" dirty="0" smtClean="0">
@@ -25742,19 +25505,19 @@
                   <a:srgbClr val="FF00FF"/>
                 </a:solidFill>
               </a:rPr>
-              <a:t>keine</a:t>
-            </a:r>
-            <a:r>
-              <a:rPr lang="de-DE" dirty="0" smtClean="0"/>
               <a:t> </a:t>
             </a:r>
             <a:r>
-              <a:rPr lang="de-DE" dirty="0" smtClean="0"/>
-              <a:t>Strings</a:t>
+              <a:rPr lang="de-DE" dirty="0" err="1" smtClean="0">
+                <a:solidFill>
+                  <a:srgbClr val="FF00FF"/>
+                </a:solidFill>
+              </a:rPr>
+              <a:t>TYpes</a:t>
             </a:r>
             <a:endParaRPr lang="en-US" dirty="0">
               <a:solidFill>
-                <a:srgbClr val="FF7400"/>
+                <a:srgbClr val="FF00FF"/>
               </a:solidFill>
             </a:endParaRPr>
           </a:p>
@@ -25794,7 +25557,7 @@
       </p:grpSpPr>
       <p:sp>
         <p:nvSpPr>
-          <p:cNvPr id="2" name="Titel 1"/>
+          <p:cNvPr id="3" name="Titel 2"/>
           <p:cNvSpPr>
             <a:spLocks noGrp="1"/>
           </p:cNvSpPr>
@@ -25808,34 +25571,69 @@
           <a:lstStyle/>
           <a:p>
             <a:r>
-              <a:rPr lang="de-DE" dirty="0" err="1" smtClean="0">
+              <a:rPr lang="de-DE" sz="9600" dirty="0" smtClean="0">
                 <a:solidFill>
                   <a:srgbClr val="FF00FF"/>
                 </a:solidFill>
               </a:rPr>
-              <a:t>TinY</a:t>
-            </a:r>
-            <a:r>
-              <a:rPr lang="de-DE" dirty="0" smtClean="0">
-                <a:solidFill>
-                  <a:srgbClr val="FF00FF"/>
-                </a:solidFill>
-              </a:rPr>
-              <a:t> </a:t>
-            </a:r>
-            <a:r>
-              <a:rPr lang="de-DE" dirty="0" err="1" smtClean="0">
-                <a:solidFill>
-                  <a:srgbClr val="FF00FF"/>
-                </a:solidFill>
-              </a:rPr>
-              <a:t>TYpes</a:t>
-            </a:r>
-            <a:endParaRPr lang="en-US" dirty="0">
+              <a:t>Domänensprache</a:t>
+            </a:r>
+            <a:endParaRPr lang="en-US" sz="9600" dirty="0">
               <a:solidFill>
                 <a:srgbClr val="FF00FF"/>
               </a:solidFill>
             </a:endParaRPr>
+          </a:p>
+        </p:txBody>
+      </p:sp>
+      <p:sp>
+        <p:nvSpPr>
+          <p:cNvPr id="4" name="Textplatzhalter 3"/>
+          <p:cNvSpPr>
+            <a:spLocks noGrp="1"/>
+          </p:cNvSpPr>
+          <p:nvPr>
+            <p:ph type="body" sz="quarter" idx="10"/>
+          </p:nvPr>
+        </p:nvSpPr>
+        <p:spPr/>
+        <p:txBody>
+          <a:bodyPr/>
+          <a:lstStyle/>
+          <a:p>
+            <a:r>
+              <a:rPr lang="de-DE" dirty="0" smtClean="0"/>
+              <a:t>Ubiquitous Language</a:t>
+            </a:r>
+            <a:endParaRPr lang="en-US" dirty="0"/>
+          </a:p>
+        </p:txBody>
+      </p:sp>
+      <p:sp>
+        <p:nvSpPr>
+          <p:cNvPr id="5" name="Textplatzhalter 4"/>
+          <p:cNvSpPr>
+            <a:spLocks noGrp="1"/>
+          </p:cNvSpPr>
+          <p:nvPr>
+            <p:ph type="body" sz="quarter" idx="11"/>
+          </p:nvPr>
+        </p:nvSpPr>
+        <p:spPr>
+          <a:xfrm>
+            <a:off x="683568" y="3933056"/>
+            <a:ext cx="7776864" cy="935161"/>
+          </a:xfrm>
+        </p:spPr>
+        <p:txBody>
+          <a:bodyPr/>
+          <a:lstStyle/>
+          <a:p>
+            <a:r>
+              <a:rPr lang="de-DE" sz="4000" dirty="0" smtClean="0"/>
+              <a:t>Gegen Babylonische Sprachverwirrung</a:t>
+            </a:r>
+            <a:endParaRPr lang="en-US" sz="4000" dirty="0"/>
           </a:p>
         </p:txBody>
       </p:sp>
@@ -26017,7 +25815,7 @@
       </p:grpSpPr>
       <p:sp>
         <p:nvSpPr>
-          <p:cNvPr id="3" name="Titel 2"/>
+          <p:cNvPr id="2" name="Titel 1"/>
           <p:cNvSpPr>
             <a:spLocks noGrp="1"/>
           </p:cNvSpPr>
@@ -26031,69 +25829,32 @@
           <a:lstStyle/>
           <a:p>
             <a:r>
-              <a:rPr lang="de-DE" sz="9600" dirty="0" smtClean="0">
+              <a:rPr lang="de-DE" dirty="0" smtClean="0"/>
+              <a:t>Systemische Metapher</a:t>
+            </a:r>
+            <a:br>
+              <a:rPr lang="de-DE" dirty="0" smtClean="0"/>
+            </a:br>
+            <a:r>
+              <a:rPr lang="de-DE" dirty="0" smtClean="0"/>
+              <a:t/>
+            </a:r>
+            <a:br>
+              <a:rPr lang="de-DE" dirty="0" smtClean="0"/>
+            </a:br>
+            <a:r>
+              <a:rPr lang="de-DE" dirty="0" smtClean="0">
                 <a:solidFill>
                   <a:srgbClr val="FF00FF"/>
                 </a:solidFill>
               </a:rPr>
-              <a:t>DOMAIN LANGUAGE</a:t>
-            </a:r>
-            <a:endParaRPr lang="en-US" sz="9600" dirty="0">
+              <a:t>Klare Namen</a:t>
+            </a:r>
+            <a:endParaRPr lang="en-US" dirty="0">
               <a:solidFill>
                 <a:srgbClr val="FF00FF"/>
               </a:solidFill>
             </a:endParaRPr>
-          </a:p>
-        </p:txBody>
-      </p:sp>
-      <p:sp>
-        <p:nvSpPr>
-          <p:cNvPr id="4" name="Textplatzhalter 3"/>
-          <p:cNvSpPr>
-            <a:spLocks noGrp="1"/>
-          </p:cNvSpPr>
-          <p:nvPr>
-            <p:ph type="body" sz="quarter" idx="10"/>
-          </p:nvPr>
-        </p:nvSpPr>
-        <p:spPr/>
-        <p:txBody>
-          <a:bodyPr/>
-          <a:lstStyle/>
-          <a:p>
-            <a:r>
-              <a:rPr lang="de-DE" dirty="0" smtClean="0"/>
-              <a:t>Ubiquitous Language</a:t>
-            </a:r>
-            <a:endParaRPr lang="en-US" dirty="0"/>
-          </a:p>
-        </p:txBody>
-      </p:sp>
-      <p:sp>
-        <p:nvSpPr>
-          <p:cNvPr id="5" name="Textplatzhalter 4"/>
-          <p:cNvSpPr>
-            <a:spLocks noGrp="1"/>
-          </p:cNvSpPr>
-          <p:nvPr>
-            <p:ph type="body" sz="quarter" idx="11"/>
-          </p:nvPr>
-        </p:nvSpPr>
-        <p:spPr>
-          <a:xfrm>
-            <a:off x="683568" y="3933056"/>
-            <a:ext cx="7776864" cy="935161"/>
-          </a:xfrm>
-        </p:spPr>
-        <p:txBody>
-          <a:bodyPr/>
-          <a:lstStyle/>
-          <a:p>
-            <a:r>
-              <a:rPr lang="de-DE" sz="4000" dirty="0" smtClean="0"/>
-              <a:t>Gegen Babylonische Sprachverwirrung</a:t>
-            </a:r>
-            <a:endParaRPr lang="en-US" sz="4000" dirty="0"/>
           </a:p>
         </p:txBody>
       </p:sp>
@@ -26131,7 +25892,7 @@
       </p:grpSpPr>
       <p:sp>
         <p:nvSpPr>
-          <p:cNvPr id="2" name="Titel 1"/>
+          <p:cNvPr id="3" name="Titel 2"/>
           <p:cNvSpPr>
             <a:spLocks noGrp="1"/>
           </p:cNvSpPr>
@@ -26145,32 +25906,64 @@
           <a:lstStyle/>
           <a:p>
             <a:r>
-              <a:rPr lang="de-DE" dirty="0" smtClean="0"/>
-              <a:t>Systemische Metapher</a:t>
-            </a:r>
-            <a:br>
-              <a:rPr lang="de-DE" dirty="0" smtClean="0"/>
-            </a:br>
-            <a:r>
-              <a:rPr lang="de-DE" dirty="0" smtClean="0"/>
-              <a:t/>
-            </a:r>
-            <a:br>
-              <a:rPr lang="de-DE" dirty="0" smtClean="0"/>
-            </a:br>
-            <a:r>
               <a:rPr lang="de-DE" dirty="0" smtClean="0">
                 <a:solidFill>
                   <a:srgbClr val="FF00FF"/>
                 </a:solidFill>
               </a:rPr>
-              <a:t>Klare Namen</a:t>
+              <a:t>Worthülsen</a:t>
             </a:r>
             <a:endParaRPr lang="en-US" dirty="0">
               <a:solidFill>
                 <a:srgbClr val="FF00FF"/>
               </a:solidFill>
             </a:endParaRPr>
+          </a:p>
+        </p:txBody>
+      </p:sp>
+      <p:sp>
+        <p:nvSpPr>
+          <p:cNvPr id="4" name="Textplatzhalter 3"/>
+          <p:cNvSpPr>
+            <a:spLocks noGrp="1"/>
+          </p:cNvSpPr>
+          <p:nvPr>
+            <p:ph type="body" sz="quarter" idx="10"/>
+          </p:nvPr>
+        </p:nvSpPr>
+        <p:spPr/>
+        <p:txBody>
+          <a:bodyPr/>
+          <a:lstStyle/>
+          <a:p>
+            <a:r>
+              <a:rPr lang="de-DE" dirty="0" smtClean="0"/>
+              <a:t>Weasel Words</a:t>
+            </a:r>
+            <a:endParaRPr lang="en-US" dirty="0"/>
+          </a:p>
+        </p:txBody>
+      </p:sp>
+      <p:sp>
+        <p:nvSpPr>
+          <p:cNvPr id="5" name="Textplatzhalter 4"/>
+          <p:cNvSpPr>
+            <a:spLocks noGrp="1"/>
+          </p:cNvSpPr>
+          <p:nvPr>
+            <p:ph type="body" sz="quarter" idx="11"/>
+          </p:nvPr>
+        </p:nvSpPr>
+        <p:spPr/>
+        <p:txBody>
+          <a:bodyPr/>
+          <a:lstStyle/>
+          <a:p>
+            <a:r>
+              <a:rPr lang="de-DE" dirty="0" smtClean="0"/>
+              <a:t>Entfernen, wo es geht!</a:t>
+            </a:r>
+            <a:endParaRPr lang="en-US" dirty="0"/>
           </a:p>
         </p:txBody>
       </p:sp>
@@ -26208,7 +26001,7 @@
       </p:grpSpPr>
       <p:sp>
         <p:nvSpPr>
-          <p:cNvPr id="3" name="Titel 2"/>
+          <p:cNvPr id="2" name="Titel 1"/>
           <p:cNvSpPr>
             <a:spLocks noGrp="1"/>
           </p:cNvSpPr>
@@ -26222,64 +26015,71 @@
           <a:lstStyle/>
           <a:p>
             <a:r>
+              <a:rPr lang="de-DE" dirty="0" smtClean="0"/>
+              <a:t>Manager</a:t>
+            </a:r>
+            <a:br>
+              <a:rPr lang="de-DE" dirty="0" smtClean="0"/>
+            </a:br>
+            <a:r>
+              <a:rPr lang="de-DE" dirty="0" err="1" smtClean="0">
+                <a:solidFill>
+                  <a:srgbClr val="FF7400"/>
+                </a:solidFill>
+              </a:rPr>
+              <a:t>broker</a:t>
+            </a:r>
+            <a:r>
               <a:rPr lang="de-DE" dirty="0" smtClean="0">
                 <a:solidFill>
+                  <a:srgbClr val="FF7400"/>
+                </a:solidFill>
+              </a:rPr>
+              <a:t/>
+            </a:r>
+            <a:br>
+              <a:rPr lang="de-DE" dirty="0" smtClean="0">
+                <a:solidFill>
+                  <a:srgbClr val="FF7400"/>
+                </a:solidFill>
+              </a:rPr>
+            </a:br>
+            <a:r>
+              <a:rPr lang="de-DE" dirty="0" err="1" smtClean="0">
+                <a:solidFill>
+                  <a:srgbClr val="00DB00"/>
+                </a:solidFill>
+              </a:rPr>
+              <a:t>dispatcher</a:t>
+            </a:r>
+            <a:r>
+              <a:rPr lang="de-DE" dirty="0" smtClean="0">
+                <a:solidFill>
+                  <a:srgbClr val="00DB00"/>
+                </a:solidFill>
+              </a:rPr>
+              <a:t/>
+            </a:r>
+            <a:br>
+              <a:rPr lang="de-DE" dirty="0" smtClean="0">
+                <a:solidFill>
+                  <a:srgbClr val="00DB00"/>
+                </a:solidFill>
+              </a:rPr>
+            </a:br>
+            <a:r>
+              <a:rPr lang="de-DE" dirty="0" err="1" smtClean="0">
+                <a:solidFill>
                   <a:srgbClr val="FF00FF"/>
                 </a:solidFill>
               </a:rPr>
-              <a:t>Worthülsen</a:t>
+              <a:t>impl</a:t>
             </a:r>
             <a:endParaRPr lang="en-US" dirty="0">
               <a:solidFill>
                 <a:srgbClr val="FF00FF"/>
               </a:solidFill>
             </a:endParaRPr>
-          </a:p>
-        </p:txBody>
-      </p:sp>
-      <p:sp>
-        <p:nvSpPr>
-          <p:cNvPr id="4" name="Textplatzhalter 3"/>
-          <p:cNvSpPr>
-            <a:spLocks noGrp="1"/>
-          </p:cNvSpPr>
-          <p:nvPr>
-            <p:ph type="body" sz="quarter" idx="10"/>
-          </p:nvPr>
-        </p:nvSpPr>
-        <p:spPr/>
-        <p:txBody>
-          <a:bodyPr/>
-          <a:lstStyle/>
-          <a:p>
-            <a:r>
-              <a:rPr lang="de-DE" dirty="0" smtClean="0"/>
-              <a:t>Weasel Words</a:t>
-            </a:r>
-            <a:endParaRPr lang="en-US" dirty="0"/>
-          </a:p>
-        </p:txBody>
-      </p:sp>
-      <p:sp>
-        <p:nvSpPr>
-          <p:cNvPr id="5" name="Textplatzhalter 4"/>
-          <p:cNvSpPr>
-            <a:spLocks noGrp="1"/>
-          </p:cNvSpPr>
-          <p:nvPr>
-            <p:ph type="body" sz="quarter" idx="11"/>
-          </p:nvPr>
-        </p:nvSpPr>
-        <p:spPr/>
-        <p:txBody>
-          <a:bodyPr/>
-          <a:lstStyle/>
-          <a:p>
-            <a:r>
-              <a:rPr lang="de-DE" dirty="0" smtClean="0"/>
-              <a:t>Entfernen, wo es geht!</a:t>
-            </a:r>
-            <a:endParaRPr lang="en-US" dirty="0"/>
           </a:p>
         </p:txBody>
       </p:sp>
@@ -26317,7 +26117,7 @@
       </p:grpSpPr>
       <p:sp>
         <p:nvSpPr>
-          <p:cNvPr id="2" name="Titel 1"/>
+          <p:cNvPr id="3" name="Titel 2"/>
           <p:cNvSpPr>
             <a:spLocks noGrp="1"/>
           </p:cNvSpPr>
@@ -26325,77 +26125,21 @@
             <p:ph type="title"/>
           </p:nvPr>
         </p:nvSpPr>
-        <p:spPr/>
+        <p:spPr>
+          <a:xfrm>
+            <a:off x="971600" y="1988840"/>
+            <a:ext cx="7200800" cy="2880320"/>
+          </a:xfrm>
+        </p:spPr>
         <p:txBody>
           <a:bodyPr/>
           <a:lstStyle/>
           <a:p>
             <a:r>
-              <a:rPr lang="de-DE" dirty="0" smtClean="0"/>
-              <a:t>Manager</a:t>
-            </a:r>
-            <a:br>
-              <a:rPr lang="de-DE" dirty="0" smtClean="0"/>
-            </a:br>
-            <a:r>
-              <a:rPr lang="de-DE" dirty="0" err="1" smtClean="0">
-                <a:solidFill>
-                  <a:srgbClr val="FF7400"/>
-                </a:solidFill>
-              </a:rPr>
-              <a:t>broker</a:t>
-            </a:r>
-            <a:r>
-              <a:rPr lang="de-DE" dirty="0" smtClean="0">
-                <a:solidFill>
-                  <a:srgbClr val="FF7400"/>
-                </a:solidFill>
-              </a:rPr>
-              <a:t/>
-            </a:r>
-            <a:br>
-              <a:rPr lang="de-DE" dirty="0" smtClean="0">
-                <a:solidFill>
-                  <a:srgbClr val="FF7400"/>
-                </a:solidFill>
-              </a:rPr>
-            </a:br>
-            <a:r>
-              <a:rPr lang="de-DE" dirty="0" err="1" smtClean="0">
-                <a:solidFill>
-                  <a:srgbClr val="00DB00"/>
-                </a:solidFill>
-              </a:rPr>
-              <a:t>dispatcher</a:t>
-            </a:r>
-            <a:r>
-              <a:rPr lang="de-DE" dirty="0" smtClean="0">
-                <a:solidFill>
-                  <a:srgbClr val="00DB00"/>
-                </a:solidFill>
-              </a:rPr>
-              <a:t/>
-            </a:r>
-            <a:br>
-              <a:rPr lang="de-DE" dirty="0" smtClean="0">
-                <a:solidFill>
-                  <a:srgbClr val="00DB00"/>
-                </a:solidFill>
-              </a:rPr>
-            </a:br>
-            <a:r>
-              <a:rPr lang="de-DE" dirty="0" err="1" smtClean="0">
-                <a:solidFill>
-                  <a:srgbClr val="FF00FF"/>
-                </a:solidFill>
-              </a:rPr>
-              <a:t>impl</a:t>
-            </a:r>
-            <a:endParaRPr lang="en-US" dirty="0">
-              <a:solidFill>
-                <a:srgbClr val="FF00FF"/>
-              </a:solidFill>
-            </a:endParaRPr>
+              <a:rPr lang="en-US" sz="19900" dirty="0" smtClean="0"/>
+              <a:t>factory</a:t>
+            </a:r>
+            <a:endParaRPr lang="en-US" sz="19900" dirty="0"/>
           </a:p>
         </p:txBody>
       </p:sp>
@@ -26443,8 +26187,8 @@
         </p:nvSpPr>
         <p:spPr>
           <a:xfrm>
-            <a:off x="971600" y="1988840"/>
-            <a:ext cx="7200800" cy="2880320"/>
+            <a:off x="251520" y="1988840"/>
+            <a:ext cx="8640960" cy="2880320"/>
           </a:xfrm>
         </p:spPr>
         <p:txBody>
@@ -26452,10 +26196,18 @@
           <a:lstStyle/>
           <a:p>
             <a:r>
-              <a:rPr lang="en-US" sz="19900" dirty="0" smtClean="0"/>
-              <a:t>factory</a:t>
-            </a:r>
-            <a:endParaRPr lang="en-US" sz="19900" dirty="0"/>
+              <a:rPr lang="en-US" sz="16600" dirty="0" smtClean="0">
+                <a:solidFill>
+                  <a:srgbClr val="00DB00"/>
+                </a:solidFill>
+              </a:rPr>
+              <a:t>COMMAND</a:t>
+            </a:r>
+            <a:endParaRPr lang="en-US" sz="16600" dirty="0">
+              <a:solidFill>
+                <a:srgbClr val="00DB00"/>
+              </a:solidFill>
+            </a:endParaRPr>
           </a:p>
         </p:txBody>
       </p:sp>
@@ -26464,6 +26216,13 @@
   <p:clrMapOvr>
     <a:masterClrMapping/>
   </p:clrMapOvr>
+  <p:timing>
+    <p:tnLst>
+      <p:par>
+        <p:cTn id="1" dur="indefinite" restart="never" nodeType="tmRoot"/>
+      </p:par>
+    </p:tnLst>
+  </p:timing>
 </p:sld>
 </file>
 
@@ -26507,14 +26266,14 @@
             <a:r>
               <a:rPr lang="en-US" sz="16600" dirty="0" smtClean="0">
                 <a:solidFill>
-                  <a:srgbClr val="00DB00"/>
-                </a:solidFill>
-              </a:rPr>
-              <a:t>COMMAND</a:t>
+                  <a:srgbClr val="00B7FF"/>
+                </a:solidFill>
+              </a:rPr>
+              <a:t>REPOSITORY</a:t>
             </a:r>
             <a:endParaRPr lang="en-US" sz="16600" dirty="0">
               <a:solidFill>
-                <a:srgbClr val="00DB00"/>
+                <a:srgbClr val="00B7FF"/>
               </a:solidFill>
             </a:endParaRPr>
           </a:p>
@@ -26525,6 +26284,13 @@
   <p:clrMapOvr>
     <a:masterClrMapping/>
   </p:clrMapOvr>
+  <p:timing>
+    <p:tnLst>
+      <p:par>
+        <p:cTn id="1" dur="indefinite" restart="never" nodeType="tmRoot"/>
+      </p:par>
+    </p:tnLst>
+  </p:timing>
 </p:sld>
 </file>
 
@@ -26547,7 +26313,7 @@
       </p:grpSpPr>
       <p:sp>
         <p:nvSpPr>
-          <p:cNvPr id="3" name="Titel 2"/>
+          <p:cNvPr id="2" name="Titel 1"/>
           <p:cNvSpPr>
             <a:spLocks noGrp="1"/>
           </p:cNvSpPr>
@@ -26555,29 +26321,12 @@
             <p:ph type="title"/>
           </p:nvPr>
         </p:nvSpPr>
-        <p:spPr>
-          <a:xfrm>
-            <a:off x="251520" y="1988840"/>
-            <a:ext cx="8640960" cy="2880320"/>
-          </a:xfrm>
-        </p:spPr>
+        <p:spPr/>
         <p:txBody>
           <a:bodyPr/>
           <a:lstStyle/>
           <a:p>
-            <a:r>
-              <a:rPr lang="en-US" sz="16600" dirty="0" smtClean="0">
-                <a:solidFill>
-                  <a:srgbClr val="00B7FF"/>
-                </a:solidFill>
-              </a:rPr>
-              <a:t>REPOSITORY</a:t>
-            </a:r>
-            <a:endParaRPr lang="en-US" sz="16600" dirty="0">
-              <a:solidFill>
-                <a:srgbClr val="00B7FF"/>
-              </a:solidFill>
-            </a:endParaRPr>
+            <a:endParaRPr lang="en-US"/>
           </a:p>
         </p:txBody>
       </p:sp>
@@ -26586,6 +26335,13 @@
   <p:clrMapOvr>
     <a:masterClrMapping/>
   </p:clrMapOvr>
+  <p:timing>
+    <p:tnLst>
+      <p:par>
+        <p:cTn id="1" dur="indefinite" restart="never" nodeType="tmRoot"/>
+      </p:par>
+    </p:tnLst>
+  </p:timing>
 </p:sld>
 </file>
 
@@ -26621,7 +26377,65 @@
           <a:bodyPr/>
           <a:lstStyle/>
           <a:p>
-            <a:endParaRPr lang="en-US"/>
+            <a:r>
+              <a:rPr lang="en-US" dirty="0" smtClean="0">
+                <a:solidFill>
+                  <a:srgbClr val="FF00FF"/>
+                </a:solidFill>
+              </a:rPr>
+              <a:t>Running</a:t>
+            </a:r>
+            <a:endParaRPr lang="en-US" dirty="0">
+              <a:solidFill>
+                <a:srgbClr val="FF00FF"/>
+              </a:solidFill>
+            </a:endParaRPr>
+          </a:p>
+        </p:txBody>
+      </p:sp>
+      <p:sp>
+        <p:nvSpPr>
+          <p:cNvPr id="3" name="Textplatzhalter 2"/>
+          <p:cNvSpPr>
+            <a:spLocks noGrp="1"/>
+          </p:cNvSpPr>
+          <p:nvPr>
+            <p:ph type="body" sz="quarter" idx="10"/>
+          </p:nvPr>
+        </p:nvSpPr>
+        <p:spPr/>
+        <p:txBody>
+          <a:bodyPr/>
+          <a:lstStyle/>
+          <a:p>
+            <a:r>
+              <a:rPr lang="en-US" dirty="0" smtClean="0"/>
+              <a:t>Never Touch a</a:t>
+            </a:r>
+            <a:endParaRPr lang="en-US" dirty="0"/>
+          </a:p>
+        </p:txBody>
+      </p:sp>
+      <p:sp>
+        <p:nvSpPr>
+          <p:cNvPr id="4" name="Textplatzhalter 3"/>
+          <p:cNvSpPr>
+            <a:spLocks noGrp="1"/>
+          </p:cNvSpPr>
+          <p:nvPr>
+            <p:ph type="body" sz="quarter" idx="11"/>
+          </p:nvPr>
+        </p:nvSpPr>
+        <p:spPr/>
+        <p:txBody>
+          <a:bodyPr/>
+          <a:lstStyle/>
+          <a:p>
+            <a:r>
+              <a:rPr lang="en-US" dirty="0" smtClean="0"/>
+              <a:t>System</a:t>
+            </a:r>
+            <a:endParaRPr lang="en-US" dirty="0"/>
           </a:p>
         </p:txBody>
       </p:sp>
@@ -26630,6 +26444,13 @@
   <p:clrMapOvr>
     <a:masterClrMapping/>
   </p:clrMapOvr>
+  <p:timing>
+    <p:tnLst>
+      <p:par>
+        <p:cTn id="1" dur="indefinite" restart="never" nodeType="tmRoot"/>
+      </p:par>
+    </p:tnLst>
+  </p:timing>
 </p:sld>
 </file>
 
@@ -26698,7 +26519,11 @@
           <a:p>
             <a:r>
               <a:rPr lang="en-US" dirty="0" smtClean="0"/>
-              <a:t>Never Touch a</a:t>
+              <a:t>Never </a:t>
+            </a:r>
+            <a:r>
+              <a:rPr lang="en-US" dirty="0" smtClean="0"/>
+              <a:t>Change a</a:t>
             </a:r>
             <a:endParaRPr lang="en-US" dirty="0"/>
           </a:p>
@@ -26728,10 +26553,22 @@
         </p:txBody>
       </p:sp>
     </p:spTree>
+    <p:extLst>
+      <p:ext uri="{BB962C8B-B14F-4D97-AF65-F5344CB8AC3E}">
+        <p14:creationId xmlns:p14="http://schemas.microsoft.com/office/powerpoint/2010/main" val="3225836304"/>
+      </p:ext>
+    </p:extLst>
   </p:cSld>
   <p:clrMapOvr>
     <a:masterClrMapping/>
   </p:clrMapOvr>
+  <p:timing>
+    <p:tnLst>
+      <p:par>
+        <p:cTn id="1" dur="indefinite" restart="never" nodeType="tmRoot"/>
+      </p:par>
+    </p:tnLst>
+  </p:timing>
 </p:sld>
 </file>
 
@@ -26834,6 +26671,13 @@
   <p:clrMapOvr>
     <a:masterClrMapping/>
   </p:clrMapOvr>
+  <p:timing>
+    <p:tnLst>
+      <p:par>
+        <p:cTn id="1" dur="indefinite" restart="never" nodeType="tmRoot"/>
+      </p:par>
+    </p:tnLst>
+  </p:timing>
 </p:sld>
 </file>
 
@@ -27584,6 +27428,13 @@
   <p:clrMapOvr>
     <a:masterClrMapping/>
   </p:clrMapOvr>
+  <p:timing>
+    <p:tnLst>
+      <p:par>
+        <p:cTn id="1" dur="indefinite" restart="never" nodeType="tmRoot"/>
+      </p:par>
+    </p:tnLst>
+  </p:timing>
 </p:sld>
 </file>
 
@@ -27629,17 +27480,7 @@
                 <a:latin typeface="Roboto" pitchFamily="2" charset="0"/>
                 <a:ea typeface="Roboto" pitchFamily="2" charset="0"/>
               </a:rPr>
-              <a:t>It </a:t>
-            </a:r>
-            <a:r>
-              <a:rPr lang="en-US" sz="3600" dirty="0" smtClean="0">
-                <a:solidFill>
-                  <a:srgbClr val="FF7400"/>
-                </a:solidFill>
-                <a:latin typeface="Roboto" pitchFamily="2" charset="0"/>
-                <a:ea typeface="Roboto" pitchFamily="2" charset="0"/>
-              </a:rPr>
-              <a:t>was six men of </a:t>
+              <a:t>It was six men of </a:t>
             </a:r>
             <a:r>
               <a:rPr lang="en-US" sz="3600" dirty="0" err="1" smtClean="0">
@@ -27780,6 +27621,13 @@
   <p:clrMapOvr>
     <a:masterClrMapping/>
   </p:clrMapOvr>
+  <p:timing>
+    <p:tnLst>
+      <p:par>
+        <p:cTn id="1" dur="indefinite" restart="never" nodeType="tmRoot"/>
+      </p:par>
+    </p:tnLst>
+  </p:timing>
 </p:sld>
 </file>
 
@@ -27915,6 +27763,13 @@
   <p:clrMapOvr>
     <a:masterClrMapping/>
   </p:clrMapOvr>
+  <p:timing>
+    <p:tnLst>
+      <p:par>
+        <p:cTn id="1" dur="indefinite" restart="never" nodeType="tmRoot"/>
+      </p:par>
+    </p:tnLst>
+  </p:timing>
 </p:sld>
 </file>
 
@@ -28050,6 +27905,13 @@
   <p:clrMapOvr>
     <a:masterClrMapping/>
   </p:clrMapOvr>
+  <p:timing>
+    <p:tnLst>
+      <p:par>
+        <p:cTn id="1" dur="indefinite" restart="never" nodeType="tmRoot"/>
+      </p:par>
+    </p:tnLst>
+  </p:timing>
 </p:sld>
 </file>
 
@@ -28213,6 +28075,13 @@
   <p:clrMapOvr>
     <a:masterClrMapping/>
   </p:clrMapOvr>
+  <p:timing>
+    <p:tnLst>
+      <p:par>
+        <p:cTn id="1" dur="indefinite" restart="never" nodeType="tmRoot"/>
+      </p:par>
+    </p:tnLst>
+  </p:timing>
 </p:sld>
 </file>
 
@@ -28362,6 +28231,13 @@
   <p:clrMapOvr>
     <a:masterClrMapping/>
   </p:clrMapOvr>
+  <p:timing>
+    <p:tnLst>
+      <p:par>
+        <p:cTn id="1" dur="indefinite" restart="never" nodeType="tmRoot"/>
+      </p:par>
+    </p:tnLst>
+  </p:timing>
 </p:sld>
 </file>
 
@@ -28511,6 +28387,13 @@
   <p:clrMapOvr>
     <a:masterClrMapping/>
   </p:clrMapOvr>
+  <p:timing>
+    <p:tnLst>
+      <p:par>
+        <p:cTn id="1" dur="indefinite" restart="never" nodeType="tmRoot"/>
+      </p:par>
+    </p:tnLst>
+  </p:timing>
 </p:sld>
 </file>
 
@@ -28666,6 +28549,13 @@
   <p:clrMapOvr>
     <a:masterClrMapping/>
   </p:clrMapOvr>
+  <p:timing>
+    <p:tnLst>
+      <p:par>
+        <p:cTn id="1" dur="indefinite" restart="never" nodeType="tmRoot"/>
+      </p:par>
+    </p:tnLst>
+  </p:timing>
 </p:sld>
 </file>
 
@@ -28809,16 +28699,6 @@
               </a:rPr>
               <a:t>Though each was partly </a:t>
             </a:r>
-            <a:r>
-              <a:rPr lang="en-US" sz="3600" dirty="0" smtClean="0">
-                <a:solidFill>
-                  <a:srgbClr val="00DB00"/>
-                </a:solidFill>
-                <a:latin typeface="Roboto" pitchFamily="2" charset="0"/>
-                <a:ea typeface="Roboto" pitchFamily="2" charset="0"/>
-              </a:rPr>
-              <a:t/>
-            </a:r>
             <a:br>
               <a:rPr lang="en-US" sz="3600" dirty="0" smtClean="0">
                 <a:solidFill>
@@ -28836,17 +28716,7 @@
                 <a:latin typeface="Roboto" pitchFamily="2" charset="0"/>
                 <a:ea typeface="Roboto" pitchFamily="2" charset="0"/>
               </a:rPr>
-              <a:t>in </a:t>
-            </a:r>
-            <a:r>
-              <a:rPr lang="en-US" sz="3600" dirty="0" smtClean="0">
-                <a:solidFill>
-                  <a:srgbClr val="00DB00"/>
-                </a:solidFill>
-                <a:latin typeface="Roboto" pitchFamily="2" charset="0"/>
-                <a:ea typeface="Roboto" pitchFamily="2" charset="0"/>
-              </a:rPr>
-              <a:t>the right,</a:t>
+              <a:t>in the right,</a:t>
             </a:r>
             <a:br>
               <a:rPr lang="en-US" sz="3600" dirty="0" smtClean="0">
@@ -28882,6 +28752,13 @@
   <p:clrMapOvr>
     <a:masterClrMapping/>
   </p:clrMapOvr>
+  <p:timing>
+    <p:tnLst>
+      <p:par>
+        <p:cTn id="1" dur="indefinite" restart="never" nodeType="tmRoot"/>
+      </p:par>
+    </p:tnLst>
+  </p:timing>
 </p:sld>
 </file>
 
@@ -29200,6 +29077,13 @@
   <p:clrMapOvr>
     <a:masterClrMapping/>
   </p:clrMapOvr>
+  <p:timing>
+    <p:tnLst>
+      <p:par>
+        <p:cTn id="1" dur="indefinite" restart="never" nodeType="tmRoot"/>
+      </p:par>
+    </p:tnLst>
+  </p:timing>
 </p:sld>
 </file>
 
